--- a/figures/figures.pptx
+++ b/figures/figures.pptx
@@ -4,8 +4,13 @@
   <p:sldMasterIdLst>
     <p:sldMasterId id="2147483660" r:id="rId1"/>
   </p:sldMasterIdLst>
+  <p:notesMasterIdLst>
+    <p:notesMasterId r:id="rId5"/>
+  </p:notesMasterIdLst>
   <p:sldIdLst>
     <p:sldId id="256" r:id="rId2"/>
+    <p:sldId id="257" r:id="rId3"/>
+    <p:sldId id="258" r:id="rId4"/>
   </p:sldIdLst>
   <p:sldSz cx="13716000" cy="9144000"/>
   <p:notesSz cx="6858000" cy="9144000"/>
@@ -110,6 +115,439 @@
     </p:ext>
   </p:extLst>
 </p:presentation>
+</file>
+
+<file path=ppt/notesMasters/notesMaster1.xml><?xml version="1.0" encoding="utf-8"?>
+<p:notesMaster xmlns:a="http://schemas.openxmlformats.org/drawingml/2006/main" xmlns:r="http://schemas.openxmlformats.org/officeDocument/2006/relationships" xmlns:p="http://schemas.openxmlformats.org/presentationml/2006/main">
+  <p:cSld>
+    <p:bg>
+      <p:bgRef idx="1001">
+        <a:schemeClr val="bg1"/>
+      </p:bgRef>
+    </p:bg>
+    <p:spTree>
+      <p:nvGrpSpPr>
+        <p:cNvPr id="1" name=""/>
+        <p:cNvGrpSpPr/>
+        <p:nvPr/>
+      </p:nvGrpSpPr>
+      <p:grpSpPr>
+        <a:xfrm>
+          <a:off x="0" y="0"/>
+          <a:ext cx="0" cy="0"/>
+          <a:chOff x="0" y="0"/>
+          <a:chExt cx="0" cy="0"/>
+        </a:xfrm>
+      </p:grpSpPr>
+      <p:sp>
+        <p:nvSpPr>
+          <p:cNvPr id="2" name="Header Placeholder 1"/>
+          <p:cNvSpPr>
+            <a:spLocks noGrp="1"/>
+          </p:cNvSpPr>
+          <p:nvPr>
+            <p:ph type="hdr" sz="quarter"/>
+          </p:nvPr>
+        </p:nvSpPr>
+        <p:spPr>
+          <a:xfrm>
+            <a:off x="0" y="0"/>
+            <a:ext cx="2971800" cy="458788"/>
+          </a:xfrm>
+          <a:prstGeom prst="rect">
+            <a:avLst/>
+          </a:prstGeom>
+        </p:spPr>
+        <p:txBody>
+          <a:bodyPr vert="horz" lIns="91440" tIns="45720" rIns="91440" bIns="45720" rtlCol="0"/>
+          <a:lstStyle>
+            <a:lvl1pPr algn="l">
+              <a:defRPr sz="1200"/>
+            </a:lvl1pPr>
+          </a:lstStyle>
+          <a:p>
+            <a:endParaRPr lang="en-US"/>
+          </a:p>
+        </p:txBody>
+      </p:sp>
+      <p:sp>
+        <p:nvSpPr>
+          <p:cNvPr id="3" name="Date Placeholder 2"/>
+          <p:cNvSpPr>
+            <a:spLocks noGrp="1"/>
+          </p:cNvSpPr>
+          <p:nvPr>
+            <p:ph type="dt" idx="1"/>
+          </p:nvPr>
+        </p:nvSpPr>
+        <p:spPr>
+          <a:xfrm>
+            <a:off x="3884613" y="0"/>
+            <a:ext cx="2971800" cy="458788"/>
+          </a:xfrm>
+          <a:prstGeom prst="rect">
+            <a:avLst/>
+          </a:prstGeom>
+        </p:spPr>
+        <p:txBody>
+          <a:bodyPr vert="horz" lIns="91440" tIns="45720" rIns="91440" bIns="45720" rtlCol="0"/>
+          <a:lstStyle>
+            <a:lvl1pPr algn="r">
+              <a:defRPr sz="1200"/>
+            </a:lvl1pPr>
+          </a:lstStyle>
+          <a:p>
+            <a:fld id="{3EA4D083-0E5E-FD49-A238-9DDAE47A1CE4}" type="datetimeFigureOut">
+              <a:rPr lang="en-US" smtClean="0"/>
+              <a:t>5/6/22</a:t>
+            </a:fld>
+            <a:endParaRPr lang="en-US"/>
+          </a:p>
+        </p:txBody>
+      </p:sp>
+      <p:sp>
+        <p:nvSpPr>
+          <p:cNvPr id="4" name="Slide Image Placeholder 3"/>
+          <p:cNvSpPr>
+            <a:spLocks noGrp="1" noRot="1" noChangeAspect="1"/>
+          </p:cNvSpPr>
+          <p:nvPr>
+            <p:ph type="sldImg" idx="2"/>
+          </p:nvPr>
+        </p:nvSpPr>
+        <p:spPr>
+          <a:xfrm>
+            <a:off x="1114425" y="1143000"/>
+            <a:ext cx="4629150" cy="3086100"/>
+          </a:xfrm>
+          <a:prstGeom prst="rect">
+            <a:avLst/>
+          </a:prstGeom>
+          <a:noFill/>
+          <a:ln w="12700">
+            <a:solidFill>
+              <a:prstClr val="black"/>
+            </a:solidFill>
+          </a:ln>
+        </p:spPr>
+        <p:txBody>
+          <a:bodyPr vert="horz" lIns="91440" tIns="45720" rIns="91440" bIns="45720" rtlCol="0" anchor="ctr"/>
+          <a:lstStyle/>
+          <a:p>
+            <a:endParaRPr lang="en-US"/>
+          </a:p>
+        </p:txBody>
+      </p:sp>
+      <p:sp>
+        <p:nvSpPr>
+          <p:cNvPr id="5" name="Notes Placeholder 4"/>
+          <p:cNvSpPr>
+            <a:spLocks noGrp="1"/>
+          </p:cNvSpPr>
+          <p:nvPr>
+            <p:ph type="body" sz="quarter" idx="3"/>
+          </p:nvPr>
+        </p:nvSpPr>
+        <p:spPr>
+          <a:xfrm>
+            <a:off x="685800" y="4400550"/>
+            <a:ext cx="5486400" cy="3600450"/>
+          </a:xfrm>
+          <a:prstGeom prst="rect">
+            <a:avLst/>
+          </a:prstGeom>
+        </p:spPr>
+        <p:txBody>
+          <a:bodyPr vert="horz" lIns="91440" tIns="45720" rIns="91440" bIns="45720" rtlCol="0"/>
+          <a:lstStyle/>
+          <a:p>
+            <a:pPr lvl="0"/>
+            <a:r>
+              <a:rPr lang="en-US"/>
+              <a:t>Click to edit Master text styles</a:t>
+            </a:r>
+          </a:p>
+          <a:p>
+            <a:pPr lvl="1"/>
+            <a:r>
+              <a:rPr lang="en-US"/>
+              <a:t>Second level</a:t>
+            </a:r>
+          </a:p>
+          <a:p>
+            <a:pPr lvl="2"/>
+            <a:r>
+              <a:rPr lang="en-US"/>
+              <a:t>Third level</a:t>
+            </a:r>
+          </a:p>
+          <a:p>
+            <a:pPr lvl="3"/>
+            <a:r>
+              <a:rPr lang="en-US"/>
+              <a:t>Fourth level</a:t>
+            </a:r>
+          </a:p>
+          <a:p>
+            <a:pPr lvl="4"/>
+            <a:r>
+              <a:rPr lang="en-US"/>
+              <a:t>Fifth level</a:t>
+            </a:r>
+          </a:p>
+        </p:txBody>
+      </p:sp>
+      <p:sp>
+        <p:nvSpPr>
+          <p:cNvPr id="6" name="Footer Placeholder 5"/>
+          <p:cNvSpPr>
+            <a:spLocks noGrp="1"/>
+          </p:cNvSpPr>
+          <p:nvPr>
+            <p:ph type="ftr" sz="quarter" idx="4"/>
+          </p:nvPr>
+        </p:nvSpPr>
+        <p:spPr>
+          <a:xfrm>
+            <a:off x="0" y="8685213"/>
+            <a:ext cx="2971800" cy="458787"/>
+          </a:xfrm>
+          <a:prstGeom prst="rect">
+            <a:avLst/>
+          </a:prstGeom>
+        </p:spPr>
+        <p:txBody>
+          <a:bodyPr vert="horz" lIns="91440" tIns="45720" rIns="91440" bIns="45720" rtlCol="0" anchor="b"/>
+          <a:lstStyle>
+            <a:lvl1pPr algn="l">
+              <a:defRPr sz="1200"/>
+            </a:lvl1pPr>
+          </a:lstStyle>
+          <a:p>
+            <a:endParaRPr lang="en-US"/>
+          </a:p>
+        </p:txBody>
+      </p:sp>
+      <p:sp>
+        <p:nvSpPr>
+          <p:cNvPr id="7" name="Slide Number Placeholder 6"/>
+          <p:cNvSpPr>
+            <a:spLocks noGrp="1"/>
+          </p:cNvSpPr>
+          <p:nvPr>
+            <p:ph type="sldNum" sz="quarter" idx="5"/>
+          </p:nvPr>
+        </p:nvSpPr>
+        <p:spPr>
+          <a:xfrm>
+            <a:off x="3884613" y="8685213"/>
+            <a:ext cx="2971800" cy="458787"/>
+          </a:xfrm>
+          <a:prstGeom prst="rect">
+            <a:avLst/>
+          </a:prstGeom>
+        </p:spPr>
+        <p:txBody>
+          <a:bodyPr vert="horz" lIns="91440" tIns="45720" rIns="91440" bIns="45720" rtlCol="0" anchor="b"/>
+          <a:lstStyle>
+            <a:lvl1pPr algn="r">
+              <a:defRPr sz="1200"/>
+            </a:lvl1pPr>
+          </a:lstStyle>
+          <a:p>
+            <a:fld id="{56FE2948-D1B6-5D44-AAE8-D19E2C11204D}" type="slidenum">
+              <a:rPr lang="en-US" smtClean="0"/>
+              <a:t>‹#›</a:t>
+            </a:fld>
+            <a:endParaRPr lang="en-US"/>
+          </a:p>
+        </p:txBody>
+      </p:sp>
+    </p:spTree>
+    <p:extLst>
+      <p:ext uri="{BB962C8B-B14F-4D97-AF65-F5344CB8AC3E}">
+        <p14:creationId xmlns:p14="http://schemas.microsoft.com/office/powerpoint/2010/main" val="2929032903"/>
+      </p:ext>
+    </p:extLst>
+  </p:cSld>
+  <p:clrMap bg1="lt1" tx1="dk1" bg2="lt2" tx2="dk2" accent1="accent1" accent2="accent2" accent3="accent3" accent4="accent4" accent5="accent5" accent6="accent6" hlink="hlink" folHlink="folHlink"/>
+  <p:notesStyle>
+    <a:lvl1pPr marL="0" algn="l" defTabSz="914400" rtl="0" eaLnBrk="1" latinLnBrk="0" hangingPunct="1">
+      <a:defRPr sz="1200" kern="1200">
+        <a:solidFill>
+          <a:schemeClr val="tx1"/>
+        </a:solidFill>
+        <a:latin typeface="+mn-lt"/>
+        <a:ea typeface="+mn-ea"/>
+        <a:cs typeface="+mn-cs"/>
+      </a:defRPr>
+    </a:lvl1pPr>
+    <a:lvl2pPr marL="457200" algn="l" defTabSz="914400" rtl="0" eaLnBrk="1" latinLnBrk="0" hangingPunct="1">
+      <a:defRPr sz="1200" kern="1200">
+        <a:solidFill>
+          <a:schemeClr val="tx1"/>
+        </a:solidFill>
+        <a:latin typeface="+mn-lt"/>
+        <a:ea typeface="+mn-ea"/>
+        <a:cs typeface="+mn-cs"/>
+      </a:defRPr>
+    </a:lvl2pPr>
+    <a:lvl3pPr marL="914400" algn="l" defTabSz="914400" rtl="0" eaLnBrk="1" latinLnBrk="0" hangingPunct="1">
+      <a:defRPr sz="1200" kern="1200">
+        <a:solidFill>
+          <a:schemeClr val="tx1"/>
+        </a:solidFill>
+        <a:latin typeface="+mn-lt"/>
+        <a:ea typeface="+mn-ea"/>
+        <a:cs typeface="+mn-cs"/>
+      </a:defRPr>
+    </a:lvl3pPr>
+    <a:lvl4pPr marL="1371600" algn="l" defTabSz="914400" rtl="0" eaLnBrk="1" latinLnBrk="0" hangingPunct="1">
+      <a:defRPr sz="1200" kern="1200">
+        <a:solidFill>
+          <a:schemeClr val="tx1"/>
+        </a:solidFill>
+        <a:latin typeface="+mn-lt"/>
+        <a:ea typeface="+mn-ea"/>
+        <a:cs typeface="+mn-cs"/>
+      </a:defRPr>
+    </a:lvl4pPr>
+    <a:lvl5pPr marL="1828800" algn="l" defTabSz="914400" rtl="0" eaLnBrk="1" latinLnBrk="0" hangingPunct="1">
+      <a:defRPr sz="1200" kern="1200">
+        <a:solidFill>
+          <a:schemeClr val="tx1"/>
+        </a:solidFill>
+        <a:latin typeface="+mn-lt"/>
+        <a:ea typeface="+mn-ea"/>
+        <a:cs typeface="+mn-cs"/>
+      </a:defRPr>
+    </a:lvl5pPr>
+    <a:lvl6pPr marL="2286000" algn="l" defTabSz="914400" rtl="0" eaLnBrk="1" latinLnBrk="0" hangingPunct="1">
+      <a:defRPr sz="1200" kern="1200">
+        <a:solidFill>
+          <a:schemeClr val="tx1"/>
+        </a:solidFill>
+        <a:latin typeface="+mn-lt"/>
+        <a:ea typeface="+mn-ea"/>
+        <a:cs typeface="+mn-cs"/>
+      </a:defRPr>
+    </a:lvl6pPr>
+    <a:lvl7pPr marL="2743200" algn="l" defTabSz="914400" rtl="0" eaLnBrk="1" latinLnBrk="0" hangingPunct="1">
+      <a:defRPr sz="1200" kern="1200">
+        <a:solidFill>
+          <a:schemeClr val="tx1"/>
+        </a:solidFill>
+        <a:latin typeface="+mn-lt"/>
+        <a:ea typeface="+mn-ea"/>
+        <a:cs typeface="+mn-cs"/>
+      </a:defRPr>
+    </a:lvl7pPr>
+    <a:lvl8pPr marL="3200400" algn="l" defTabSz="914400" rtl="0" eaLnBrk="1" latinLnBrk="0" hangingPunct="1">
+      <a:defRPr sz="1200" kern="1200">
+        <a:solidFill>
+          <a:schemeClr val="tx1"/>
+        </a:solidFill>
+        <a:latin typeface="+mn-lt"/>
+        <a:ea typeface="+mn-ea"/>
+        <a:cs typeface="+mn-cs"/>
+      </a:defRPr>
+    </a:lvl8pPr>
+    <a:lvl9pPr marL="3657600" algn="l" defTabSz="914400" rtl="0" eaLnBrk="1" latinLnBrk="0" hangingPunct="1">
+      <a:defRPr sz="1200" kern="1200">
+        <a:solidFill>
+          <a:schemeClr val="tx1"/>
+        </a:solidFill>
+        <a:latin typeface="+mn-lt"/>
+        <a:ea typeface="+mn-ea"/>
+        <a:cs typeface="+mn-cs"/>
+      </a:defRPr>
+    </a:lvl9pPr>
+  </p:notesStyle>
+</p:notesMaster>
+</file>
+
+<file path=ppt/notesSlides/notesSlide1.xml><?xml version="1.0" encoding="utf-8"?>
+<p:notes xmlns:a="http://schemas.openxmlformats.org/drawingml/2006/main" xmlns:r="http://schemas.openxmlformats.org/officeDocument/2006/relationships" xmlns:p="http://schemas.openxmlformats.org/presentationml/2006/main">
+  <p:cSld>
+    <p:spTree>
+      <p:nvGrpSpPr>
+        <p:cNvPr id="1" name=""/>
+        <p:cNvGrpSpPr/>
+        <p:nvPr/>
+      </p:nvGrpSpPr>
+      <p:grpSpPr>
+        <a:xfrm>
+          <a:off x="0" y="0"/>
+          <a:ext cx="0" cy="0"/>
+          <a:chOff x="0" y="0"/>
+          <a:chExt cx="0" cy="0"/>
+        </a:xfrm>
+      </p:grpSpPr>
+      <p:sp>
+        <p:nvSpPr>
+          <p:cNvPr id="2" name="Slide Image Placeholder 1"/>
+          <p:cNvSpPr>
+            <a:spLocks noGrp="1" noRot="1" noChangeAspect="1"/>
+          </p:cNvSpPr>
+          <p:nvPr>
+            <p:ph type="sldImg"/>
+          </p:nvPr>
+        </p:nvSpPr>
+        <p:spPr/>
+      </p:sp>
+      <p:sp>
+        <p:nvSpPr>
+          <p:cNvPr id="3" name="Notes Placeholder 2"/>
+          <p:cNvSpPr>
+            <a:spLocks noGrp="1"/>
+          </p:cNvSpPr>
+          <p:nvPr>
+            <p:ph type="body" idx="1"/>
+          </p:nvPr>
+        </p:nvSpPr>
+        <p:spPr/>
+        <p:txBody>
+          <a:bodyPr/>
+          <a:lstStyle/>
+          <a:p>
+            <a:endParaRPr lang="en-US" dirty="0"/>
+          </a:p>
+        </p:txBody>
+      </p:sp>
+      <p:sp>
+        <p:nvSpPr>
+          <p:cNvPr id="4" name="Slide Number Placeholder 3"/>
+          <p:cNvSpPr>
+            <a:spLocks noGrp="1"/>
+          </p:cNvSpPr>
+          <p:nvPr>
+            <p:ph type="sldNum" sz="quarter" idx="5"/>
+          </p:nvPr>
+        </p:nvSpPr>
+        <p:spPr/>
+        <p:txBody>
+          <a:bodyPr/>
+          <a:lstStyle/>
+          <a:p>
+            <a:fld id="{56FE2948-D1B6-5D44-AAE8-D19E2C11204D}" type="slidenum">
+              <a:rPr lang="en-US" smtClean="0"/>
+              <a:t>2</a:t>
+            </a:fld>
+            <a:endParaRPr lang="en-US"/>
+          </a:p>
+        </p:txBody>
+      </p:sp>
+    </p:spTree>
+    <p:extLst>
+      <p:ext uri="{BB962C8B-B14F-4D97-AF65-F5344CB8AC3E}">
+        <p14:creationId xmlns:p14="http://schemas.microsoft.com/office/powerpoint/2010/main" val="1868299783"/>
+      </p:ext>
+    </p:extLst>
+  </p:cSld>
+  <p:clrMapOvr>
+    <a:masterClrMapping/>
+  </p:clrMapOvr>
+</p:notes>
 </file>
 
 <file path=ppt/slideLayouts/slideLayout1.xml><?xml version="1.0" encoding="utf-8"?>
@@ -243,7 +681,7 @@
           <a:p>
             <a:fld id="{CDAD7613-0936-5041-9449-3FE39304F5C6}" type="datetimeFigureOut">
               <a:rPr lang="en-US" smtClean="0"/>
-              <a:t>5/2/22</a:t>
+              <a:t>5/6/22</a:t>
             </a:fld>
             <a:endParaRPr lang="en-US"/>
           </a:p>
@@ -413,7 +851,7 @@
           <a:p>
             <a:fld id="{CDAD7613-0936-5041-9449-3FE39304F5C6}" type="datetimeFigureOut">
               <a:rPr lang="en-US" smtClean="0"/>
-              <a:t>5/2/22</a:t>
+              <a:t>5/6/22</a:t>
             </a:fld>
             <a:endParaRPr lang="en-US"/>
           </a:p>
@@ -593,7 +1031,7 @@
           <a:p>
             <a:fld id="{CDAD7613-0936-5041-9449-3FE39304F5C6}" type="datetimeFigureOut">
               <a:rPr lang="en-US" smtClean="0"/>
-              <a:t>5/2/22</a:t>
+              <a:t>5/6/22</a:t>
             </a:fld>
             <a:endParaRPr lang="en-US"/>
           </a:p>
@@ -763,7 +1201,7 @@
           <a:p>
             <a:fld id="{CDAD7613-0936-5041-9449-3FE39304F5C6}" type="datetimeFigureOut">
               <a:rPr lang="en-US" smtClean="0"/>
-              <a:t>5/2/22</a:t>
+              <a:t>5/6/22</a:t>
             </a:fld>
             <a:endParaRPr lang="en-US"/>
           </a:p>
@@ -1007,7 +1445,7 @@
           <a:p>
             <a:fld id="{CDAD7613-0936-5041-9449-3FE39304F5C6}" type="datetimeFigureOut">
               <a:rPr lang="en-US" smtClean="0"/>
-              <a:t>5/2/22</a:t>
+              <a:t>5/6/22</a:t>
             </a:fld>
             <a:endParaRPr lang="en-US"/>
           </a:p>
@@ -1239,7 +1677,7 @@
           <a:p>
             <a:fld id="{CDAD7613-0936-5041-9449-3FE39304F5C6}" type="datetimeFigureOut">
               <a:rPr lang="en-US" smtClean="0"/>
-              <a:t>5/2/22</a:t>
+              <a:t>5/6/22</a:t>
             </a:fld>
             <a:endParaRPr lang="en-US"/>
           </a:p>
@@ -1606,7 +2044,7 @@
           <a:p>
             <a:fld id="{CDAD7613-0936-5041-9449-3FE39304F5C6}" type="datetimeFigureOut">
               <a:rPr lang="en-US" smtClean="0"/>
-              <a:t>5/2/22</a:t>
+              <a:t>5/6/22</a:t>
             </a:fld>
             <a:endParaRPr lang="en-US"/>
           </a:p>
@@ -1724,7 +2162,7 @@
           <a:p>
             <a:fld id="{CDAD7613-0936-5041-9449-3FE39304F5C6}" type="datetimeFigureOut">
               <a:rPr lang="en-US" smtClean="0"/>
-              <a:t>5/2/22</a:t>
+              <a:t>5/6/22</a:t>
             </a:fld>
             <a:endParaRPr lang="en-US"/>
           </a:p>
@@ -1819,7 +2257,7 @@
           <a:p>
             <a:fld id="{CDAD7613-0936-5041-9449-3FE39304F5C6}" type="datetimeFigureOut">
               <a:rPr lang="en-US" smtClean="0"/>
-              <a:t>5/2/22</a:t>
+              <a:t>5/6/22</a:t>
             </a:fld>
             <a:endParaRPr lang="en-US"/>
           </a:p>
@@ -2096,7 +2534,7 @@
           <a:p>
             <a:fld id="{CDAD7613-0936-5041-9449-3FE39304F5C6}" type="datetimeFigureOut">
               <a:rPr lang="en-US" smtClean="0"/>
-              <a:t>5/2/22</a:t>
+              <a:t>5/6/22</a:t>
             </a:fld>
             <a:endParaRPr lang="en-US"/>
           </a:p>
@@ -2353,7 +2791,7 @@
           <a:p>
             <a:fld id="{CDAD7613-0936-5041-9449-3FE39304F5C6}" type="datetimeFigureOut">
               <a:rPr lang="en-US" smtClean="0"/>
-              <a:t>5/2/22</a:t>
+              <a:t>5/6/22</a:t>
             </a:fld>
             <a:endParaRPr lang="en-US"/>
           </a:p>
@@ -2566,7 +3004,7 @@
           <a:p>
             <a:fld id="{CDAD7613-0936-5041-9449-3FE39304F5C6}" type="datetimeFigureOut">
               <a:rPr lang="en-US" smtClean="0"/>
-              <a:t>5/2/22</a:t>
+              <a:t>5/6/22</a:t>
             </a:fld>
             <a:endParaRPr lang="en-US"/>
           </a:p>
@@ -23024,6 +23462,4534 @@
 </p:sld>
 </file>
 
+<file path=ppt/slides/slide2.xml><?xml version="1.0" encoding="utf-8"?>
+<p:sld xmlns:a="http://schemas.openxmlformats.org/drawingml/2006/main" xmlns:r="http://schemas.openxmlformats.org/officeDocument/2006/relationships" xmlns:p="http://schemas.openxmlformats.org/presentationml/2006/main">
+  <p:cSld>
+    <p:spTree>
+      <p:nvGrpSpPr>
+        <p:cNvPr id="1" name=""/>
+        <p:cNvGrpSpPr/>
+        <p:nvPr/>
+      </p:nvGrpSpPr>
+      <p:grpSpPr>
+        <a:xfrm>
+          <a:off x="0" y="0"/>
+          <a:ext cx="0" cy="0"/>
+          <a:chOff x="0" y="0"/>
+          <a:chExt cx="0" cy="0"/>
+        </a:xfrm>
+      </p:grpSpPr>
+      <p:grpSp>
+        <p:nvGrpSpPr>
+          <p:cNvPr id="4" name="Group 3">
+            <a:extLst>
+              <a:ext uri="{FF2B5EF4-FFF2-40B4-BE49-F238E27FC236}">
+                <a16:creationId xmlns:a16="http://schemas.microsoft.com/office/drawing/2014/main" id="{367E07A9-6FB7-C575-A507-BEC000FE9F56}"/>
+              </a:ext>
+            </a:extLst>
+          </p:cNvPr>
+          <p:cNvGrpSpPr/>
+          <p:nvPr/>
+        </p:nvGrpSpPr>
+        <p:grpSpPr>
+          <a:xfrm>
+            <a:off x="6180335" y="4033156"/>
+            <a:ext cx="1091244" cy="1110107"/>
+            <a:chOff x="7931050" y="2862276"/>
+            <a:chExt cx="1091244" cy="1110107"/>
+          </a:xfrm>
+        </p:grpSpPr>
+        <p:grpSp>
+          <p:nvGrpSpPr>
+            <p:cNvPr id="5" name="Group 4">
+              <a:extLst>
+                <a:ext uri="{FF2B5EF4-FFF2-40B4-BE49-F238E27FC236}">
+                  <a16:creationId xmlns:a16="http://schemas.microsoft.com/office/drawing/2014/main" id="{03E5C955-C9E8-FACF-1D41-1D139B97DAF3}"/>
+                </a:ext>
+              </a:extLst>
+            </p:cNvPr>
+            <p:cNvGrpSpPr>
+              <a:grpSpLocks noChangeAspect="1"/>
+            </p:cNvGrpSpPr>
+            <p:nvPr/>
+          </p:nvGrpSpPr>
+          <p:grpSpPr>
+            <a:xfrm>
+              <a:off x="7931050" y="2862276"/>
+              <a:ext cx="1091244" cy="1110107"/>
+              <a:chOff x="7931050" y="2862276"/>
+              <a:chExt cx="1258414" cy="1280167"/>
+            </a:xfrm>
+          </p:grpSpPr>
+          <p:pic>
+            <p:nvPicPr>
+              <p:cNvPr id="26" name="Picture 25">
+                <a:extLst>
+                  <a:ext uri="{FF2B5EF4-FFF2-40B4-BE49-F238E27FC236}">
+                    <a16:creationId xmlns:a16="http://schemas.microsoft.com/office/drawing/2014/main" id="{4C8B6BDE-3C5F-4E5E-E13A-0C88A2C50182}"/>
+                  </a:ext>
+                </a:extLst>
+              </p:cNvPr>
+              <p:cNvPicPr>
+                <a:picLocks noChangeAspect="1"/>
+              </p:cNvPicPr>
+              <p:nvPr/>
+            </p:nvPicPr>
+            <p:blipFill rotWithShape="1">
+              <a:blip r:embed="rId3">
+                <a:clrChange>
+                  <a:clrFrom>
+                    <a:srgbClr val="FFFFFF"/>
+                  </a:clrFrom>
+                  <a:clrTo>
+                    <a:srgbClr val="FFFFFF">
+                      <a:alpha val="0"/>
+                    </a:srgbClr>
+                  </a:clrTo>
+                </a:clrChange>
+              </a:blip>
+              <a:srcRect l="5838" t="6011" r="7243" b="4785"/>
+              <a:stretch/>
+            </p:blipFill>
+            <p:spPr>
+              <a:xfrm>
+                <a:off x="7931050" y="2862276"/>
+                <a:ext cx="1258414" cy="1280167"/>
+              </a:xfrm>
+              <a:prstGeom prst="rect">
+                <a:avLst/>
+              </a:prstGeom>
+            </p:spPr>
+          </p:pic>
+          <p:sp>
+            <p:nvSpPr>
+              <p:cNvPr id="27" name="Rounded Rectangle 26">
+                <a:extLst>
+                  <a:ext uri="{FF2B5EF4-FFF2-40B4-BE49-F238E27FC236}">
+                    <a16:creationId xmlns:a16="http://schemas.microsoft.com/office/drawing/2014/main" id="{6751ECB0-C1A8-83FD-F250-B9ED8B1CB96D}"/>
+                  </a:ext>
+                </a:extLst>
+              </p:cNvPr>
+              <p:cNvSpPr/>
+              <p:nvPr/>
+            </p:nvSpPr>
+            <p:spPr>
+              <a:xfrm>
+                <a:off x="8121650" y="3058225"/>
+                <a:ext cx="882650" cy="894650"/>
+              </a:xfrm>
+              <a:prstGeom prst="roundRect">
+                <a:avLst>
+                  <a:gd name="adj" fmla="val 7674"/>
+                </a:avLst>
+              </a:prstGeom>
+              <a:solidFill>
+                <a:schemeClr val="bg1"/>
+              </a:solidFill>
+              <a:ln>
+                <a:noFill/>
+              </a:ln>
+            </p:spPr>
+            <p:style>
+              <a:lnRef idx="2">
+                <a:schemeClr val="accent1">
+                  <a:shade val="50000"/>
+                </a:schemeClr>
+              </a:lnRef>
+              <a:fillRef idx="1">
+                <a:schemeClr val="accent1"/>
+              </a:fillRef>
+              <a:effectRef idx="0">
+                <a:schemeClr val="accent1"/>
+              </a:effectRef>
+              <a:fontRef idx="minor">
+                <a:schemeClr val="lt1"/>
+              </a:fontRef>
+            </p:style>
+            <p:txBody>
+              <a:bodyPr rtlCol="0" anchor="ctr"/>
+              <a:lstStyle/>
+              <a:p>
+                <a:pPr algn="ctr"/>
+                <a:endParaRPr lang="en-US"/>
+              </a:p>
+            </p:txBody>
+          </p:sp>
+        </p:grpSp>
+        <p:grpSp>
+          <p:nvGrpSpPr>
+            <p:cNvPr id="6" name="Group 5">
+              <a:extLst>
+                <a:ext uri="{FF2B5EF4-FFF2-40B4-BE49-F238E27FC236}">
+                  <a16:creationId xmlns:a16="http://schemas.microsoft.com/office/drawing/2014/main" id="{87F3E210-FD2A-34AE-4DC2-2B5063D42153}"/>
+                </a:ext>
+              </a:extLst>
+            </p:cNvPr>
+            <p:cNvGrpSpPr>
+              <a:grpSpLocks noChangeAspect="1"/>
+            </p:cNvGrpSpPr>
+            <p:nvPr/>
+          </p:nvGrpSpPr>
+          <p:grpSpPr>
+            <a:xfrm>
+              <a:off x="8118364" y="3136866"/>
+              <a:ext cx="716616" cy="584267"/>
+              <a:chOff x="2609707" y="2397375"/>
+              <a:chExt cx="958145" cy="781190"/>
+            </a:xfrm>
+          </p:grpSpPr>
+          <p:sp>
+            <p:nvSpPr>
+              <p:cNvPr id="7" name="Oval 6">
+                <a:extLst>
+                  <a:ext uri="{FF2B5EF4-FFF2-40B4-BE49-F238E27FC236}">
+                    <a16:creationId xmlns:a16="http://schemas.microsoft.com/office/drawing/2014/main" id="{883593E5-52A4-6F65-10DB-28740C8A7E7D}"/>
+                  </a:ext>
+                </a:extLst>
+              </p:cNvPr>
+              <p:cNvSpPr/>
+              <p:nvPr/>
+            </p:nvSpPr>
+            <p:spPr>
+              <a:xfrm>
+                <a:off x="2984216" y="2397375"/>
+                <a:ext cx="182880" cy="182880"/>
+              </a:xfrm>
+              <a:prstGeom prst="ellipse">
+                <a:avLst/>
+              </a:prstGeom>
+              <a:solidFill>
+                <a:schemeClr val="accent1">
+                  <a:lumMod val="40000"/>
+                  <a:lumOff val="60000"/>
+                </a:schemeClr>
+              </a:solidFill>
+              <a:ln w="19050">
+                <a:solidFill>
+                  <a:schemeClr val="tx1"/>
+                </a:solidFill>
+              </a:ln>
+            </p:spPr>
+            <p:style>
+              <a:lnRef idx="2">
+                <a:schemeClr val="accent1">
+                  <a:shade val="50000"/>
+                </a:schemeClr>
+              </a:lnRef>
+              <a:fillRef idx="1">
+                <a:schemeClr val="accent1"/>
+              </a:fillRef>
+              <a:effectRef idx="0">
+                <a:schemeClr val="accent1"/>
+              </a:effectRef>
+              <a:fontRef idx="minor">
+                <a:schemeClr val="lt1"/>
+              </a:fontRef>
+            </p:style>
+            <p:txBody>
+              <a:bodyPr rot="0" spcFirstLastPara="0" vertOverflow="overflow" horzOverflow="overflow" vert="horz" wrap="square" lIns="0" tIns="0" rIns="0" bIns="0" numCol="1" spcCol="0" rtlCol="0" fromWordArt="0" anchor="ctr" anchorCtr="0" forceAA="0" compatLnSpc="1">
+                <a:prstTxWarp prst="textNoShape">
+                  <a:avLst/>
+                </a:prstTxWarp>
+                <a:noAutofit/>
+              </a:bodyPr>
+              <a:lstStyle/>
+              <a:p>
+                <a:pPr algn="ctr"/>
+                <a:endParaRPr lang="en-US" sz="900" dirty="0">
+                  <a:solidFill>
+                    <a:schemeClr val="tx1"/>
+                  </a:solidFill>
+                  <a:latin typeface="Arial" panose="020B0604020202020204" pitchFamily="34" charset="0"/>
+                  <a:cs typeface="Arial" panose="020B0604020202020204" pitchFamily="34" charset="0"/>
+                </a:endParaRPr>
+              </a:p>
+            </p:txBody>
+          </p:sp>
+          <p:sp>
+            <p:nvSpPr>
+              <p:cNvPr id="8" name="Oval 7">
+                <a:extLst>
+                  <a:ext uri="{FF2B5EF4-FFF2-40B4-BE49-F238E27FC236}">
+                    <a16:creationId xmlns:a16="http://schemas.microsoft.com/office/drawing/2014/main" id="{759B31FE-C2A4-363A-B8BF-419986F76372}"/>
+                  </a:ext>
+                </a:extLst>
+              </p:cNvPr>
+              <p:cNvSpPr/>
+              <p:nvPr/>
+            </p:nvSpPr>
+            <p:spPr>
+              <a:xfrm>
+                <a:off x="2984216" y="2696530"/>
+                <a:ext cx="182880" cy="182880"/>
+              </a:xfrm>
+              <a:prstGeom prst="ellipse">
+                <a:avLst/>
+              </a:prstGeom>
+              <a:solidFill>
+                <a:schemeClr val="accent1">
+                  <a:lumMod val="40000"/>
+                  <a:lumOff val="60000"/>
+                </a:schemeClr>
+              </a:solidFill>
+              <a:ln w="19050">
+                <a:solidFill>
+                  <a:schemeClr val="tx1"/>
+                </a:solidFill>
+              </a:ln>
+            </p:spPr>
+            <p:style>
+              <a:lnRef idx="2">
+                <a:schemeClr val="accent1">
+                  <a:shade val="50000"/>
+                </a:schemeClr>
+              </a:lnRef>
+              <a:fillRef idx="1">
+                <a:schemeClr val="accent1"/>
+              </a:fillRef>
+              <a:effectRef idx="0">
+                <a:schemeClr val="accent1"/>
+              </a:effectRef>
+              <a:fontRef idx="minor">
+                <a:schemeClr val="lt1"/>
+              </a:fontRef>
+            </p:style>
+            <p:txBody>
+              <a:bodyPr rot="0" spcFirstLastPara="0" vertOverflow="overflow" horzOverflow="overflow" vert="horz" wrap="square" lIns="0" tIns="0" rIns="0" bIns="0" numCol="1" spcCol="0" rtlCol="0" fromWordArt="0" anchor="ctr" anchorCtr="0" forceAA="0" compatLnSpc="1">
+                <a:prstTxWarp prst="textNoShape">
+                  <a:avLst/>
+                </a:prstTxWarp>
+                <a:noAutofit/>
+              </a:bodyPr>
+              <a:lstStyle/>
+              <a:p>
+                <a:pPr algn="ctr"/>
+                <a:endParaRPr lang="en-US" sz="900" dirty="0">
+                  <a:solidFill>
+                    <a:schemeClr val="tx1"/>
+                  </a:solidFill>
+                  <a:latin typeface="Arial" panose="020B0604020202020204" pitchFamily="34" charset="0"/>
+                  <a:cs typeface="Arial" panose="020B0604020202020204" pitchFamily="34" charset="0"/>
+                </a:endParaRPr>
+              </a:p>
+            </p:txBody>
+          </p:sp>
+          <p:sp>
+            <p:nvSpPr>
+              <p:cNvPr id="9" name="Oval 8">
+                <a:extLst>
+                  <a:ext uri="{FF2B5EF4-FFF2-40B4-BE49-F238E27FC236}">
+                    <a16:creationId xmlns:a16="http://schemas.microsoft.com/office/drawing/2014/main" id="{1D67C7E5-6771-BA9A-662A-11EC3039282B}"/>
+                  </a:ext>
+                </a:extLst>
+              </p:cNvPr>
+              <p:cNvSpPr/>
+              <p:nvPr/>
+            </p:nvSpPr>
+            <p:spPr>
+              <a:xfrm>
+                <a:off x="2984216" y="2995685"/>
+                <a:ext cx="182880" cy="182880"/>
+              </a:xfrm>
+              <a:prstGeom prst="ellipse">
+                <a:avLst/>
+              </a:prstGeom>
+              <a:solidFill>
+                <a:schemeClr val="accent1">
+                  <a:lumMod val="40000"/>
+                  <a:lumOff val="60000"/>
+                </a:schemeClr>
+              </a:solidFill>
+              <a:ln w="19050">
+                <a:solidFill>
+                  <a:schemeClr val="tx1"/>
+                </a:solidFill>
+              </a:ln>
+            </p:spPr>
+            <p:style>
+              <a:lnRef idx="2">
+                <a:schemeClr val="accent1">
+                  <a:shade val="50000"/>
+                </a:schemeClr>
+              </a:lnRef>
+              <a:fillRef idx="1">
+                <a:schemeClr val="accent1"/>
+              </a:fillRef>
+              <a:effectRef idx="0">
+                <a:schemeClr val="accent1"/>
+              </a:effectRef>
+              <a:fontRef idx="minor">
+                <a:schemeClr val="lt1"/>
+              </a:fontRef>
+            </p:style>
+            <p:txBody>
+              <a:bodyPr rot="0" spcFirstLastPara="0" vertOverflow="overflow" horzOverflow="overflow" vert="horz" wrap="square" lIns="0" tIns="0" rIns="0" bIns="0" numCol="1" spcCol="0" rtlCol="0" fromWordArt="0" anchor="ctr" anchorCtr="0" forceAA="0" compatLnSpc="1">
+                <a:prstTxWarp prst="textNoShape">
+                  <a:avLst/>
+                </a:prstTxWarp>
+                <a:noAutofit/>
+              </a:bodyPr>
+              <a:lstStyle/>
+              <a:p>
+                <a:pPr algn="ctr"/>
+                <a:endParaRPr lang="en-US" sz="900" dirty="0">
+                  <a:solidFill>
+                    <a:schemeClr val="tx1"/>
+                  </a:solidFill>
+                  <a:latin typeface="Arial" panose="020B0604020202020204" pitchFamily="34" charset="0"/>
+                  <a:cs typeface="Arial" panose="020B0604020202020204" pitchFamily="34" charset="0"/>
+                </a:endParaRPr>
+              </a:p>
+            </p:txBody>
+          </p:sp>
+          <p:sp>
+            <p:nvSpPr>
+              <p:cNvPr id="10" name="Oval 9">
+                <a:extLst>
+                  <a:ext uri="{FF2B5EF4-FFF2-40B4-BE49-F238E27FC236}">
+                    <a16:creationId xmlns:a16="http://schemas.microsoft.com/office/drawing/2014/main" id="{F030DE55-EAFB-9C53-1C7E-C5538B172ED9}"/>
+                  </a:ext>
+                </a:extLst>
+              </p:cNvPr>
+              <p:cNvSpPr/>
+              <p:nvPr/>
+            </p:nvSpPr>
+            <p:spPr>
+              <a:xfrm>
+                <a:off x="3384972" y="2540820"/>
+                <a:ext cx="182880" cy="182880"/>
+              </a:xfrm>
+              <a:prstGeom prst="ellipse">
+                <a:avLst/>
+              </a:prstGeom>
+              <a:solidFill>
+                <a:schemeClr val="accent1">
+                  <a:lumMod val="75000"/>
+                </a:schemeClr>
+              </a:solidFill>
+              <a:ln w="19050">
+                <a:solidFill>
+                  <a:schemeClr val="tx1"/>
+                </a:solidFill>
+              </a:ln>
+            </p:spPr>
+            <p:style>
+              <a:lnRef idx="2">
+                <a:schemeClr val="accent1">
+                  <a:shade val="50000"/>
+                </a:schemeClr>
+              </a:lnRef>
+              <a:fillRef idx="1">
+                <a:schemeClr val="accent1"/>
+              </a:fillRef>
+              <a:effectRef idx="0">
+                <a:schemeClr val="accent1"/>
+              </a:effectRef>
+              <a:fontRef idx="minor">
+                <a:schemeClr val="lt1"/>
+              </a:fontRef>
+            </p:style>
+            <p:txBody>
+              <a:bodyPr rot="0" spcFirstLastPara="0" vertOverflow="overflow" horzOverflow="overflow" vert="horz" wrap="square" lIns="0" tIns="0" rIns="0" bIns="0" numCol="1" spcCol="0" rtlCol="0" fromWordArt="0" anchor="ctr" anchorCtr="0" forceAA="0" compatLnSpc="1">
+                <a:prstTxWarp prst="textNoShape">
+                  <a:avLst/>
+                </a:prstTxWarp>
+                <a:noAutofit/>
+              </a:bodyPr>
+              <a:lstStyle/>
+              <a:p>
+                <a:pPr algn="ctr"/>
+                <a:endParaRPr lang="en-US" sz="900" dirty="0">
+                  <a:solidFill>
+                    <a:schemeClr val="tx1"/>
+                  </a:solidFill>
+                  <a:latin typeface="Arial" panose="020B0604020202020204" pitchFamily="34" charset="0"/>
+                  <a:cs typeface="Arial" panose="020B0604020202020204" pitchFamily="34" charset="0"/>
+                </a:endParaRPr>
+              </a:p>
+            </p:txBody>
+          </p:sp>
+          <p:sp>
+            <p:nvSpPr>
+              <p:cNvPr id="11" name="Oval 10">
+                <a:extLst>
+                  <a:ext uri="{FF2B5EF4-FFF2-40B4-BE49-F238E27FC236}">
+                    <a16:creationId xmlns:a16="http://schemas.microsoft.com/office/drawing/2014/main" id="{F0AA2EFA-784E-ACFE-7C45-98D154120210}"/>
+                  </a:ext>
+                </a:extLst>
+              </p:cNvPr>
+              <p:cNvSpPr/>
+              <p:nvPr/>
+            </p:nvSpPr>
+            <p:spPr>
+              <a:xfrm>
+                <a:off x="3384972" y="2878460"/>
+                <a:ext cx="182880" cy="182880"/>
+              </a:xfrm>
+              <a:prstGeom prst="ellipse">
+                <a:avLst/>
+              </a:prstGeom>
+              <a:solidFill>
+                <a:schemeClr val="accent1">
+                  <a:lumMod val="75000"/>
+                </a:schemeClr>
+              </a:solidFill>
+              <a:ln w="19050">
+                <a:solidFill>
+                  <a:schemeClr val="tx1"/>
+                </a:solidFill>
+              </a:ln>
+            </p:spPr>
+            <p:style>
+              <a:lnRef idx="2">
+                <a:schemeClr val="accent1">
+                  <a:shade val="50000"/>
+                </a:schemeClr>
+              </a:lnRef>
+              <a:fillRef idx="1">
+                <a:schemeClr val="accent1"/>
+              </a:fillRef>
+              <a:effectRef idx="0">
+                <a:schemeClr val="accent1"/>
+              </a:effectRef>
+              <a:fontRef idx="minor">
+                <a:schemeClr val="lt1"/>
+              </a:fontRef>
+            </p:style>
+            <p:txBody>
+              <a:bodyPr rot="0" spcFirstLastPara="0" vertOverflow="overflow" horzOverflow="overflow" vert="horz" wrap="square" lIns="0" tIns="0" rIns="0" bIns="0" numCol="1" spcCol="0" rtlCol="0" fromWordArt="0" anchor="ctr" anchorCtr="0" forceAA="0" compatLnSpc="1">
+                <a:prstTxWarp prst="textNoShape">
+                  <a:avLst/>
+                </a:prstTxWarp>
+                <a:noAutofit/>
+              </a:bodyPr>
+              <a:lstStyle/>
+              <a:p>
+                <a:pPr algn="ctr"/>
+                <a:endParaRPr lang="en-US" sz="900" dirty="0">
+                  <a:solidFill>
+                    <a:schemeClr val="tx1"/>
+                  </a:solidFill>
+                  <a:latin typeface="Arial" panose="020B0604020202020204" pitchFamily="34" charset="0"/>
+                  <a:cs typeface="Arial" panose="020B0604020202020204" pitchFamily="34" charset="0"/>
+                </a:endParaRPr>
+              </a:p>
+            </p:txBody>
+          </p:sp>
+          <p:sp>
+            <p:nvSpPr>
+              <p:cNvPr id="12" name="Oval 11">
+                <a:extLst>
+                  <a:ext uri="{FF2B5EF4-FFF2-40B4-BE49-F238E27FC236}">
+                    <a16:creationId xmlns:a16="http://schemas.microsoft.com/office/drawing/2014/main" id="{EE1B209E-29C0-0E61-56B5-AEABC8A09D41}"/>
+                  </a:ext>
+                </a:extLst>
+              </p:cNvPr>
+              <p:cNvSpPr/>
+              <p:nvPr/>
+            </p:nvSpPr>
+            <p:spPr>
+              <a:xfrm>
+                <a:off x="2612810" y="2540820"/>
+                <a:ext cx="182880" cy="182880"/>
+              </a:xfrm>
+              <a:prstGeom prst="ellipse">
+                <a:avLst/>
+              </a:prstGeom>
+              <a:solidFill>
+                <a:schemeClr val="accent1">
+                  <a:lumMod val="20000"/>
+                  <a:lumOff val="80000"/>
+                </a:schemeClr>
+              </a:solidFill>
+              <a:ln w="19050">
+                <a:solidFill>
+                  <a:schemeClr val="tx1"/>
+                </a:solidFill>
+              </a:ln>
+            </p:spPr>
+            <p:style>
+              <a:lnRef idx="2">
+                <a:schemeClr val="accent1">
+                  <a:shade val="50000"/>
+                </a:schemeClr>
+              </a:lnRef>
+              <a:fillRef idx="1">
+                <a:schemeClr val="accent1"/>
+              </a:fillRef>
+              <a:effectRef idx="0">
+                <a:schemeClr val="accent1"/>
+              </a:effectRef>
+              <a:fontRef idx="minor">
+                <a:schemeClr val="lt1"/>
+              </a:fontRef>
+            </p:style>
+            <p:txBody>
+              <a:bodyPr rot="0" spcFirstLastPara="0" vertOverflow="overflow" horzOverflow="overflow" vert="horz" wrap="square" lIns="0" tIns="0" rIns="0" bIns="0" numCol="1" spcCol="0" rtlCol="0" fromWordArt="0" anchor="ctr" anchorCtr="0" forceAA="0" compatLnSpc="1">
+                <a:prstTxWarp prst="textNoShape">
+                  <a:avLst/>
+                </a:prstTxWarp>
+                <a:noAutofit/>
+              </a:bodyPr>
+              <a:lstStyle/>
+              <a:p>
+                <a:pPr algn="ctr"/>
+                <a:endParaRPr lang="en-US" sz="900" dirty="0">
+                  <a:solidFill>
+                    <a:schemeClr val="tx1"/>
+                  </a:solidFill>
+                  <a:latin typeface="Arial" panose="020B0604020202020204" pitchFamily="34" charset="0"/>
+                  <a:cs typeface="Arial" panose="020B0604020202020204" pitchFamily="34" charset="0"/>
+                </a:endParaRPr>
+              </a:p>
+            </p:txBody>
+          </p:sp>
+          <p:sp>
+            <p:nvSpPr>
+              <p:cNvPr id="13" name="Oval 12">
+                <a:extLst>
+                  <a:ext uri="{FF2B5EF4-FFF2-40B4-BE49-F238E27FC236}">
+                    <a16:creationId xmlns:a16="http://schemas.microsoft.com/office/drawing/2014/main" id="{26D43BE9-D06E-DF91-2178-7E2B3D531BDA}"/>
+                  </a:ext>
+                </a:extLst>
+              </p:cNvPr>
+              <p:cNvSpPr/>
+              <p:nvPr/>
+            </p:nvSpPr>
+            <p:spPr>
+              <a:xfrm>
+                <a:off x="2609707" y="2879410"/>
+                <a:ext cx="182880" cy="182880"/>
+              </a:xfrm>
+              <a:prstGeom prst="ellipse">
+                <a:avLst/>
+              </a:prstGeom>
+              <a:solidFill>
+                <a:schemeClr val="accent1">
+                  <a:lumMod val="20000"/>
+                  <a:lumOff val="80000"/>
+                </a:schemeClr>
+              </a:solidFill>
+              <a:ln w="19050">
+                <a:solidFill>
+                  <a:schemeClr val="tx1"/>
+                </a:solidFill>
+              </a:ln>
+            </p:spPr>
+            <p:style>
+              <a:lnRef idx="2">
+                <a:schemeClr val="accent1">
+                  <a:shade val="50000"/>
+                </a:schemeClr>
+              </a:lnRef>
+              <a:fillRef idx="1">
+                <a:schemeClr val="accent1"/>
+              </a:fillRef>
+              <a:effectRef idx="0">
+                <a:schemeClr val="accent1"/>
+              </a:effectRef>
+              <a:fontRef idx="minor">
+                <a:schemeClr val="lt1"/>
+              </a:fontRef>
+            </p:style>
+            <p:txBody>
+              <a:bodyPr rot="0" spcFirstLastPara="0" vertOverflow="overflow" horzOverflow="overflow" vert="horz" wrap="square" lIns="0" tIns="0" rIns="0" bIns="0" numCol="1" spcCol="0" rtlCol="0" fromWordArt="0" anchor="ctr" anchorCtr="0" forceAA="0" compatLnSpc="1">
+                <a:prstTxWarp prst="textNoShape">
+                  <a:avLst/>
+                </a:prstTxWarp>
+                <a:noAutofit/>
+              </a:bodyPr>
+              <a:lstStyle/>
+              <a:p>
+                <a:pPr algn="ctr"/>
+                <a:endParaRPr lang="en-US" sz="900" dirty="0">
+                  <a:solidFill>
+                    <a:schemeClr val="tx1"/>
+                  </a:solidFill>
+                  <a:latin typeface="Arial" panose="020B0604020202020204" pitchFamily="34" charset="0"/>
+                  <a:cs typeface="Arial" panose="020B0604020202020204" pitchFamily="34" charset="0"/>
+                </a:endParaRPr>
+              </a:p>
+            </p:txBody>
+          </p:sp>
+          <p:cxnSp>
+            <p:nvCxnSpPr>
+              <p:cNvPr id="14" name="Straight Arrow Connector 13">
+                <a:extLst>
+                  <a:ext uri="{FF2B5EF4-FFF2-40B4-BE49-F238E27FC236}">
+                    <a16:creationId xmlns:a16="http://schemas.microsoft.com/office/drawing/2014/main" id="{FC222DDE-B84F-F9C1-DECE-9548B4E240EF}"/>
+                  </a:ext>
+                </a:extLst>
+              </p:cNvPr>
+              <p:cNvCxnSpPr>
+                <a:cxnSpLocks/>
+                <a:stCxn id="12" idx="7"/>
+                <a:endCxn id="7" idx="2"/>
+              </p:cNvCxnSpPr>
+              <p:nvPr/>
+            </p:nvCxnSpPr>
+            <p:spPr>
+              <a:xfrm flipV="1">
+                <a:off x="2768908" y="2488815"/>
+                <a:ext cx="215308" cy="78787"/>
+              </a:xfrm>
+              <a:prstGeom prst="straightConnector1">
+                <a:avLst/>
+              </a:prstGeom>
+              <a:ln w="25400">
+                <a:solidFill>
+                  <a:schemeClr val="tx1"/>
+                </a:solidFill>
+                <a:tailEnd type="triangle"/>
+              </a:ln>
+            </p:spPr>
+            <p:style>
+              <a:lnRef idx="1">
+                <a:schemeClr val="accent1"/>
+              </a:lnRef>
+              <a:fillRef idx="0">
+                <a:schemeClr val="accent1"/>
+              </a:fillRef>
+              <a:effectRef idx="0">
+                <a:schemeClr val="accent1"/>
+              </a:effectRef>
+              <a:fontRef idx="minor">
+                <a:schemeClr val="tx1"/>
+              </a:fontRef>
+            </p:style>
+          </p:cxnSp>
+          <p:cxnSp>
+            <p:nvCxnSpPr>
+              <p:cNvPr id="15" name="Straight Arrow Connector 14">
+                <a:extLst>
+                  <a:ext uri="{FF2B5EF4-FFF2-40B4-BE49-F238E27FC236}">
+                    <a16:creationId xmlns:a16="http://schemas.microsoft.com/office/drawing/2014/main" id="{174B22DB-03A3-259F-1700-F9B847B2F6C9}"/>
+                  </a:ext>
+                </a:extLst>
+              </p:cNvPr>
+              <p:cNvCxnSpPr>
+                <a:cxnSpLocks/>
+                <a:stCxn id="12" idx="5"/>
+                <a:endCxn id="8" idx="1"/>
+              </p:cNvCxnSpPr>
+              <p:nvPr/>
+            </p:nvCxnSpPr>
+            <p:spPr>
+              <a:xfrm>
+                <a:off x="2768908" y="2696918"/>
+                <a:ext cx="242090" cy="26394"/>
+              </a:xfrm>
+              <a:prstGeom prst="straightConnector1">
+                <a:avLst/>
+              </a:prstGeom>
+              <a:ln w="25400">
+                <a:solidFill>
+                  <a:schemeClr val="tx1"/>
+                </a:solidFill>
+                <a:tailEnd type="triangle"/>
+              </a:ln>
+            </p:spPr>
+            <p:style>
+              <a:lnRef idx="1">
+                <a:schemeClr val="accent1"/>
+              </a:lnRef>
+              <a:fillRef idx="0">
+                <a:schemeClr val="accent1"/>
+              </a:fillRef>
+              <a:effectRef idx="0">
+                <a:schemeClr val="accent1"/>
+              </a:effectRef>
+              <a:fontRef idx="minor">
+                <a:schemeClr val="tx1"/>
+              </a:fontRef>
+            </p:style>
+          </p:cxnSp>
+          <p:cxnSp>
+            <p:nvCxnSpPr>
+              <p:cNvPr id="16" name="Straight Arrow Connector 15">
+                <a:extLst>
+                  <a:ext uri="{FF2B5EF4-FFF2-40B4-BE49-F238E27FC236}">
+                    <a16:creationId xmlns:a16="http://schemas.microsoft.com/office/drawing/2014/main" id="{CA545FCE-4D69-A356-335D-89642E8B21AE}"/>
+                  </a:ext>
+                </a:extLst>
+              </p:cNvPr>
+              <p:cNvCxnSpPr>
+                <a:cxnSpLocks/>
+                <a:stCxn id="13" idx="7"/>
+                <a:endCxn id="8" idx="3"/>
+              </p:cNvCxnSpPr>
+              <p:nvPr/>
+            </p:nvCxnSpPr>
+            <p:spPr>
+              <a:xfrm flipV="1">
+                <a:off x="2765805" y="2852628"/>
+                <a:ext cx="245193" cy="53564"/>
+              </a:xfrm>
+              <a:prstGeom prst="straightConnector1">
+                <a:avLst/>
+              </a:prstGeom>
+              <a:ln w="25400">
+                <a:solidFill>
+                  <a:schemeClr val="tx1"/>
+                </a:solidFill>
+                <a:tailEnd type="triangle"/>
+              </a:ln>
+            </p:spPr>
+            <p:style>
+              <a:lnRef idx="1">
+                <a:schemeClr val="accent1"/>
+              </a:lnRef>
+              <a:fillRef idx="0">
+                <a:schemeClr val="accent1"/>
+              </a:fillRef>
+              <a:effectRef idx="0">
+                <a:schemeClr val="accent1"/>
+              </a:effectRef>
+              <a:fontRef idx="minor">
+                <a:schemeClr val="tx1"/>
+              </a:fontRef>
+            </p:style>
+          </p:cxnSp>
+          <p:cxnSp>
+            <p:nvCxnSpPr>
+              <p:cNvPr id="17" name="Straight Arrow Connector 16">
+                <a:extLst>
+                  <a:ext uri="{FF2B5EF4-FFF2-40B4-BE49-F238E27FC236}">
+                    <a16:creationId xmlns:a16="http://schemas.microsoft.com/office/drawing/2014/main" id="{74DFADB5-909E-4B29-69AB-9F4FA4E9A290}"/>
+                  </a:ext>
+                </a:extLst>
+              </p:cNvPr>
+              <p:cNvCxnSpPr>
+                <a:cxnSpLocks/>
+                <a:stCxn id="13" idx="5"/>
+                <a:endCxn id="9" idx="2"/>
+              </p:cNvCxnSpPr>
+              <p:nvPr/>
+            </p:nvCxnSpPr>
+            <p:spPr>
+              <a:xfrm>
+                <a:off x="2765805" y="3035508"/>
+                <a:ext cx="218411" cy="51617"/>
+              </a:xfrm>
+              <a:prstGeom prst="straightConnector1">
+                <a:avLst/>
+              </a:prstGeom>
+              <a:ln w="25400">
+                <a:solidFill>
+                  <a:schemeClr val="tx1"/>
+                </a:solidFill>
+                <a:tailEnd type="triangle"/>
+              </a:ln>
+            </p:spPr>
+            <p:style>
+              <a:lnRef idx="1">
+                <a:schemeClr val="accent1"/>
+              </a:lnRef>
+              <a:fillRef idx="0">
+                <a:schemeClr val="accent1"/>
+              </a:fillRef>
+              <a:effectRef idx="0">
+                <a:schemeClr val="accent1"/>
+              </a:effectRef>
+              <a:fontRef idx="minor">
+                <a:schemeClr val="tx1"/>
+              </a:fontRef>
+            </p:style>
+          </p:cxnSp>
+          <p:cxnSp>
+            <p:nvCxnSpPr>
+              <p:cNvPr id="18" name="Straight Arrow Connector 17">
+                <a:extLst>
+                  <a:ext uri="{FF2B5EF4-FFF2-40B4-BE49-F238E27FC236}">
+                    <a16:creationId xmlns:a16="http://schemas.microsoft.com/office/drawing/2014/main" id="{ABC94683-8EE1-A085-D0F0-E92773C17B98}"/>
+                  </a:ext>
+                </a:extLst>
+              </p:cNvPr>
+              <p:cNvCxnSpPr>
+                <a:cxnSpLocks/>
+                <a:stCxn id="7" idx="6"/>
+                <a:endCxn id="10" idx="1"/>
+              </p:cNvCxnSpPr>
+              <p:nvPr/>
+            </p:nvCxnSpPr>
+            <p:spPr>
+              <a:xfrm>
+                <a:off x="3167096" y="2488815"/>
+                <a:ext cx="244658" cy="78787"/>
+              </a:xfrm>
+              <a:prstGeom prst="straightConnector1">
+                <a:avLst/>
+              </a:prstGeom>
+              <a:ln w="25400">
+                <a:solidFill>
+                  <a:schemeClr val="tx1"/>
+                </a:solidFill>
+                <a:tailEnd type="triangle"/>
+              </a:ln>
+            </p:spPr>
+            <p:style>
+              <a:lnRef idx="1">
+                <a:schemeClr val="accent1"/>
+              </a:lnRef>
+              <a:fillRef idx="0">
+                <a:schemeClr val="accent1"/>
+              </a:fillRef>
+              <a:effectRef idx="0">
+                <a:schemeClr val="accent1"/>
+              </a:effectRef>
+              <a:fontRef idx="minor">
+                <a:schemeClr val="tx1"/>
+              </a:fontRef>
+            </p:style>
+          </p:cxnSp>
+          <p:cxnSp>
+            <p:nvCxnSpPr>
+              <p:cNvPr id="19" name="Straight Arrow Connector 18">
+                <a:extLst>
+                  <a:ext uri="{FF2B5EF4-FFF2-40B4-BE49-F238E27FC236}">
+                    <a16:creationId xmlns:a16="http://schemas.microsoft.com/office/drawing/2014/main" id="{DAF55FF8-DBE2-2B74-7CA0-2C5199683EE2}"/>
+                  </a:ext>
+                </a:extLst>
+              </p:cNvPr>
+              <p:cNvCxnSpPr>
+                <a:cxnSpLocks/>
+                <a:stCxn id="8" idx="7"/>
+                <a:endCxn id="10" idx="2"/>
+              </p:cNvCxnSpPr>
+              <p:nvPr/>
+            </p:nvCxnSpPr>
+            <p:spPr>
+              <a:xfrm flipV="1">
+                <a:off x="3140314" y="2632260"/>
+                <a:ext cx="244658" cy="91052"/>
+              </a:xfrm>
+              <a:prstGeom prst="straightConnector1">
+                <a:avLst/>
+              </a:prstGeom>
+              <a:ln w="25400">
+                <a:solidFill>
+                  <a:schemeClr val="tx1"/>
+                </a:solidFill>
+                <a:tailEnd type="triangle"/>
+              </a:ln>
+            </p:spPr>
+            <p:style>
+              <a:lnRef idx="1">
+                <a:schemeClr val="accent1"/>
+              </a:lnRef>
+              <a:fillRef idx="0">
+                <a:schemeClr val="accent1"/>
+              </a:fillRef>
+              <a:effectRef idx="0">
+                <a:schemeClr val="accent1"/>
+              </a:effectRef>
+              <a:fontRef idx="minor">
+                <a:schemeClr val="tx1"/>
+              </a:fontRef>
+            </p:style>
+          </p:cxnSp>
+          <p:cxnSp>
+            <p:nvCxnSpPr>
+              <p:cNvPr id="20" name="Straight Arrow Connector 19">
+                <a:extLst>
+                  <a:ext uri="{FF2B5EF4-FFF2-40B4-BE49-F238E27FC236}">
+                    <a16:creationId xmlns:a16="http://schemas.microsoft.com/office/drawing/2014/main" id="{F9CDE84C-17C0-3569-54B4-B8841A309346}"/>
+                  </a:ext>
+                </a:extLst>
+              </p:cNvPr>
+              <p:cNvCxnSpPr>
+                <a:cxnSpLocks/>
+                <a:stCxn id="8" idx="5"/>
+                <a:endCxn id="11" idx="2"/>
+              </p:cNvCxnSpPr>
+              <p:nvPr/>
+            </p:nvCxnSpPr>
+            <p:spPr>
+              <a:xfrm>
+                <a:off x="3140314" y="2852628"/>
+                <a:ext cx="244658" cy="117272"/>
+              </a:xfrm>
+              <a:prstGeom prst="straightConnector1">
+                <a:avLst/>
+              </a:prstGeom>
+              <a:ln w="25400">
+                <a:solidFill>
+                  <a:schemeClr val="tx1"/>
+                </a:solidFill>
+                <a:tailEnd type="triangle"/>
+              </a:ln>
+            </p:spPr>
+            <p:style>
+              <a:lnRef idx="1">
+                <a:schemeClr val="accent1"/>
+              </a:lnRef>
+              <a:fillRef idx="0">
+                <a:schemeClr val="accent1"/>
+              </a:fillRef>
+              <a:effectRef idx="0">
+                <a:schemeClr val="accent1"/>
+              </a:effectRef>
+              <a:fontRef idx="minor">
+                <a:schemeClr val="tx1"/>
+              </a:fontRef>
+            </p:style>
+          </p:cxnSp>
+          <p:cxnSp>
+            <p:nvCxnSpPr>
+              <p:cNvPr id="21" name="Straight Arrow Connector 20">
+                <a:extLst>
+                  <a:ext uri="{FF2B5EF4-FFF2-40B4-BE49-F238E27FC236}">
+                    <a16:creationId xmlns:a16="http://schemas.microsoft.com/office/drawing/2014/main" id="{684832BD-6A0C-C793-7AB3-088C97E15FCB}"/>
+                  </a:ext>
+                </a:extLst>
+              </p:cNvPr>
+              <p:cNvCxnSpPr>
+                <a:cxnSpLocks/>
+                <a:stCxn id="9" idx="6"/>
+                <a:endCxn id="11" idx="3"/>
+              </p:cNvCxnSpPr>
+              <p:nvPr/>
+            </p:nvCxnSpPr>
+            <p:spPr>
+              <a:xfrm flipV="1">
+                <a:off x="3167096" y="3034558"/>
+                <a:ext cx="244658" cy="52567"/>
+              </a:xfrm>
+              <a:prstGeom prst="straightConnector1">
+                <a:avLst/>
+              </a:prstGeom>
+              <a:ln w="25400">
+                <a:solidFill>
+                  <a:schemeClr val="tx1"/>
+                </a:solidFill>
+                <a:tailEnd type="triangle"/>
+              </a:ln>
+            </p:spPr>
+            <p:style>
+              <a:lnRef idx="1">
+                <a:schemeClr val="accent1"/>
+              </a:lnRef>
+              <a:fillRef idx="0">
+                <a:schemeClr val="accent1"/>
+              </a:fillRef>
+              <a:effectRef idx="0">
+                <a:schemeClr val="accent1"/>
+              </a:effectRef>
+              <a:fontRef idx="minor">
+                <a:schemeClr val="tx1"/>
+              </a:fontRef>
+            </p:style>
+          </p:cxnSp>
+          <p:cxnSp>
+            <p:nvCxnSpPr>
+              <p:cNvPr id="22" name="Straight Arrow Connector 21">
+                <a:extLst>
+                  <a:ext uri="{FF2B5EF4-FFF2-40B4-BE49-F238E27FC236}">
+                    <a16:creationId xmlns:a16="http://schemas.microsoft.com/office/drawing/2014/main" id="{8F862E8E-8D43-ED9E-1B5E-7ED3F0D38BC8}"/>
+                  </a:ext>
+                </a:extLst>
+              </p:cNvPr>
+              <p:cNvCxnSpPr>
+                <a:cxnSpLocks/>
+                <a:stCxn id="9" idx="6"/>
+                <a:endCxn id="10" idx="3"/>
+              </p:cNvCxnSpPr>
+              <p:nvPr/>
+            </p:nvCxnSpPr>
+            <p:spPr>
+              <a:xfrm flipV="1">
+                <a:off x="3167096" y="2696918"/>
+                <a:ext cx="244658" cy="390207"/>
+              </a:xfrm>
+              <a:prstGeom prst="straightConnector1">
+                <a:avLst/>
+              </a:prstGeom>
+              <a:ln w="25400">
+                <a:solidFill>
+                  <a:schemeClr val="tx1"/>
+                </a:solidFill>
+                <a:tailEnd type="triangle"/>
+              </a:ln>
+            </p:spPr>
+            <p:style>
+              <a:lnRef idx="1">
+                <a:schemeClr val="accent1"/>
+              </a:lnRef>
+              <a:fillRef idx="0">
+                <a:schemeClr val="accent1"/>
+              </a:fillRef>
+              <a:effectRef idx="0">
+                <a:schemeClr val="accent1"/>
+              </a:effectRef>
+              <a:fontRef idx="minor">
+                <a:schemeClr val="tx1"/>
+              </a:fontRef>
+            </p:style>
+          </p:cxnSp>
+          <p:cxnSp>
+            <p:nvCxnSpPr>
+              <p:cNvPr id="23" name="Straight Arrow Connector 22">
+                <a:extLst>
+                  <a:ext uri="{FF2B5EF4-FFF2-40B4-BE49-F238E27FC236}">
+                    <a16:creationId xmlns:a16="http://schemas.microsoft.com/office/drawing/2014/main" id="{F38E4539-2BA5-4204-F954-58FDCA46A492}"/>
+                  </a:ext>
+                </a:extLst>
+              </p:cNvPr>
+              <p:cNvCxnSpPr>
+                <a:cxnSpLocks/>
+                <a:stCxn id="7" idx="6"/>
+                <a:endCxn id="11" idx="1"/>
+              </p:cNvCxnSpPr>
+              <p:nvPr/>
+            </p:nvCxnSpPr>
+            <p:spPr>
+              <a:xfrm>
+                <a:off x="3167096" y="2488815"/>
+                <a:ext cx="244658" cy="416427"/>
+              </a:xfrm>
+              <a:prstGeom prst="straightConnector1">
+                <a:avLst/>
+              </a:prstGeom>
+              <a:ln w="25400">
+                <a:solidFill>
+                  <a:schemeClr val="tx1"/>
+                </a:solidFill>
+                <a:tailEnd type="triangle"/>
+              </a:ln>
+            </p:spPr>
+            <p:style>
+              <a:lnRef idx="1">
+                <a:schemeClr val="accent1"/>
+              </a:lnRef>
+              <a:fillRef idx="0">
+                <a:schemeClr val="accent1"/>
+              </a:fillRef>
+              <a:effectRef idx="0">
+                <a:schemeClr val="accent1"/>
+              </a:effectRef>
+              <a:fontRef idx="minor">
+                <a:schemeClr val="tx1"/>
+              </a:fontRef>
+            </p:style>
+          </p:cxnSp>
+          <p:cxnSp>
+            <p:nvCxnSpPr>
+              <p:cNvPr id="24" name="Straight Arrow Connector 23">
+                <a:extLst>
+                  <a:ext uri="{FF2B5EF4-FFF2-40B4-BE49-F238E27FC236}">
+                    <a16:creationId xmlns:a16="http://schemas.microsoft.com/office/drawing/2014/main" id="{9D7F129E-3679-787F-72CF-5F5D42F4B886}"/>
+                  </a:ext>
+                </a:extLst>
+              </p:cNvPr>
+              <p:cNvCxnSpPr>
+                <a:cxnSpLocks/>
+                <a:stCxn id="13" idx="6"/>
+                <a:endCxn id="7" idx="3"/>
+              </p:cNvCxnSpPr>
+              <p:nvPr/>
+            </p:nvCxnSpPr>
+            <p:spPr>
+              <a:xfrm flipV="1">
+                <a:off x="2792587" y="2553473"/>
+                <a:ext cx="218411" cy="417377"/>
+              </a:xfrm>
+              <a:prstGeom prst="straightConnector1">
+                <a:avLst/>
+              </a:prstGeom>
+              <a:ln w="25400">
+                <a:solidFill>
+                  <a:schemeClr val="tx1"/>
+                </a:solidFill>
+                <a:tailEnd type="triangle"/>
+              </a:ln>
+            </p:spPr>
+            <p:style>
+              <a:lnRef idx="1">
+                <a:schemeClr val="accent1"/>
+              </a:lnRef>
+              <a:fillRef idx="0">
+                <a:schemeClr val="accent1"/>
+              </a:fillRef>
+              <a:effectRef idx="0">
+                <a:schemeClr val="accent1"/>
+              </a:effectRef>
+              <a:fontRef idx="minor">
+                <a:schemeClr val="tx1"/>
+              </a:fontRef>
+            </p:style>
+          </p:cxnSp>
+          <p:cxnSp>
+            <p:nvCxnSpPr>
+              <p:cNvPr id="25" name="Straight Arrow Connector 24">
+                <a:extLst>
+                  <a:ext uri="{FF2B5EF4-FFF2-40B4-BE49-F238E27FC236}">
+                    <a16:creationId xmlns:a16="http://schemas.microsoft.com/office/drawing/2014/main" id="{2AB39D8C-A855-D259-CCFD-33C1CDE2A093}"/>
+                  </a:ext>
+                </a:extLst>
+              </p:cNvPr>
+              <p:cNvCxnSpPr>
+                <a:cxnSpLocks/>
+                <a:stCxn id="12" idx="6"/>
+                <a:endCxn id="9" idx="1"/>
+              </p:cNvCxnSpPr>
+              <p:nvPr/>
+            </p:nvCxnSpPr>
+            <p:spPr>
+              <a:xfrm>
+                <a:off x="2795690" y="2632260"/>
+                <a:ext cx="215308" cy="390207"/>
+              </a:xfrm>
+              <a:prstGeom prst="straightConnector1">
+                <a:avLst/>
+              </a:prstGeom>
+              <a:ln w="25400">
+                <a:solidFill>
+                  <a:schemeClr val="tx1"/>
+                </a:solidFill>
+                <a:tailEnd type="triangle"/>
+              </a:ln>
+            </p:spPr>
+            <p:style>
+              <a:lnRef idx="1">
+                <a:schemeClr val="accent1"/>
+              </a:lnRef>
+              <a:fillRef idx="0">
+                <a:schemeClr val="accent1"/>
+              </a:fillRef>
+              <a:effectRef idx="0">
+                <a:schemeClr val="accent1"/>
+              </a:effectRef>
+              <a:fontRef idx="minor">
+                <a:schemeClr val="tx1"/>
+              </a:fontRef>
+            </p:style>
+          </p:cxnSp>
+        </p:grpSp>
+      </p:grpSp>
+      <p:sp>
+        <p:nvSpPr>
+          <p:cNvPr id="28" name="TextBox 27">
+            <a:extLst>
+              <a:ext uri="{FF2B5EF4-FFF2-40B4-BE49-F238E27FC236}">
+                <a16:creationId xmlns:a16="http://schemas.microsoft.com/office/drawing/2014/main" id="{3F79C36B-5AB6-939C-D8BC-87ACEDEDAD4C}"/>
+              </a:ext>
+            </a:extLst>
+          </p:cNvPr>
+          <p:cNvSpPr txBox="1"/>
+          <p:nvPr/>
+        </p:nvSpPr>
+        <p:spPr>
+          <a:xfrm>
+            <a:off x="5905202" y="5442396"/>
+            <a:ext cx="1644746" cy="646331"/>
+          </a:xfrm>
+          <a:prstGeom prst="rect">
+            <a:avLst/>
+          </a:prstGeom>
+          <a:noFill/>
+        </p:spPr>
+        <p:txBody>
+          <a:bodyPr wrap="none" rtlCol="0">
+            <a:spAutoFit/>
+          </a:bodyPr>
+          <a:lstStyle/>
+          <a:p>
+            <a:pPr algn="ctr"/>
+            <a:r>
+              <a:rPr lang="en-US" dirty="0"/>
+              <a:t>Low-power</a:t>
+            </a:r>
+          </a:p>
+          <a:p>
+            <a:pPr algn="ctr"/>
+            <a:r>
+              <a:rPr lang="en-US" dirty="0"/>
+              <a:t>Microcontroller</a:t>
+            </a:r>
+          </a:p>
+        </p:txBody>
+      </p:sp>
+      <p:grpSp>
+        <p:nvGrpSpPr>
+          <p:cNvPr id="51" name="Group 50">
+            <a:extLst>
+              <a:ext uri="{FF2B5EF4-FFF2-40B4-BE49-F238E27FC236}">
+                <a16:creationId xmlns:a16="http://schemas.microsoft.com/office/drawing/2014/main" id="{44B50BEC-8E4B-F5F2-EEB7-CA3F93E809BF}"/>
+              </a:ext>
+            </a:extLst>
+          </p:cNvPr>
+          <p:cNvGrpSpPr/>
+          <p:nvPr/>
+        </p:nvGrpSpPr>
+        <p:grpSpPr>
+          <a:xfrm>
+            <a:off x="2658282" y="4656730"/>
+            <a:ext cx="914400" cy="914400"/>
+            <a:chOff x="7924159" y="3835690"/>
+            <a:chExt cx="914400" cy="914400"/>
+          </a:xfrm>
+        </p:grpSpPr>
+        <p:cxnSp>
+          <p:nvCxnSpPr>
+            <p:cNvPr id="34" name="Straight Arrow Connector 33">
+              <a:extLst>
+                <a:ext uri="{FF2B5EF4-FFF2-40B4-BE49-F238E27FC236}">
+                  <a16:creationId xmlns:a16="http://schemas.microsoft.com/office/drawing/2014/main" id="{1FE7EEA1-A64D-2627-1B72-10D1B46851D3}"/>
+                </a:ext>
+              </a:extLst>
+            </p:cNvPr>
+            <p:cNvCxnSpPr>
+              <a:cxnSpLocks/>
+            </p:cNvCxnSpPr>
+            <p:nvPr/>
+          </p:nvCxnSpPr>
+          <p:spPr>
+            <a:xfrm flipH="1">
+              <a:off x="8086333" y="4126911"/>
+              <a:ext cx="590053" cy="389434"/>
+            </a:xfrm>
+            <a:prstGeom prst="straightConnector1">
+              <a:avLst/>
+            </a:prstGeom>
+            <a:ln w="38100">
+              <a:solidFill>
+                <a:schemeClr val="accent6"/>
+              </a:solidFill>
+              <a:headEnd type="triangle"/>
+              <a:tailEnd type="triangle"/>
+            </a:ln>
+          </p:spPr>
+          <p:style>
+            <a:lnRef idx="1">
+              <a:schemeClr val="accent1"/>
+            </a:lnRef>
+            <a:fillRef idx="0">
+              <a:schemeClr val="accent1"/>
+            </a:fillRef>
+            <a:effectRef idx="0">
+              <a:schemeClr val="accent1"/>
+            </a:effectRef>
+            <a:fontRef idx="minor">
+              <a:schemeClr val="tx1"/>
+            </a:fontRef>
+          </p:style>
+        </p:cxnSp>
+        <p:cxnSp>
+          <p:nvCxnSpPr>
+            <p:cNvPr id="35" name="Straight Arrow Connector 34">
+              <a:extLst>
+                <a:ext uri="{FF2B5EF4-FFF2-40B4-BE49-F238E27FC236}">
+                  <a16:creationId xmlns:a16="http://schemas.microsoft.com/office/drawing/2014/main" id="{07249919-6783-8DB9-25CC-0CA85D5EE66B}"/>
+                </a:ext>
+              </a:extLst>
+            </p:cNvPr>
+            <p:cNvCxnSpPr>
+              <a:cxnSpLocks/>
+            </p:cNvCxnSpPr>
+            <p:nvPr/>
+          </p:nvCxnSpPr>
+          <p:spPr>
+            <a:xfrm>
+              <a:off x="8381502" y="3835690"/>
+              <a:ext cx="0" cy="914400"/>
+            </a:xfrm>
+            <a:prstGeom prst="straightConnector1">
+              <a:avLst/>
+            </a:prstGeom>
+            <a:ln w="38100">
+              <a:solidFill>
+                <a:schemeClr val="accent4"/>
+              </a:solidFill>
+              <a:headEnd type="triangle"/>
+              <a:tailEnd type="triangle"/>
+            </a:ln>
+          </p:spPr>
+          <p:style>
+            <a:lnRef idx="1">
+              <a:schemeClr val="accent1"/>
+            </a:lnRef>
+            <a:fillRef idx="0">
+              <a:schemeClr val="accent1"/>
+            </a:fillRef>
+            <a:effectRef idx="0">
+              <a:schemeClr val="accent1"/>
+            </a:effectRef>
+            <a:fontRef idx="minor">
+              <a:schemeClr val="tx1"/>
+            </a:fontRef>
+          </p:style>
+        </p:cxnSp>
+        <p:cxnSp>
+          <p:nvCxnSpPr>
+            <p:cNvPr id="38" name="Straight Arrow Connector 37">
+              <a:extLst>
+                <a:ext uri="{FF2B5EF4-FFF2-40B4-BE49-F238E27FC236}">
+                  <a16:creationId xmlns:a16="http://schemas.microsoft.com/office/drawing/2014/main" id="{A6A0952A-1C08-5AF2-6F63-6375B2C24D36}"/>
+                </a:ext>
+              </a:extLst>
+            </p:cNvPr>
+            <p:cNvCxnSpPr>
+              <a:cxnSpLocks/>
+            </p:cNvCxnSpPr>
+            <p:nvPr/>
+          </p:nvCxnSpPr>
+          <p:spPr>
+            <a:xfrm flipH="1" flipV="1">
+              <a:off x="7924159" y="4321628"/>
+              <a:ext cx="914400" cy="0"/>
+            </a:xfrm>
+            <a:prstGeom prst="straightConnector1">
+              <a:avLst/>
+            </a:prstGeom>
+            <a:ln w="38100">
+              <a:solidFill>
+                <a:srgbClr val="C00000"/>
+              </a:solidFill>
+              <a:headEnd type="triangle"/>
+              <a:tailEnd type="triangle"/>
+            </a:ln>
+          </p:spPr>
+          <p:style>
+            <a:lnRef idx="1">
+              <a:schemeClr val="accent1"/>
+            </a:lnRef>
+            <a:fillRef idx="0">
+              <a:schemeClr val="accent1"/>
+            </a:fillRef>
+            <a:effectRef idx="0">
+              <a:schemeClr val="accent1"/>
+            </a:effectRef>
+            <a:fontRef idx="minor">
+              <a:schemeClr val="tx1"/>
+            </a:fontRef>
+          </p:style>
+        </p:cxnSp>
+        <p:sp>
+          <p:nvSpPr>
+            <p:cNvPr id="43" name="Oval 42">
+              <a:extLst>
+                <a:ext uri="{FF2B5EF4-FFF2-40B4-BE49-F238E27FC236}">
+                  <a16:creationId xmlns:a16="http://schemas.microsoft.com/office/drawing/2014/main" id="{3F627EAA-133C-F632-66A3-2E5F7FE16812}"/>
+                </a:ext>
+              </a:extLst>
+            </p:cNvPr>
+            <p:cNvSpPr/>
+            <p:nvPr/>
+          </p:nvSpPr>
+          <p:spPr>
+            <a:xfrm>
+              <a:off x="8312779" y="4248608"/>
+              <a:ext cx="137160" cy="137160"/>
+            </a:xfrm>
+            <a:prstGeom prst="ellipse">
+              <a:avLst/>
+            </a:prstGeom>
+            <a:solidFill>
+              <a:schemeClr val="tx1"/>
+            </a:solidFill>
+            <a:ln w="25400">
+              <a:noFill/>
+            </a:ln>
+          </p:spPr>
+          <p:style>
+            <a:lnRef idx="2">
+              <a:schemeClr val="accent1">
+                <a:shade val="50000"/>
+              </a:schemeClr>
+            </a:lnRef>
+            <a:fillRef idx="1">
+              <a:schemeClr val="accent1"/>
+            </a:fillRef>
+            <a:effectRef idx="0">
+              <a:schemeClr val="accent1"/>
+            </a:effectRef>
+            <a:fontRef idx="minor">
+              <a:schemeClr val="lt1"/>
+            </a:fontRef>
+          </p:style>
+          <p:txBody>
+            <a:bodyPr rtlCol="0" anchor="ctr"/>
+            <a:lstStyle/>
+            <a:p>
+              <a:pPr algn="ctr"/>
+              <a:endParaRPr lang="en-US"/>
+            </a:p>
+          </p:txBody>
+        </p:sp>
+        <p:cxnSp>
+          <p:nvCxnSpPr>
+            <p:cNvPr id="44" name="Straight Arrow Connector 43">
+              <a:extLst>
+                <a:ext uri="{FF2B5EF4-FFF2-40B4-BE49-F238E27FC236}">
+                  <a16:creationId xmlns:a16="http://schemas.microsoft.com/office/drawing/2014/main" id="{2C7B1753-CADD-0121-1077-B44AAFF6981C}"/>
+                </a:ext>
+              </a:extLst>
+            </p:cNvPr>
+            <p:cNvCxnSpPr>
+              <a:cxnSpLocks/>
+            </p:cNvCxnSpPr>
+            <p:nvPr/>
+          </p:nvCxnSpPr>
+          <p:spPr>
+            <a:xfrm flipH="1">
+              <a:off x="8086332" y="4317664"/>
+              <a:ext cx="285363" cy="206229"/>
+            </a:xfrm>
+            <a:prstGeom prst="straightConnector1">
+              <a:avLst/>
+            </a:prstGeom>
+            <a:ln w="38100">
+              <a:solidFill>
+                <a:schemeClr val="accent6"/>
+              </a:solidFill>
+              <a:headEnd type="none"/>
+              <a:tailEnd type="triangle"/>
+            </a:ln>
+          </p:spPr>
+          <p:style>
+            <a:lnRef idx="1">
+              <a:schemeClr val="accent1"/>
+            </a:lnRef>
+            <a:fillRef idx="0">
+              <a:schemeClr val="accent1"/>
+            </a:fillRef>
+            <a:effectRef idx="0">
+              <a:schemeClr val="accent1"/>
+            </a:effectRef>
+            <a:fontRef idx="minor">
+              <a:schemeClr val="tx1"/>
+            </a:fontRef>
+          </p:style>
+        </p:cxnSp>
+      </p:grpSp>
+      <p:sp>
+        <p:nvSpPr>
+          <p:cNvPr id="56" name="TextBox 55">
+            <a:extLst>
+              <a:ext uri="{FF2B5EF4-FFF2-40B4-BE49-F238E27FC236}">
+                <a16:creationId xmlns:a16="http://schemas.microsoft.com/office/drawing/2014/main" id="{71D88998-90C7-1747-8001-F34BE3469DDD}"/>
+              </a:ext>
+            </a:extLst>
+          </p:cNvPr>
+          <p:cNvSpPr txBox="1"/>
+          <p:nvPr/>
+        </p:nvSpPr>
+        <p:spPr>
+          <a:xfrm>
+            <a:off x="3660265" y="5368684"/>
+            <a:ext cx="715773" cy="276999"/>
+          </a:xfrm>
+          <a:prstGeom prst="rect">
+            <a:avLst/>
+          </a:prstGeom>
+          <a:noFill/>
+        </p:spPr>
+        <p:txBody>
+          <a:bodyPr wrap="none" rtlCol="0">
+            <a:spAutoFit/>
+          </a:bodyPr>
+          <a:lstStyle/>
+          <a:p>
+            <a:r>
+              <a:rPr lang="en-US" sz="1200" dirty="0"/>
+              <a:t>Location</a:t>
+            </a:r>
+          </a:p>
+        </p:txBody>
+      </p:sp>
+      <p:sp>
+        <p:nvSpPr>
+          <p:cNvPr id="57" name="TextBox 56">
+            <a:extLst>
+              <a:ext uri="{FF2B5EF4-FFF2-40B4-BE49-F238E27FC236}">
+                <a16:creationId xmlns:a16="http://schemas.microsoft.com/office/drawing/2014/main" id="{39BAFBED-802E-A885-C0F9-7211283FEADF}"/>
+              </a:ext>
+            </a:extLst>
+          </p:cNvPr>
+          <p:cNvSpPr txBox="1"/>
+          <p:nvPr/>
+        </p:nvSpPr>
+        <p:spPr>
+          <a:xfrm>
+            <a:off x="3725730" y="4379731"/>
+            <a:ext cx="556563" cy="276999"/>
+          </a:xfrm>
+          <a:prstGeom prst="rect">
+            <a:avLst/>
+          </a:prstGeom>
+          <a:noFill/>
+        </p:spPr>
+        <p:txBody>
+          <a:bodyPr wrap="none" rtlCol="0">
+            <a:spAutoFit/>
+          </a:bodyPr>
+          <a:lstStyle/>
+          <a:p>
+            <a:r>
+              <a:rPr lang="en-US" sz="1200" dirty="0"/>
+              <a:t>Visual</a:t>
+            </a:r>
+          </a:p>
+        </p:txBody>
+      </p:sp>
+      <p:sp>
+        <p:nvSpPr>
+          <p:cNvPr id="58" name="TextBox 57">
+            <a:extLst>
+              <a:ext uri="{FF2B5EF4-FFF2-40B4-BE49-F238E27FC236}">
+                <a16:creationId xmlns:a16="http://schemas.microsoft.com/office/drawing/2014/main" id="{3C95D1BF-0DB8-F339-0482-8454AAE98D9B}"/>
+              </a:ext>
+            </a:extLst>
+          </p:cNvPr>
+          <p:cNvSpPr txBox="1"/>
+          <p:nvPr/>
+        </p:nvSpPr>
+        <p:spPr>
+          <a:xfrm>
+            <a:off x="2852179" y="4387915"/>
+            <a:ext cx="551754" cy="276999"/>
+          </a:xfrm>
+          <a:prstGeom prst="rect">
+            <a:avLst/>
+          </a:prstGeom>
+          <a:noFill/>
+        </p:spPr>
+        <p:txBody>
+          <a:bodyPr wrap="none" rtlCol="0">
+            <a:spAutoFit/>
+          </a:bodyPr>
+          <a:lstStyle/>
+          <a:p>
+            <a:r>
+              <a:rPr lang="en-US" sz="1200" dirty="0"/>
+              <a:t>Audio</a:t>
+            </a:r>
+          </a:p>
+        </p:txBody>
+      </p:sp>
+      <p:sp>
+        <p:nvSpPr>
+          <p:cNvPr id="59" name="TextBox 58">
+            <a:extLst>
+              <a:ext uri="{FF2B5EF4-FFF2-40B4-BE49-F238E27FC236}">
+                <a16:creationId xmlns:a16="http://schemas.microsoft.com/office/drawing/2014/main" id="{D15710F9-5507-99C9-0261-87E207C0C3BA}"/>
+              </a:ext>
+            </a:extLst>
+          </p:cNvPr>
+          <p:cNvSpPr txBox="1"/>
+          <p:nvPr/>
+        </p:nvSpPr>
+        <p:spPr>
+          <a:xfrm>
+            <a:off x="2792316" y="5535081"/>
+            <a:ext cx="646331" cy="276999"/>
+          </a:xfrm>
+          <a:prstGeom prst="rect">
+            <a:avLst/>
+          </a:prstGeom>
+          <a:noFill/>
+        </p:spPr>
+        <p:txBody>
+          <a:bodyPr wrap="none" rtlCol="0">
+            <a:spAutoFit/>
+          </a:bodyPr>
+          <a:lstStyle/>
+          <a:p>
+            <a:r>
+              <a:rPr lang="en-US" sz="1200" dirty="0"/>
+              <a:t>Motion</a:t>
+            </a:r>
+          </a:p>
+        </p:txBody>
+      </p:sp>
+      <p:sp>
+        <p:nvSpPr>
+          <p:cNvPr id="60" name="TextBox 59">
+            <a:extLst>
+              <a:ext uri="{FF2B5EF4-FFF2-40B4-BE49-F238E27FC236}">
+                <a16:creationId xmlns:a16="http://schemas.microsoft.com/office/drawing/2014/main" id="{C2C26C1A-C801-5C3D-B03D-244636A8921F}"/>
+              </a:ext>
+            </a:extLst>
+          </p:cNvPr>
+          <p:cNvSpPr txBox="1"/>
+          <p:nvPr/>
+        </p:nvSpPr>
+        <p:spPr>
+          <a:xfrm>
+            <a:off x="3327695" y="5719395"/>
+            <a:ext cx="905248" cy="369332"/>
+          </a:xfrm>
+          <a:prstGeom prst="rect">
+            <a:avLst/>
+          </a:prstGeom>
+          <a:noFill/>
+        </p:spPr>
+        <p:txBody>
+          <a:bodyPr wrap="none" rtlCol="0">
+            <a:spAutoFit/>
+          </a:bodyPr>
+          <a:lstStyle/>
+          <a:p>
+            <a:r>
+              <a:rPr lang="en-US" dirty="0"/>
+              <a:t>Sensors</a:t>
+            </a:r>
+          </a:p>
+        </p:txBody>
+      </p:sp>
+      <p:sp>
+        <p:nvSpPr>
+          <p:cNvPr id="61" name="TextBox 60">
+            <a:extLst>
+              <a:ext uri="{FF2B5EF4-FFF2-40B4-BE49-F238E27FC236}">
+                <a16:creationId xmlns:a16="http://schemas.microsoft.com/office/drawing/2014/main" id="{6EC4318F-49B1-C57A-80DD-69B6E1AEEF32}"/>
+              </a:ext>
+            </a:extLst>
+          </p:cNvPr>
+          <p:cNvSpPr txBox="1"/>
+          <p:nvPr/>
+        </p:nvSpPr>
+        <p:spPr>
+          <a:xfrm>
+            <a:off x="4478398" y="4323903"/>
+            <a:ext cx="413896" cy="646331"/>
+          </a:xfrm>
+          <a:prstGeom prst="rect">
+            <a:avLst/>
+          </a:prstGeom>
+          <a:noFill/>
+        </p:spPr>
+        <p:txBody>
+          <a:bodyPr wrap="none" rtlCol="0">
+            <a:spAutoFit/>
+          </a:bodyPr>
+          <a:lstStyle/>
+          <a:p>
+            <a:r>
+              <a:rPr lang="en-US" sz="3600" b="1" dirty="0"/>
+              <a:t>+</a:t>
+            </a:r>
+          </a:p>
+        </p:txBody>
+      </p:sp>
+      <p:sp>
+        <p:nvSpPr>
+          <p:cNvPr id="63" name="TextBox 62">
+            <a:extLst>
+              <a:ext uri="{FF2B5EF4-FFF2-40B4-BE49-F238E27FC236}">
+                <a16:creationId xmlns:a16="http://schemas.microsoft.com/office/drawing/2014/main" id="{41A543B1-8D72-96FE-74AB-204C88B6CB06}"/>
+              </a:ext>
+            </a:extLst>
+          </p:cNvPr>
+          <p:cNvSpPr txBox="1"/>
+          <p:nvPr/>
+        </p:nvSpPr>
+        <p:spPr>
+          <a:xfrm>
+            <a:off x="7608382" y="5719395"/>
+            <a:ext cx="1454501" cy="369332"/>
+          </a:xfrm>
+          <a:prstGeom prst="rect">
+            <a:avLst/>
+          </a:prstGeom>
+          <a:noFill/>
+        </p:spPr>
+        <p:txBody>
+          <a:bodyPr wrap="none" rtlCol="0">
+            <a:spAutoFit/>
+          </a:bodyPr>
+          <a:lstStyle/>
+          <a:p>
+            <a:r>
+              <a:rPr lang="en-US" dirty="0"/>
+              <a:t>Power source</a:t>
+            </a:r>
+          </a:p>
+        </p:txBody>
+      </p:sp>
+      <p:sp>
+        <p:nvSpPr>
+          <p:cNvPr id="81" name="TextBox 80">
+            <a:extLst>
+              <a:ext uri="{FF2B5EF4-FFF2-40B4-BE49-F238E27FC236}">
+                <a16:creationId xmlns:a16="http://schemas.microsoft.com/office/drawing/2014/main" id="{FA1F804D-BC06-9DA7-765A-4FDC4F93C9D9}"/>
+              </a:ext>
+            </a:extLst>
+          </p:cNvPr>
+          <p:cNvSpPr txBox="1"/>
+          <p:nvPr/>
+        </p:nvSpPr>
+        <p:spPr>
+          <a:xfrm>
+            <a:off x="9038586" y="5442396"/>
+            <a:ext cx="1766509" cy="646331"/>
+          </a:xfrm>
+          <a:prstGeom prst="rect">
+            <a:avLst/>
+          </a:prstGeom>
+          <a:noFill/>
+        </p:spPr>
+        <p:txBody>
+          <a:bodyPr wrap="none" rtlCol="0">
+            <a:spAutoFit/>
+          </a:bodyPr>
+          <a:lstStyle/>
+          <a:p>
+            <a:pPr algn="ctr"/>
+            <a:r>
+              <a:rPr lang="en-US" dirty="0"/>
+              <a:t>Optional</a:t>
+            </a:r>
+          </a:p>
+          <a:p>
+            <a:pPr algn="ctr"/>
+            <a:r>
+              <a:rPr lang="en-US" dirty="0"/>
+              <a:t>Energy harvester</a:t>
+            </a:r>
+          </a:p>
+        </p:txBody>
+      </p:sp>
+      <p:sp>
+        <p:nvSpPr>
+          <p:cNvPr id="83" name="TextBox 82">
+            <a:extLst>
+              <a:ext uri="{FF2B5EF4-FFF2-40B4-BE49-F238E27FC236}">
+                <a16:creationId xmlns:a16="http://schemas.microsoft.com/office/drawing/2014/main" id="{D8EA890D-7E6C-9329-5D38-D277802E871E}"/>
+              </a:ext>
+            </a:extLst>
+          </p:cNvPr>
+          <p:cNvSpPr txBox="1"/>
+          <p:nvPr/>
+        </p:nvSpPr>
+        <p:spPr>
+          <a:xfrm>
+            <a:off x="4918732" y="5719395"/>
+            <a:ext cx="716863" cy="369332"/>
+          </a:xfrm>
+          <a:prstGeom prst="rect">
+            <a:avLst/>
+          </a:prstGeom>
+          <a:noFill/>
+        </p:spPr>
+        <p:txBody>
+          <a:bodyPr wrap="none" rtlCol="0">
+            <a:spAutoFit/>
+          </a:bodyPr>
+          <a:lstStyle/>
+          <a:p>
+            <a:r>
+              <a:rPr lang="en-US" dirty="0"/>
+              <a:t>Radio</a:t>
+            </a:r>
+          </a:p>
+        </p:txBody>
+      </p:sp>
+      <p:grpSp>
+        <p:nvGrpSpPr>
+          <p:cNvPr id="93" name="Group 92">
+            <a:extLst>
+              <a:ext uri="{FF2B5EF4-FFF2-40B4-BE49-F238E27FC236}">
+                <a16:creationId xmlns:a16="http://schemas.microsoft.com/office/drawing/2014/main" id="{2F510EED-E1CD-6113-4E74-89AC255E619F}"/>
+              </a:ext>
+            </a:extLst>
+          </p:cNvPr>
+          <p:cNvGrpSpPr/>
+          <p:nvPr/>
+        </p:nvGrpSpPr>
+        <p:grpSpPr>
+          <a:xfrm>
+            <a:off x="7390755" y="3767750"/>
+            <a:ext cx="1415775" cy="1720038"/>
+            <a:chOff x="9758426" y="3247171"/>
+            <a:chExt cx="1415775" cy="1720038"/>
+          </a:xfrm>
+        </p:grpSpPr>
+        <p:grpSp>
+          <p:nvGrpSpPr>
+            <p:cNvPr id="90" name="Group 89">
+              <a:extLst>
+                <a:ext uri="{FF2B5EF4-FFF2-40B4-BE49-F238E27FC236}">
+                  <a16:creationId xmlns:a16="http://schemas.microsoft.com/office/drawing/2014/main" id="{D67E0ACA-91C7-8BC7-3AA3-F392E95E0D05}"/>
+                </a:ext>
+              </a:extLst>
+            </p:cNvPr>
+            <p:cNvGrpSpPr/>
+            <p:nvPr/>
+          </p:nvGrpSpPr>
+          <p:grpSpPr>
+            <a:xfrm>
+              <a:off x="9758426" y="3247171"/>
+              <a:ext cx="1415775" cy="1720038"/>
+              <a:chOff x="8316702" y="3247171"/>
+              <a:chExt cx="2857500" cy="2857500"/>
+            </a:xfrm>
+          </p:grpSpPr>
+          <p:pic>
+            <p:nvPicPr>
+              <p:cNvPr id="87" name="Picture 86" descr="Icon&#10;&#10;Description automatically generated">
+                <a:extLst>
+                  <a:ext uri="{FF2B5EF4-FFF2-40B4-BE49-F238E27FC236}">
+                    <a16:creationId xmlns:a16="http://schemas.microsoft.com/office/drawing/2014/main" id="{68BBEB46-7070-C550-F68D-3DF56B4F9389}"/>
+                  </a:ext>
+                </a:extLst>
+              </p:cNvPr>
+              <p:cNvPicPr>
+                <a:picLocks noChangeAspect="1"/>
+              </p:cNvPicPr>
+              <p:nvPr/>
+            </p:nvPicPr>
+            <p:blipFill>
+              <a:blip r:embed="rId4">
+                <a:clrChange>
+                  <a:clrFrom>
+                    <a:srgbClr val="FFFFFF"/>
+                  </a:clrFrom>
+                  <a:clrTo>
+                    <a:srgbClr val="FFFFFF">
+                      <a:alpha val="0"/>
+                    </a:srgbClr>
+                  </a:clrTo>
+                </a:clrChange>
+              </a:blip>
+              <a:stretch>
+                <a:fillRect/>
+              </a:stretch>
+            </p:blipFill>
+            <p:spPr>
+              <a:xfrm>
+                <a:off x="8316702" y="3247171"/>
+                <a:ext cx="2857500" cy="2857500"/>
+              </a:xfrm>
+              <a:prstGeom prst="rect">
+                <a:avLst/>
+              </a:prstGeom>
+            </p:spPr>
+          </p:pic>
+          <p:cxnSp>
+            <p:nvCxnSpPr>
+              <p:cNvPr id="89" name="Straight Connector 88">
+                <a:extLst>
+                  <a:ext uri="{FF2B5EF4-FFF2-40B4-BE49-F238E27FC236}">
+                    <a16:creationId xmlns:a16="http://schemas.microsoft.com/office/drawing/2014/main" id="{63F27780-2E49-C3EE-44EE-861B8B51C0C1}"/>
+                  </a:ext>
+                </a:extLst>
+              </p:cNvPr>
+              <p:cNvCxnSpPr/>
+              <p:nvPr/>
+            </p:nvCxnSpPr>
+            <p:spPr>
+              <a:xfrm>
+                <a:off x="9576160" y="4969327"/>
+                <a:ext cx="0" cy="591273"/>
+              </a:xfrm>
+              <a:prstGeom prst="line">
+                <a:avLst/>
+              </a:prstGeom>
+              <a:ln w="25400">
+                <a:solidFill>
+                  <a:srgbClr val="3B3B3B"/>
+                </a:solidFill>
+              </a:ln>
+            </p:spPr>
+            <p:style>
+              <a:lnRef idx="1">
+                <a:schemeClr val="accent1"/>
+              </a:lnRef>
+              <a:fillRef idx="0">
+                <a:schemeClr val="accent1"/>
+              </a:fillRef>
+              <a:effectRef idx="0">
+                <a:schemeClr val="accent1"/>
+              </a:effectRef>
+              <a:fontRef idx="minor">
+                <a:schemeClr val="tx1"/>
+              </a:fontRef>
+            </p:style>
+          </p:cxnSp>
+        </p:grpSp>
+        <p:cxnSp>
+          <p:nvCxnSpPr>
+            <p:cNvPr id="91" name="Straight Connector 90">
+              <a:extLst>
+                <a:ext uri="{FF2B5EF4-FFF2-40B4-BE49-F238E27FC236}">
+                  <a16:creationId xmlns:a16="http://schemas.microsoft.com/office/drawing/2014/main" id="{7C417470-51D2-2AAD-599E-56F81C25C2B0}"/>
+                </a:ext>
+              </a:extLst>
+            </p:cNvPr>
+            <p:cNvCxnSpPr>
+              <a:cxnSpLocks/>
+            </p:cNvCxnSpPr>
+            <p:nvPr/>
+          </p:nvCxnSpPr>
+          <p:spPr>
+            <a:xfrm>
+              <a:off x="10548904" y="4280659"/>
+              <a:ext cx="0" cy="191093"/>
+            </a:xfrm>
+            <a:prstGeom prst="line">
+              <a:avLst/>
+            </a:prstGeom>
+            <a:ln w="25400">
+              <a:solidFill>
+                <a:srgbClr val="3B3B3B"/>
+              </a:solidFill>
+            </a:ln>
+          </p:spPr>
+          <p:style>
+            <a:lnRef idx="1">
+              <a:schemeClr val="accent1"/>
+            </a:lnRef>
+            <a:fillRef idx="0">
+              <a:schemeClr val="accent1"/>
+            </a:fillRef>
+            <a:effectRef idx="0">
+              <a:schemeClr val="accent1"/>
+            </a:effectRef>
+            <a:fontRef idx="minor">
+              <a:schemeClr val="tx1"/>
+            </a:fontRef>
+          </p:style>
+        </p:cxnSp>
+      </p:grpSp>
+      <p:pic>
+        <p:nvPicPr>
+          <p:cNvPr id="103" name="Picture 102" descr="Icon&#10;&#10;Description automatically generated">
+            <a:extLst>
+              <a:ext uri="{FF2B5EF4-FFF2-40B4-BE49-F238E27FC236}">
+                <a16:creationId xmlns:a16="http://schemas.microsoft.com/office/drawing/2014/main" id="{FE10E2FF-5FD5-1BC6-F89A-005E8B55080F}"/>
+              </a:ext>
+            </a:extLst>
+          </p:cNvPr>
+          <p:cNvPicPr>
+            <a:picLocks noChangeAspect="1"/>
+          </p:cNvPicPr>
+          <p:nvPr/>
+        </p:nvPicPr>
+        <p:blipFill>
+          <a:blip r:embed="rId5">
+            <a:clrChange>
+              <a:clrFrom>
+                <a:srgbClr val="F6F6F6"/>
+              </a:clrFrom>
+              <a:clrTo>
+                <a:srgbClr val="F6F6F6">
+                  <a:alpha val="0"/>
+                </a:srgbClr>
+              </a:clrTo>
+            </a:clrChange>
+          </a:blip>
+          <a:stretch>
+            <a:fillRect/>
+          </a:stretch>
+        </p:blipFill>
+        <p:spPr>
+          <a:xfrm>
+            <a:off x="2823178" y="3702771"/>
+            <a:ext cx="758995" cy="947818"/>
+          </a:xfrm>
+          <a:prstGeom prst="rect">
+            <a:avLst/>
+          </a:prstGeom>
+        </p:spPr>
+      </p:pic>
+      <p:pic>
+        <p:nvPicPr>
+          <p:cNvPr id="105" name="Picture 104" descr="Icon&#10;&#10;Description automatically generated">
+            <a:extLst>
+              <a:ext uri="{FF2B5EF4-FFF2-40B4-BE49-F238E27FC236}">
+                <a16:creationId xmlns:a16="http://schemas.microsoft.com/office/drawing/2014/main" id="{F2C2CE11-A3CA-1399-13EA-D72592920766}"/>
+              </a:ext>
+            </a:extLst>
+          </p:cNvPr>
+          <p:cNvPicPr>
+            <a:picLocks noChangeAspect="1"/>
+          </p:cNvPicPr>
+          <p:nvPr/>
+        </p:nvPicPr>
+        <p:blipFill>
+          <a:blip r:embed="rId6"/>
+          <a:stretch>
+            <a:fillRect/>
+          </a:stretch>
+        </p:blipFill>
+        <p:spPr>
+          <a:xfrm>
+            <a:off x="4741286" y="3902410"/>
+            <a:ext cx="983694" cy="1371600"/>
+          </a:xfrm>
+          <a:prstGeom prst="rect">
+            <a:avLst/>
+          </a:prstGeom>
+        </p:spPr>
+      </p:pic>
+      <p:pic>
+        <p:nvPicPr>
+          <p:cNvPr id="107" name="Picture 106" descr="Icon&#10;&#10;Description automatically generated">
+            <a:extLst>
+              <a:ext uri="{FF2B5EF4-FFF2-40B4-BE49-F238E27FC236}">
+                <a16:creationId xmlns:a16="http://schemas.microsoft.com/office/drawing/2014/main" id="{1597C5A1-C920-CBB3-C497-113C8A8726C6}"/>
+              </a:ext>
+            </a:extLst>
+          </p:cNvPr>
+          <p:cNvPicPr>
+            <a:picLocks noChangeAspect="1"/>
+          </p:cNvPicPr>
+          <p:nvPr/>
+        </p:nvPicPr>
+        <p:blipFill>
+          <a:blip r:embed="rId7"/>
+          <a:stretch>
+            <a:fillRect/>
+          </a:stretch>
+        </p:blipFill>
+        <p:spPr>
+          <a:xfrm>
+            <a:off x="8227512" y="4310233"/>
+            <a:ext cx="747225" cy="747225"/>
+          </a:xfrm>
+          <a:prstGeom prst="rect">
+            <a:avLst/>
+          </a:prstGeom>
+        </p:spPr>
+      </p:pic>
+      <p:pic>
+        <p:nvPicPr>
+          <p:cNvPr id="109" name="Graphic 108" descr="Marker with solid fill">
+            <a:extLst>
+              <a:ext uri="{FF2B5EF4-FFF2-40B4-BE49-F238E27FC236}">
+                <a16:creationId xmlns:a16="http://schemas.microsoft.com/office/drawing/2014/main" id="{C7A4E38F-4911-66AD-75E1-195623B877F4}"/>
+              </a:ext>
+            </a:extLst>
+          </p:cNvPr>
+          <p:cNvPicPr>
+            <a:picLocks noChangeAspect="1"/>
+          </p:cNvPicPr>
+          <p:nvPr/>
+        </p:nvPicPr>
+        <p:blipFill>
+          <a:blip r:embed="rId8">
+            <a:extLst>
+              <a:ext uri="{96DAC541-7B7A-43D3-8B79-37D633B846F1}">
+                <asvg:svgBlip xmlns:asvg="http://schemas.microsoft.com/office/drawing/2016/SVG/main" r:embed="rId9"/>
+              </a:ext>
+            </a:extLst>
+          </a:blip>
+          <a:stretch>
+            <a:fillRect/>
+          </a:stretch>
+        </p:blipFill>
+        <p:spPr>
+          <a:xfrm>
+            <a:off x="3567748" y="4575809"/>
+            <a:ext cx="914400" cy="914400"/>
+          </a:xfrm>
+          <a:prstGeom prst="rect">
+            <a:avLst/>
+          </a:prstGeom>
+        </p:spPr>
+      </p:pic>
+      <p:pic>
+        <p:nvPicPr>
+          <p:cNvPr id="114" name="Picture 113" descr="Icon&#10;&#10;Description automatically generated">
+            <a:extLst>
+              <a:ext uri="{FF2B5EF4-FFF2-40B4-BE49-F238E27FC236}">
+                <a16:creationId xmlns:a16="http://schemas.microsoft.com/office/drawing/2014/main" id="{92FC5B45-B94C-CD3B-4B67-BBEC1399D7C6}"/>
+              </a:ext>
+            </a:extLst>
+          </p:cNvPr>
+          <p:cNvPicPr>
+            <a:picLocks noChangeAspect="1"/>
+          </p:cNvPicPr>
+          <p:nvPr/>
+        </p:nvPicPr>
+        <p:blipFill>
+          <a:blip r:embed="rId10"/>
+          <a:stretch>
+            <a:fillRect/>
+          </a:stretch>
+        </p:blipFill>
+        <p:spPr>
+          <a:xfrm>
+            <a:off x="3663016" y="3805298"/>
+            <a:ext cx="678603" cy="678603"/>
+          </a:xfrm>
+          <a:prstGeom prst="rect">
+            <a:avLst/>
+          </a:prstGeom>
+        </p:spPr>
+      </p:pic>
+      <p:sp>
+        <p:nvSpPr>
+          <p:cNvPr id="120" name="Freeform 119">
+            <a:extLst>
+              <a:ext uri="{FF2B5EF4-FFF2-40B4-BE49-F238E27FC236}">
+                <a16:creationId xmlns:a16="http://schemas.microsoft.com/office/drawing/2014/main" id="{0B67736F-C234-33E4-4801-7B5EEDB76A6E}"/>
+              </a:ext>
+            </a:extLst>
+          </p:cNvPr>
+          <p:cNvSpPr/>
+          <p:nvPr/>
+        </p:nvSpPr>
+        <p:spPr>
+          <a:xfrm>
+            <a:off x="9266542" y="4293834"/>
+            <a:ext cx="61610" cy="24644"/>
+          </a:xfrm>
+          <a:custGeom>
+            <a:avLst/>
+            <a:gdLst>
+              <a:gd name="connsiteX0" fmla="*/ 0 w 61610"/>
+              <a:gd name="connsiteY0" fmla="*/ 0 h 24644"/>
+              <a:gd name="connsiteX1" fmla="*/ 61610 w 61610"/>
+              <a:gd name="connsiteY1" fmla="*/ 0 h 24644"/>
+              <a:gd name="connsiteX2" fmla="*/ 61610 w 61610"/>
+              <a:gd name="connsiteY2" fmla="*/ 24644 h 24644"/>
+              <a:gd name="connsiteX3" fmla="*/ 0 w 61610"/>
+              <a:gd name="connsiteY3" fmla="*/ 24644 h 24644"/>
+            </a:gdLst>
+            <a:ahLst/>
+            <a:cxnLst>
+              <a:cxn ang="0">
+                <a:pos x="connsiteX0" y="connsiteY0"/>
+              </a:cxn>
+              <a:cxn ang="0">
+                <a:pos x="connsiteX1" y="connsiteY1"/>
+              </a:cxn>
+              <a:cxn ang="0">
+                <a:pos x="connsiteX2" y="connsiteY2"/>
+              </a:cxn>
+              <a:cxn ang="0">
+                <a:pos x="connsiteX3" y="connsiteY3"/>
+              </a:cxn>
+            </a:cxnLst>
+            <a:rect l="l" t="t" r="r" b="b"/>
+            <a:pathLst>
+              <a:path w="61610" h="24644">
+                <a:moveTo>
+                  <a:pt x="0" y="0"/>
+                </a:moveTo>
+                <a:lnTo>
+                  <a:pt x="61610" y="0"/>
+                </a:lnTo>
+                <a:lnTo>
+                  <a:pt x="61610" y="24644"/>
+                </a:lnTo>
+                <a:lnTo>
+                  <a:pt x="0" y="24644"/>
+                </a:lnTo>
+                <a:close/>
+              </a:path>
+            </a:pathLst>
+          </a:custGeom>
+          <a:solidFill>
+            <a:schemeClr val="accent4"/>
+          </a:solidFill>
+          <a:ln w="12303" cap="flat">
+            <a:noFill/>
+            <a:prstDash val="solid"/>
+            <a:miter/>
+          </a:ln>
+        </p:spPr>
+        <p:txBody>
+          <a:bodyPr rtlCol="0" anchor="ctr"/>
+          <a:lstStyle/>
+          <a:p>
+            <a:endParaRPr lang="en-US"/>
+          </a:p>
+        </p:txBody>
+      </p:sp>
+      <p:sp>
+        <p:nvSpPr>
+          <p:cNvPr id="121" name="Freeform 120">
+            <a:extLst>
+              <a:ext uri="{FF2B5EF4-FFF2-40B4-BE49-F238E27FC236}">
+                <a16:creationId xmlns:a16="http://schemas.microsoft.com/office/drawing/2014/main" id="{1DF14003-3492-CDFF-A424-5E4F69512BFF}"/>
+              </a:ext>
+            </a:extLst>
+          </p:cNvPr>
+          <p:cNvSpPr/>
+          <p:nvPr/>
+        </p:nvSpPr>
+        <p:spPr>
+          <a:xfrm>
+            <a:off x="9307993" y="4187150"/>
+            <a:ext cx="60193" cy="61610"/>
+          </a:xfrm>
+          <a:custGeom>
+            <a:avLst/>
+            <a:gdLst>
+              <a:gd name="connsiteX0" fmla="*/ 42770 w 60193"/>
+              <a:gd name="connsiteY0" fmla="*/ 61610 h 61610"/>
+              <a:gd name="connsiteX1" fmla="*/ 0 w 60193"/>
+              <a:gd name="connsiteY1" fmla="*/ 17830 h 61610"/>
+              <a:gd name="connsiteX2" fmla="*/ 17423 w 60193"/>
+              <a:gd name="connsiteY2" fmla="*/ 0 h 61610"/>
+              <a:gd name="connsiteX3" fmla="*/ 60193 w 60193"/>
+              <a:gd name="connsiteY3" fmla="*/ 43768 h 61610"/>
+              <a:gd name="connsiteX4" fmla="*/ 42770 w 60193"/>
+              <a:gd name="connsiteY4" fmla="*/ 61610 h 61610"/>
+            </a:gdLst>
+            <a:ahLst/>
+            <a:cxnLst>
+              <a:cxn ang="0">
+                <a:pos x="connsiteX0" y="connsiteY0"/>
+              </a:cxn>
+              <a:cxn ang="0">
+                <a:pos x="connsiteX1" y="connsiteY1"/>
+              </a:cxn>
+              <a:cxn ang="0">
+                <a:pos x="connsiteX2" y="connsiteY2"/>
+              </a:cxn>
+              <a:cxn ang="0">
+                <a:pos x="connsiteX3" y="connsiteY3"/>
+              </a:cxn>
+              <a:cxn ang="0">
+                <a:pos x="connsiteX4" y="connsiteY4"/>
+              </a:cxn>
+            </a:cxnLst>
+            <a:rect l="l" t="t" r="r" b="b"/>
+            <a:pathLst>
+              <a:path w="60193" h="61610">
+                <a:moveTo>
+                  <a:pt x="42770" y="61610"/>
+                </a:moveTo>
+                <a:lnTo>
+                  <a:pt x="0" y="17830"/>
+                </a:lnTo>
+                <a:lnTo>
+                  <a:pt x="17423" y="0"/>
+                </a:lnTo>
+                <a:lnTo>
+                  <a:pt x="60193" y="43768"/>
+                </a:lnTo>
+                <a:lnTo>
+                  <a:pt x="42770" y="61610"/>
+                </a:lnTo>
+                <a:close/>
+              </a:path>
+            </a:pathLst>
+          </a:custGeom>
+          <a:solidFill>
+            <a:schemeClr val="accent4"/>
+          </a:solidFill>
+          <a:ln w="12303" cap="flat">
+            <a:noFill/>
+            <a:prstDash val="solid"/>
+            <a:miter/>
+          </a:ln>
+        </p:spPr>
+        <p:txBody>
+          <a:bodyPr rtlCol="0" anchor="ctr"/>
+          <a:lstStyle/>
+          <a:p>
+            <a:endParaRPr lang="en-US"/>
+          </a:p>
+        </p:txBody>
+      </p:sp>
+      <p:sp>
+        <p:nvSpPr>
+          <p:cNvPr id="122" name="Freeform 121">
+            <a:extLst>
+              <a:ext uri="{FF2B5EF4-FFF2-40B4-BE49-F238E27FC236}">
+                <a16:creationId xmlns:a16="http://schemas.microsoft.com/office/drawing/2014/main" id="{377A153E-2A72-8424-A489-FE54380F0914}"/>
+              </a:ext>
+            </a:extLst>
+          </p:cNvPr>
+          <p:cNvSpPr/>
+          <p:nvPr/>
+        </p:nvSpPr>
+        <p:spPr>
+          <a:xfrm>
+            <a:off x="9352796" y="4233641"/>
+            <a:ext cx="147864" cy="147864"/>
+          </a:xfrm>
+          <a:custGeom>
+            <a:avLst/>
+            <a:gdLst>
+              <a:gd name="connsiteX0" fmla="*/ 147864 w 147864"/>
+              <a:gd name="connsiteY0" fmla="*/ 73932 h 147864"/>
+              <a:gd name="connsiteX1" fmla="*/ 73932 w 147864"/>
+              <a:gd name="connsiteY1" fmla="*/ 147864 h 147864"/>
+              <a:gd name="connsiteX2" fmla="*/ 0 w 147864"/>
+              <a:gd name="connsiteY2" fmla="*/ 73932 h 147864"/>
+              <a:gd name="connsiteX3" fmla="*/ 73932 w 147864"/>
+              <a:gd name="connsiteY3" fmla="*/ 0 h 147864"/>
+              <a:gd name="connsiteX4" fmla="*/ 147864 w 147864"/>
+              <a:gd name="connsiteY4" fmla="*/ 73932 h 147864"/>
+            </a:gdLst>
+            <a:ahLst/>
+            <a:cxnLst>
+              <a:cxn ang="0">
+                <a:pos x="connsiteX0" y="connsiteY0"/>
+              </a:cxn>
+              <a:cxn ang="0">
+                <a:pos x="connsiteX1" y="connsiteY1"/>
+              </a:cxn>
+              <a:cxn ang="0">
+                <a:pos x="connsiteX2" y="connsiteY2"/>
+              </a:cxn>
+              <a:cxn ang="0">
+                <a:pos x="connsiteX3" y="connsiteY3"/>
+              </a:cxn>
+              <a:cxn ang="0">
+                <a:pos x="connsiteX4" y="connsiteY4"/>
+              </a:cxn>
+            </a:cxnLst>
+            <a:rect l="l" t="t" r="r" b="b"/>
+            <a:pathLst>
+              <a:path w="147864" h="147864">
+                <a:moveTo>
+                  <a:pt x="147864" y="73932"/>
+                </a:moveTo>
+                <a:cubicBezTo>
+                  <a:pt x="147864" y="114764"/>
+                  <a:pt x="114764" y="147864"/>
+                  <a:pt x="73932" y="147864"/>
+                </a:cubicBezTo>
+                <a:cubicBezTo>
+                  <a:pt x="33101" y="147864"/>
+                  <a:pt x="0" y="114764"/>
+                  <a:pt x="0" y="73932"/>
+                </a:cubicBezTo>
+                <a:cubicBezTo>
+                  <a:pt x="0" y="33101"/>
+                  <a:pt x="33101" y="0"/>
+                  <a:pt x="73932" y="0"/>
+                </a:cubicBezTo>
+                <a:cubicBezTo>
+                  <a:pt x="114764" y="0"/>
+                  <a:pt x="147864" y="33101"/>
+                  <a:pt x="147864" y="73932"/>
+                </a:cubicBezTo>
+                <a:close/>
+              </a:path>
+            </a:pathLst>
+          </a:custGeom>
+          <a:solidFill>
+            <a:schemeClr val="accent4"/>
+          </a:solidFill>
+          <a:ln w="12303" cap="flat">
+            <a:noFill/>
+            <a:prstDash val="solid"/>
+            <a:miter/>
+          </a:ln>
+        </p:spPr>
+        <p:txBody>
+          <a:bodyPr rtlCol="0" anchor="ctr"/>
+          <a:lstStyle/>
+          <a:p>
+            <a:endParaRPr lang="en-US"/>
+          </a:p>
+        </p:txBody>
+      </p:sp>
+      <p:sp>
+        <p:nvSpPr>
+          <p:cNvPr id="123" name="Freeform 122">
+            <a:extLst>
+              <a:ext uri="{FF2B5EF4-FFF2-40B4-BE49-F238E27FC236}">
+                <a16:creationId xmlns:a16="http://schemas.microsoft.com/office/drawing/2014/main" id="{8B1DA23F-B02E-4317-4B4D-B0CDFB105E40}"/>
+              </a:ext>
+            </a:extLst>
+          </p:cNvPr>
+          <p:cNvSpPr/>
+          <p:nvPr/>
+        </p:nvSpPr>
+        <p:spPr>
+          <a:xfrm>
+            <a:off x="9414406" y="4145970"/>
+            <a:ext cx="24644" cy="61610"/>
+          </a:xfrm>
+          <a:custGeom>
+            <a:avLst/>
+            <a:gdLst>
+              <a:gd name="connsiteX0" fmla="*/ 0 w 24644"/>
+              <a:gd name="connsiteY0" fmla="*/ 0 h 61610"/>
+              <a:gd name="connsiteX1" fmla="*/ 24644 w 24644"/>
+              <a:gd name="connsiteY1" fmla="*/ 0 h 61610"/>
+              <a:gd name="connsiteX2" fmla="*/ 24644 w 24644"/>
+              <a:gd name="connsiteY2" fmla="*/ 61610 h 61610"/>
+              <a:gd name="connsiteX3" fmla="*/ 0 w 24644"/>
+              <a:gd name="connsiteY3" fmla="*/ 61610 h 61610"/>
+            </a:gdLst>
+            <a:ahLst/>
+            <a:cxnLst>
+              <a:cxn ang="0">
+                <a:pos x="connsiteX0" y="connsiteY0"/>
+              </a:cxn>
+              <a:cxn ang="0">
+                <a:pos x="connsiteX1" y="connsiteY1"/>
+              </a:cxn>
+              <a:cxn ang="0">
+                <a:pos x="connsiteX2" y="connsiteY2"/>
+              </a:cxn>
+              <a:cxn ang="0">
+                <a:pos x="connsiteX3" y="connsiteY3"/>
+              </a:cxn>
+            </a:cxnLst>
+            <a:rect l="l" t="t" r="r" b="b"/>
+            <a:pathLst>
+              <a:path w="24644" h="61610">
+                <a:moveTo>
+                  <a:pt x="0" y="0"/>
+                </a:moveTo>
+                <a:lnTo>
+                  <a:pt x="24644" y="0"/>
+                </a:lnTo>
+                <a:lnTo>
+                  <a:pt x="24644" y="61610"/>
+                </a:lnTo>
+                <a:lnTo>
+                  <a:pt x="0" y="61610"/>
+                </a:lnTo>
+                <a:close/>
+              </a:path>
+            </a:pathLst>
+          </a:custGeom>
+          <a:solidFill>
+            <a:schemeClr val="accent4"/>
+          </a:solidFill>
+          <a:ln w="12303" cap="flat">
+            <a:noFill/>
+            <a:prstDash val="solid"/>
+            <a:miter/>
+          </a:ln>
+        </p:spPr>
+        <p:txBody>
+          <a:bodyPr rtlCol="0" anchor="ctr"/>
+          <a:lstStyle/>
+          <a:p>
+            <a:endParaRPr lang="en-US"/>
+          </a:p>
+        </p:txBody>
+      </p:sp>
+      <p:sp>
+        <p:nvSpPr>
+          <p:cNvPr id="124" name="Freeform 123">
+            <a:extLst>
+              <a:ext uri="{FF2B5EF4-FFF2-40B4-BE49-F238E27FC236}">
+                <a16:creationId xmlns:a16="http://schemas.microsoft.com/office/drawing/2014/main" id="{AB290232-18BD-E052-98FD-F827ECF80759}"/>
+              </a:ext>
+            </a:extLst>
+          </p:cNvPr>
+          <p:cNvSpPr/>
+          <p:nvPr/>
+        </p:nvSpPr>
+        <p:spPr>
+          <a:xfrm>
+            <a:off x="9525304" y="4293834"/>
+            <a:ext cx="61610" cy="24644"/>
+          </a:xfrm>
+          <a:custGeom>
+            <a:avLst/>
+            <a:gdLst>
+              <a:gd name="connsiteX0" fmla="*/ 0 w 61610"/>
+              <a:gd name="connsiteY0" fmla="*/ 0 h 24644"/>
+              <a:gd name="connsiteX1" fmla="*/ 61610 w 61610"/>
+              <a:gd name="connsiteY1" fmla="*/ 0 h 24644"/>
+              <a:gd name="connsiteX2" fmla="*/ 61610 w 61610"/>
+              <a:gd name="connsiteY2" fmla="*/ 24644 h 24644"/>
+              <a:gd name="connsiteX3" fmla="*/ 0 w 61610"/>
+              <a:gd name="connsiteY3" fmla="*/ 24644 h 24644"/>
+            </a:gdLst>
+            <a:ahLst/>
+            <a:cxnLst>
+              <a:cxn ang="0">
+                <a:pos x="connsiteX0" y="connsiteY0"/>
+              </a:cxn>
+              <a:cxn ang="0">
+                <a:pos x="connsiteX1" y="connsiteY1"/>
+              </a:cxn>
+              <a:cxn ang="0">
+                <a:pos x="connsiteX2" y="connsiteY2"/>
+              </a:cxn>
+              <a:cxn ang="0">
+                <a:pos x="connsiteX3" y="connsiteY3"/>
+              </a:cxn>
+            </a:cxnLst>
+            <a:rect l="l" t="t" r="r" b="b"/>
+            <a:pathLst>
+              <a:path w="61610" h="24644">
+                <a:moveTo>
+                  <a:pt x="0" y="0"/>
+                </a:moveTo>
+                <a:lnTo>
+                  <a:pt x="61610" y="0"/>
+                </a:lnTo>
+                <a:lnTo>
+                  <a:pt x="61610" y="24644"/>
+                </a:lnTo>
+                <a:lnTo>
+                  <a:pt x="0" y="24644"/>
+                </a:lnTo>
+                <a:close/>
+              </a:path>
+            </a:pathLst>
+          </a:custGeom>
+          <a:solidFill>
+            <a:schemeClr val="accent4"/>
+          </a:solidFill>
+          <a:ln w="12303" cap="flat">
+            <a:noFill/>
+            <a:prstDash val="solid"/>
+            <a:miter/>
+          </a:ln>
+        </p:spPr>
+        <p:txBody>
+          <a:bodyPr rtlCol="0" anchor="ctr"/>
+          <a:lstStyle/>
+          <a:p>
+            <a:endParaRPr lang="en-US"/>
+          </a:p>
+        </p:txBody>
+      </p:sp>
+      <p:sp>
+        <p:nvSpPr>
+          <p:cNvPr id="125" name="Freeform 124">
+            <a:extLst>
+              <a:ext uri="{FF2B5EF4-FFF2-40B4-BE49-F238E27FC236}">
+                <a16:creationId xmlns:a16="http://schemas.microsoft.com/office/drawing/2014/main" id="{01009B99-FD6C-EAC0-3AA9-096FA5076173}"/>
+              </a:ext>
+            </a:extLst>
+          </p:cNvPr>
+          <p:cNvSpPr/>
+          <p:nvPr/>
+        </p:nvSpPr>
+        <p:spPr>
+          <a:xfrm>
+            <a:off x="9485270" y="4187150"/>
+            <a:ext cx="60193" cy="61610"/>
+          </a:xfrm>
+          <a:custGeom>
+            <a:avLst/>
+            <a:gdLst>
+              <a:gd name="connsiteX0" fmla="*/ 17423 w 60193"/>
+              <a:gd name="connsiteY0" fmla="*/ 61610 h 61610"/>
+              <a:gd name="connsiteX1" fmla="*/ 60193 w 60193"/>
+              <a:gd name="connsiteY1" fmla="*/ 17830 h 61610"/>
+              <a:gd name="connsiteX2" fmla="*/ 42770 w 60193"/>
+              <a:gd name="connsiteY2" fmla="*/ 0 h 61610"/>
+              <a:gd name="connsiteX3" fmla="*/ 0 w 60193"/>
+              <a:gd name="connsiteY3" fmla="*/ 43768 h 61610"/>
+              <a:gd name="connsiteX4" fmla="*/ 17423 w 60193"/>
+              <a:gd name="connsiteY4" fmla="*/ 61610 h 61610"/>
+            </a:gdLst>
+            <a:ahLst/>
+            <a:cxnLst>
+              <a:cxn ang="0">
+                <a:pos x="connsiteX0" y="connsiteY0"/>
+              </a:cxn>
+              <a:cxn ang="0">
+                <a:pos x="connsiteX1" y="connsiteY1"/>
+              </a:cxn>
+              <a:cxn ang="0">
+                <a:pos x="connsiteX2" y="connsiteY2"/>
+              </a:cxn>
+              <a:cxn ang="0">
+                <a:pos x="connsiteX3" y="connsiteY3"/>
+              </a:cxn>
+              <a:cxn ang="0">
+                <a:pos x="connsiteX4" y="connsiteY4"/>
+              </a:cxn>
+            </a:cxnLst>
+            <a:rect l="l" t="t" r="r" b="b"/>
+            <a:pathLst>
+              <a:path w="60193" h="61610">
+                <a:moveTo>
+                  <a:pt x="17423" y="61610"/>
+                </a:moveTo>
+                <a:lnTo>
+                  <a:pt x="60193" y="17830"/>
+                </a:lnTo>
+                <a:lnTo>
+                  <a:pt x="42770" y="0"/>
+                </a:lnTo>
+                <a:lnTo>
+                  <a:pt x="0" y="43768"/>
+                </a:lnTo>
+                <a:lnTo>
+                  <a:pt x="17423" y="61610"/>
+                </a:lnTo>
+                <a:close/>
+              </a:path>
+            </a:pathLst>
+          </a:custGeom>
+          <a:solidFill>
+            <a:schemeClr val="accent4"/>
+          </a:solidFill>
+          <a:ln w="12303" cap="flat">
+            <a:noFill/>
+            <a:prstDash val="solid"/>
+            <a:miter/>
+          </a:ln>
+        </p:spPr>
+        <p:txBody>
+          <a:bodyPr rtlCol="0" anchor="ctr"/>
+          <a:lstStyle/>
+          <a:p>
+            <a:endParaRPr lang="en-US"/>
+          </a:p>
+        </p:txBody>
+      </p:sp>
+      <p:sp>
+        <p:nvSpPr>
+          <p:cNvPr id="126" name="Freeform 125">
+            <a:extLst>
+              <a:ext uri="{FF2B5EF4-FFF2-40B4-BE49-F238E27FC236}">
+                <a16:creationId xmlns:a16="http://schemas.microsoft.com/office/drawing/2014/main" id="{3575D6DD-4391-6525-2E58-B14898D52E47}"/>
+              </a:ext>
+            </a:extLst>
+          </p:cNvPr>
+          <p:cNvSpPr/>
+          <p:nvPr/>
+        </p:nvSpPr>
+        <p:spPr>
+          <a:xfrm>
+            <a:off x="9307993" y="4364969"/>
+            <a:ext cx="60193" cy="61610"/>
+          </a:xfrm>
+          <a:custGeom>
+            <a:avLst/>
+            <a:gdLst>
+              <a:gd name="connsiteX0" fmla="*/ 42770 w 60193"/>
+              <a:gd name="connsiteY0" fmla="*/ 0 h 61610"/>
+              <a:gd name="connsiteX1" fmla="*/ 0 w 60193"/>
+              <a:gd name="connsiteY1" fmla="*/ 43780 h 61610"/>
+              <a:gd name="connsiteX2" fmla="*/ 17423 w 60193"/>
+              <a:gd name="connsiteY2" fmla="*/ 61610 h 61610"/>
+              <a:gd name="connsiteX3" fmla="*/ 60193 w 60193"/>
+              <a:gd name="connsiteY3" fmla="*/ 17842 h 61610"/>
+              <a:gd name="connsiteX4" fmla="*/ 42770 w 60193"/>
+              <a:gd name="connsiteY4" fmla="*/ 0 h 61610"/>
+            </a:gdLst>
+            <a:ahLst/>
+            <a:cxnLst>
+              <a:cxn ang="0">
+                <a:pos x="connsiteX0" y="connsiteY0"/>
+              </a:cxn>
+              <a:cxn ang="0">
+                <a:pos x="connsiteX1" y="connsiteY1"/>
+              </a:cxn>
+              <a:cxn ang="0">
+                <a:pos x="connsiteX2" y="connsiteY2"/>
+              </a:cxn>
+              <a:cxn ang="0">
+                <a:pos x="connsiteX3" y="connsiteY3"/>
+              </a:cxn>
+              <a:cxn ang="0">
+                <a:pos x="connsiteX4" y="connsiteY4"/>
+              </a:cxn>
+            </a:cxnLst>
+            <a:rect l="l" t="t" r="r" b="b"/>
+            <a:pathLst>
+              <a:path w="60193" h="61610">
+                <a:moveTo>
+                  <a:pt x="42770" y="0"/>
+                </a:moveTo>
+                <a:lnTo>
+                  <a:pt x="0" y="43780"/>
+                </a:lnTo>
+                <a:lnTo>
+                  <a:pt x="17423" y="61610"/>
+                </a:lnTo>
+                <a:lnTo>
+                  <a:pt x="60193" y="17842"/>
+                </a:lnTo>
+                <a:lnTo>
+                  <a:pt x="42770" y="0"/>
+                </a:lnTo>
+                <a:close/>
+              </a:path>
+            </a:pathLst>
+          </a:custGeom>
+          <a:solidFill>
+            <a:schemeClr val="accent4"/>
+          </a:solidFill>
+          <a:ln w="12303" cap="flat">
+            <a:noFill/>
+            <a:prstDash val="solid"/>
+            <a:miter/>
+          </a:ln>
+        </p:spPr>
+        <p:txBody>
+          <a:bodyPr rtlCol="0" anchor="ctr"/>
+          <a:lstStyle/>
+          <a:p>
+            <a:endParaRPr lang="en-US"/>
+          </a:p>
+        </p:txBody>
+      </p:sp>
+      <p:sp>
+        <p:nvSpPr>
+          <p:cNvPr id="127" name="Freeform 126">
+            <a:extLst>
+              <a:ext uri="{FF2B5EF4-FFF2-40B4-BE49-F238E27FC236}">
+                <a16:creationId xmlns:a16="http://schemas.microsoft.com/office/drawing/2014/main" id="{AA026B20-E64E-624E-3F2B-02A1422DB9CA}"/>
+              </a:ext>
+            </a:extLst>
+          </p:cNvPr>
+          <p:cNvSpPr/>
+          <p:nvPr/>
+        </p:nvSpPr>
+        <p:spPr>
+          <a:xfrm>
+            <a:off x="9414406" y="4406149"/>
+            <a:ext cx="24644" cy="61610"/>
+          </a:xfrm>
+          <a:custGeom>
+            <a:avLst/>
+            <a:gdLst>
+              <a:gd name="connsiteX0" fmla="*/ 0 w 24644"/>
+              <a:gd name="connsiteY0" fmla="*/ 0 h 61610"/>
+              <a:gd name="connsiteX1" fmla="*/ 24644 w 24644"/>
+              <a:gd name="connsiteY1" fmla="*/ 0 h 61610"/>
+              <a:gd name="connsiteX2" fmla="*/ 24644 w 24644"/>
+              <a:gd name="connsiteY2" fmla="*/ 61610 h 61610"/>
+              <a:gd name="connsiteX3" fmla="*/ 0 w 24644"/>
+              <a:gd name="connsiteY3" fmla="*/ 61610 h 61610"/>
+            </a:gdLst>
+            <a:ahLst/>
+            <a:cxnLst>
+              <a:cxn ang="0">
+                <a:pos x="connsiteX0" y="connsiteY0"/>
+              </a:cxn>
+              <a:cxn ang="0">
+                <a:pos x="connsiteX1" y="connsiteY1"/>
+              </a:cxn>
+              <a:cxn ang="0">
+                <a:pos x="connsiteX2" y="connsiteY2"/>
+              </a:cxn>
+              <a:cxn ang="0">
+                <a:pos x="connsiteX3" y="connsiteY3"/>
+              </a:cxn>
+            </a:cxnLst>
+            <a:rect l="l" t="t" r="r" b="b"/>
+            <a:pathLst>
+              <a:path w="24644" h="61610">
+                <a:moveTo>
+                  <a:pt x="0" y="0"/>
+                </a:moveTo>
+                <a:lnTo>
+                  <a:pt x="24644" y="0"/>
+                </a:lnTo>
+                <a:lnTo>
+                  <a:pt x="24644" y="61610"/>
+                </a:lnTo>
+                <a:lnTo>
+                  <a:pt x="0" y="61610"/>
+                </a:lnTo>
+                <a:close/>
+              </a:path>
+            </a:pathLst>
+          </a:custGeom>
+          <a:solidFill>
+            <a:schemeClr val="accent4"/>
+          </a:solidFill>
+          <a:ln w="12303" cap="flat">
+            <a:noFill/>
+            <a:prstDash val="solid"/>
+            <a:miter/>
+          </a:ln>
+        </p:spPr>
+        <p:txBody>
+          <a:bodyPr rtlCol="0" anchor="ctr"/>
+          <a:lstStyle/>
+          <a:p>
+            <a:endParaRPr lang="en-US"/>
+          </a:p>
+        </p:txBody>
+      </p:sp>
+      <p:sp>
+        <p:nvSpPr>
+          <p:cNvPr id="128" name="Freeform 127">
+            <a:extLst>
+              <a:ext uri="{FF2B5EF4-FFF2-40B4-BE49-F238E27FC236}">
+                <a16:creationId xmlns:a16="http://schemas.microsoft.com/office/drawing/2014/main" id="{73A99631-B5A9-0929-11FF-E9B49F8BC9A8}"/>
+              </a:ext>
+            </a:extLst>
+          </p:cNvPr>
+          <p:cNvSpPr/>
+          <p:nvPr/>
+        </p:nvSpPr>
+        <p:spPr>
+          <a:xfrm>
+            <a:off x="9485270" y="4364969"/>
+            <a:ext cx="60193" cy="61610"/>
+          </a:xfrm>
+          <a:custGeom>
+            <a:avLst/>
+            <a:gdLst>
+              <a:gd name="connsiteX0" fmla="*/ 17423 w 60193"/>
+              <a:gd name="connsiteY0" fmla="*/ 0 h 61610"/>
+              <a:gd name="connsiteX1" fmla="*/ 60193 w 60193"/>
+              <a:gd name="connsiteY1" fmla="*/ 43780 h 61610"/>
+              <a:gd name="connsiteX2" fmla="*/ 42770 w 60193"/>
+              <a:gd name="connsiteY2" fmla="*/ 61610 h 61610"/>
+              <a:gd name="connsiteX3" fmla="*/ 0 w 60193"/>
+              <a:gd name="connsiteY3" fmla="*/ 17842 h 61610"/>
+              <a:gd name="connsiteX4" fmla="*/ 17423 w 60193"/>
+              <a:gd name="connsiteY4" fmla="*/ 0 h 61610"/>
+            </a:gdLst>
+            <a:ahLst/>
+            <a:cxnLst>
+              <a:cxn ang="0">
+                <a:pos x="connsiteX0" y="connsiteY0"/>
+              </a:cxn>
+              <a:cxn ang="0">
+                <a:pos x="connsiteX1" y="connsiteY1"/>
+              </a:cxn>
+              <a:cxn ang="0">
+                <a:pos x="connsiteX2" y="connsiteY2"/>
+              </a:cxn>
+              <a:cxn ang="0">
+                <a:pos x="connsiteX3" y="connsiteY3"/>
+              </a:cxn>
+              <a:cxn ang="0">
+                <a:pos x="connsiteX4" y="connsiteY4"/>
+              </a:cxn>
+            </a:cxnLst>
+            <a:rect l="l" t="t" r="r" b="b"/>
+            <a:pathLst>
+              <a:path w="60193" h="61610">
+                <a:moveTo>
+                  <a:pt x="17423" y="0"/>
+                </a:moveTo>
+                <a:lnTo>
+                  <a:pt x="60193" y="43780"/>
+                </a:lnTo>
+                <a:lnTo>
+                  <a:pt x="42770" y="61610"/>
+                </a:lnTo>
+                <a:lnTo>
+                  <a:pt x="0" y="17842"/>
+                </a:lnTo>
+                <a:lnTo>
+                  <a:pt x="17423" y="0"/>
+                </a:lnTo>
+                <a:close/>
+              </a:path>
+            </a:pathLst>
+          </a:custGeom>
+          <a:solidFill>
+            <a:schemeClr val="accent4"/>
+          </a:solidFill>
+          <a:ln w="12303" cap="flat">
+            <a:noFill/>
+            <a:prstDash val="solid"/>
+            <a:miter/>
+          </a:ln>
+        </p:spPr>
+        <p:txBody>
+          <a:bodyPr rtlCol="0" anchor="ctr"/>
+          <a:lstStyle/>
+          <a:p>
+            <a:endParaRPr lang="en-US"/>
+          </a:p>
+        </p:txBody>
+      </p:sp>
+      <p:sp>
+        <p:nvSpPr>
+          <p:cNvPr id="129" name="Freeform 128">
+            <a:extLst>
+              <a:ext uri="{FF2B5EF4-FFF2-40B4-BE49-F238E27FC236}">
+                <a16:creationId xmlns:a16="http://schemas.microsoft.com/office/drawing/2014/main" id="{0140999D-F5A2-9EA2-6C4A-529F1E3F66BF}"/>
+              </a:ext>
+            </a:extLst>
+          </p:cNvPr>
+          <p:cNvSpPr/>
+          <p:nvPr/>
+        </p:nvSpPr>
+        <p:spPr>
+          <a:xfrm>
+            <a:off x="9780999" y="4563637"/>
+            <a:ext cx="210682" cy="118464"/>
+          </a:xfrm>
+          <a:custGeom>
+            <a:avLst/>
+            <a:gdLst>
+              <a:gd name="connsiteX0" fmla="*/ 0 w 210682"/>
+              <a:gd name="connsiteY0" fmla="*/ 118464 h 118464"/>
+              <a:gd name="connsiteX1" fmla="*/ 210682 w 210682"/>
+              <a:gd name="connsiteY1" fmla="*/ 118464 h 118464"/>
+              <a:gd name="connsiteX2" fmla="*/ 195489 w 210682"/>
+              <a:gd name="connsiteY2" fmla="*/ 0 h 118464"/>
+              <a:gd name="connsiteX3" fmla="*/ 15193 w 210682"/>
+              <a:gd name="connsiteY3" fmla="*/ 0 h 118464"/>
+              <a:gd name="connsiteX4" fmla="*/ 0 w 210682"/>
+              <a:gd name="connsiteY4" fmla="*/ 118464 h 118464"/>
+            </a:gdLst>
+            <a:ahLst/>
+            <a:cxnLst>
+              <a:cxn ang="0">
+                <a:pos x="connsiteX0" y="connsiteY0"/>
+              </a:cxn>
+              <a:cxn ang="0">
+                <a:pos x="connsiteX1" y="connsiteY1"/>
+              </a:cxn>
+              <a:cxn ang="0">
+                <a:pos x="connsiteX2" y="connsiteY2"/>
+              </a:cxn>
+              <a:cxn ang="0">
+                <a:pos x="connsiteX3" y="connsiteY3"/>
+              </a:cxn>
+              <a:cxn ang="0">
+                <a:pos x="connsiteX4" y="connsiteY4"/>
+              </a:cxn>
+            </a:cxnLst>
+            <a:rect l="l" t="t" r="r" b="b"/>
+            <a:pathLst>
+              <a:path w="210682" h="118464">
+                <a:moveTo>
+                  <a:pt x="0" y="118464"/>
+                </a:moveTo>
+                <a:lnTo>
+                  <a:pt x="210682" y="118464"/>
+                </a:lnTo>
+                <a:lnTo>
+                  <a:pt x="195489" y="0"/>
+                </a:lnTo>
+                <a:lnTo>
+                  <a:pt x="15193" y="0"/>
+                </a:lnTo>
+                <a:lnTo>
+                  <a:pt x="0" y="118464"/>
+                </a:lnTo>
+                <a:close/>
+              </a:path>
+            </a:pathLst>
+          </a:custGeom>
+          <a:solidFill>
+            <a:schemeClr val="accent6"/>
+          </a:solidFill>
+          <a:ln w="12303" cap="flat">
+            <a:noFill/>
+            <a:prstDash val="solid"/>
+            <a:miter/>
+          </a:ln>
+        </p:spPr>
+        <p:txBody>
+          <a:bodyPr rtlCol="0" anchor="ctr"/>
+          <a:lstStyle/>
+          <a:p>
+            <a:endParaRPr lang="en-US"/>
+          </a:p>
+        </p:txBody>
+      </p:sp>
+      <p:sp>
+        <p:nvSpPr>
+          <p:cNvPr id="130" name="Freeform 129">
+            <a:extLst>
+              <a:ext uri="{FF2B5EF4-FFF2-40B4-BE49-F238E27FC236}">
+                <a16:creationId xmlns:a16="http://schemas.microsoft.com/office/drawing/2014/main" id="{CBD0FA25-E65C-FC97-1398-36B837791E76}"/>
+              </a:ext>
+            </a:extLst>
+          </p:cNvPr>
+          <p:cNvSpPr/>
+          <p:nvPr/>
+        </p:nvSpPr>
+        <p:spPr>
+          <a:xfrm>
+            <a:off x="10006467" y="4409957"/>
+            <a:ext cx="188145" cy="104392"/>
+          </a:xfrm>
+          <a:custGeom>
+            <a:avLst/>
+            <a:gdLst>
+              <a:gd name="connsiteX0" fmla="*/ 13382 w 188145"/>
+              <a:gd name="connsiteY0" fmla="*/ 104392 h 104392"/>
+              <a:gd name="connsiteX1" fmla="*/ 188145 w 188145"/>
+              <a:gd name="connsiteY1" fmla="*/ 104392 h 104392"/>
+              <a:gd name="connsiteX2" fmla="*/ 141173 w 188145"/>
+              <a:gd name="connsiteY2" fmla="*/ 0 h 104392"/>
+              <a:gd name="connsiteX3" fmla="*/ 0 w 188145"/>
+              <a:gd name="connsiteY3" fmla="*/ 0 h 104392"/>
+              <a:gd name="connsiteX4" fmla="*/ 13382 w 188145"/>
+              <a:gd name="connsiteY4" fmla="*/ 104392 h 104392"/>
+            </a:gdLst>
+            <a:ahLst/>
+            <a:cxnLst>
+              <a:cxn ang="0">
+                <a:pos x="connsiteX0" y="connsiteY0"/>
+              </a:cxn>
+              <a:cxn ang="0">
+                <a:pos x="connsiteX1" y="connsiteY1"/>
+              </a:cxn>
+              <a:cxn ang="0">
+                <a:pos x="connsiteX2" y="connsiteY2"/>
+              </a:cxn>
+              <a:cxn ang="0">
+                <a:pos x="connsiteX3" y="connsiteY3"/>
+              </a:cxn>
+              <a:cxn ang="0">
+                <a:pos x="connsiteX4" y="connsiteY4"/>
+              </a:cxn>
+            </a:cxnLst>
+            <a:rect l="l" t="t" r="r" b="b"/>
+            <a:pathLst>
+              <a:path w="188145" h="104392">
+                <a:moveTo>
+                  <a:pt x="13382" y="104392"/>
+                </a:moveTo>
+                <a:lnTo>
+                  <a:pt x="188145" y="104392"/>
+                </a:lnTo>
+                <a:lnTo>
+                  <a:pt x="141173" y="0"/>
+                </a:lnTo>
+                <a:lnTo>
+                  <a:pt x="0" y="0"/>
+                </a:lnTo>
+                <a:lnTo>
+                  <a:pt x="13382" y="104392"/>
+                </a:lnTo>
+                <a:close/>
+              </a:path>
+            </a:pathLst>
+          </a:custGeom>
+          <a:solidFill>
+            <a:schemeClr val="accent6"/>
+          </a:solidFill>
+          <a:ln w="12303" cap="flat">
+            <a:noFill/>
+            <a:prstDash val="solid"/>
+            <a:miter/>
+          </a:ln>
+        </p:spPr>
+        <p:txBody>
+          <a:bodyPr rtlCol="0" anchor="ctr"/>
+          <a:lstStyle/>
+          <a:p>
+            <a:endParaRPr lang="en-US"/>
+          </a:p>
+        </p:txBody>
+      </p:sp>
+      <p:sp>
+        <p:nvSpPr>
+          <p:cNvPr id="131" name="Freeform 130">
+            <a:extLst>
+              <a:ext uri="{FF2B5EF4-FFF2-40B4-BE49-F238E27FC236}">
+                <a16:creationId xmlns:a16="http://schemas.microsoft.com/office/drawing/2014/main" id="{4E165D5D-8A5D-B8CD-4367-5F82A27ECDF0}"/>
+              </a:ext>
+            </a:extLst>
+          </p:cNvPr>
+          <p:cNvSpPr/>
+          <p:nvPr/>
+        </p:nvSpPr>
+        <p:spPr>
+          <a:xfrm>
+            <a:off x="10026170" y="4563637"/>
+            <a:ext cx="243939" cy="118464"/>
+          </a:xfrm>
+          <a:custGeom>
+            <a:avLst/>
+            <a:gdLst>
+              <a:gd name="connsiteX0" fmla="*/ 15193 w 243939"/>
+              <a:gd name="connsiteY0" fmla="*/ 118464 h 118464"/>
+              <a:gd name="connsiteX1" fmla="*/ 243939 w 243939"/>
+              <a:gd name="connsiteY1" fmla="*/ 118464 h 118464"/>
+              <a:gd name="connsiteX2" fmla="*/ 190634 w 243939"/>
+              <a:gd name="connsiteY2" fmla="*/ 0 h 118464"/>
+              <a:gd name="connsiteX3" fmla="*/ 0 w 243939"/>
+              <a:gd name="connsiteY3" fmla="*/ 0 h 118464"/>
+              <a:gd name="connsiteX4" fmla="*/ 15193 w 243939"/>
+              <a:gd name="connsiteY4" fmla="*/ 118464 h 118464"/>
+            </a:gdLst>
+            <a:ahLst/>
+            <a:cxnLst>
+              <a:cxn ang="0">
+                <a:pos x="connsiteX0" y="connsiteY0"/>
+              </a:cxn>
+              <a:cxn ang="0">
+                <a:pos x="connsiteX1" y="connsiteY1"/>
+              </a:cxn>
+              <a:cxn ang="0">
+                <a:pos x="connsiteX2" y="connsiteY2"/>
+              </a:cxn>
+              <a:cxn ang="0">
+                <a:pos x="connsiteX3" y="connsiteY3"/>
+              </a:cxn>
+              <a:cxn ang="0">
+                <a:pos x="connsiteX4" y="connsiteY4"/>
+              </a:cxn>
+            </a:cxnLst>
+            <a:rect l="l" t="t" r="r" b="b"/>
+            <a:pathLst>
+              <a:path w="243939" h="118464">
+                <a:moveTo>
+                  <a:pt x="15193" y="118464"/>
+                </a:moveTo>
+                <a:lnTo>
+                  <a:pt x="243939" y="118464"/>
+                </a:lnTo>
+                <a:lnTo>
+                  <a:pt x="190634" y="0"/>
+                </a:lnTo>
+                <a:lnTo>
+                  <a:pt x="0" y="0"/>
+                </a:lnTo>
+                <a:lnTo>
+                  <a:pt x="15193" y="118464"/>
+                </a:lnTo>
+                <a:close/>
+              </a:path>
+            </a:pathLst>
+          </a:custGeom>
+          <a:solidFill>
+            <a:schemeClr val="accent6"/>
+          </a:solidFill>
+          <a:ln w="12303" cap="flat">
+            <a:noFill/>
+            <a:prstDash val="solid"/>
+            <a:miter/>
+          </a:ln>
+        </p:spPr>
+        <p:txBody>
+          <a:bodyPr rtlCol="0" anchor="ctr"/>
+          <a:lstStyle/>
+          <a:p>
+            <a:endParaRPr lang="en-US"/>
+          </a:p>
+        </p:txBody>
+      </p:sp>
+      <p:sp>
+        <p:nvSpPr>
+          <p:cNvPr id="132" name="Freeform 131">
+            <a:extLst>
+              <a:ext uri="{FF2B5EF4-FFF2-40B4-BE49-F238E27FC236}">
+                <a16:creationId xmlns:a16="http://schemas.microsoft.com/office/drawing/2014/main" id="{801AEC07-2C7D-46E8-554B-B6AF67116B38}"/>
+              </a:ext>
+            </a:extLst>
+          </p:cNvPr>
+          <p:cNvSpPr/>
+          <p:nvPr/>
+        </p:nvSpPr>
+        <p:spPr>
+          <a:xfrm>
+            <a:off x="10047684" y="4731389"/>
+            <a:ext cx="303195" cy="131365"/>
+          </a:xfrm>
+          <a:custGeom>
+            <a:avLst/>
+            <a:gdLst>
+              <a:gd name="connsiteX0" fmla="*/ 0 w 303195"/>
+              <a:gd name="connsiteY0" fmla="*/ 0 h 131365"/>
+              <a:gd name="connsiteX1" fmla="*/ 16832 w 303195"/>
+              <a:gd name="connsiteY1" fmla="*/ 131365 h 131365"/>
+              <a:gd name="connsiteX2" fmla="*/ 303184 w 303195"/>
+              <a:gd name="connsiteY2" fmla="*/ 131365 h 131365"/>
+              <a:gd name="connsiteX3" fmla="*/ 303184 w 303195"/>
+              <a:gd name="connsiteY3" fmla="*/ 130195 h 131365"/>
+              <a:gd name="connsiteX4" fmla="*/ 303196 w 303195"/>
+              <a:gd name="connsiteY4" fmla="*/ 130195 h 131365"/>
+              <a:gd name="connsiteX5" fmla="*/ 244605 w 303195"/>
+              <a:gd name="connsiteY5" fmla="*/ 0 h 131365"/>
+              <a:gd name="connsiteX6" fmla="*/ 0 w 303195"/>
+              <a:gd name="connsiteY6" fmla="*/ 0 h 131365"/>
+            </a:gdLst>
+            <a:ahLst/>
+            <a:cxnLst>
+              <a:cxn ang="0">
+                <a:pos x="connsiteX0" y="connsiteY0"/>
+              </a:cxn>
+              <a:cxn ang="0">
+                <a:pos x="connsiteX1" y="connsiteY1"/>
+              </a:cxn>
+              <a:cxn ang="0">
+                <a:pos x="connsiteX2" y="connsiteY2"/>
+              </a:cxn>
+              <a:cxn ang="0">
+                <a:pos x="connsiteX3" y="connsiteY3"/>
+              </a:cxn>
+              <a:cxn ang="0">
+                <a:pos x="connsiteX4" y="connsiteY4"/>
+              </a:cxn>
+              <a:cxn ang="0">
+                <a:pos x="connsiteX5" y="connsiteY5"/>
+              </a:cxn>
+              <a:cxn ang="0">
+                <a:pos x="connsiteX6" y="connsiteY6"/>
+              </a:cxn>
+            </a:cxnLst>
+            <a:rect l="l" t="t" r="r" b="b"/>
+            <a:pathLst>
+              <a:path w="303195" h="131365">
+                <a:moveTo>
+                  <a:pt x="0" y="0"/>
+                </a:moveTo>
+                <a:lnTo>
+                  <a:pt x="16832" y="131365"/>
+                </a:lnTo>
+                <a:lnTo>
+                  <a:pt x="303184" y="131365"/>
+                </a:lnTo>
+                <a:lnTo>
+                  <a:pt x="303184" y="130195"/>
+                </a:lnTo>
+                <a:lnTo>
+                  <a:pt x="303196" y="130195"/>
+                </a:lnTo>
+                <a:lnTo>
+                  <a:pt x="244605" y="0"/>
+                </a:lnTo>
+                <a:lnTo>
+                  <a:pt x="0" y="0"/>
+                </a:lnTo>
+                <a:close/>
+              </a:path>
+            </a:pathLst>
+          </a:custGeom>
+          <a:solidFill>
+            <a:schemeClr val="accent6"/>
+          </a:solidFill>
+          <a:ln w="12303" cap="flat">
+            <a:noFill/>
+            <a:prstDash val="solid"/>
+            <a:miter/>
+          </a:ln>
+        </p:spPr>
+        <p:txBody>
+          <a:bodyPr rtlCol="0" anchor="ctr"/>
+          <a:lstStyle/>
+          <a:p>
+            <a:endParaRPr lang="en-US"/>
+          </a:p>
+        </p:txBody>
+      </p:sp>
+      <p:sp>
+        <p:nvSpPr>
+          <p:cNvPr id="133" name="Freeform 132">
+            <a:extLst>
+              <a:ext uri="{FF2B5EF4-FFF2-40B4-BE49-F238E27FC236}">
+                <a16:creationId xmlns:a16="http://schemas.microsoft.com/office/drawing/2014/main" id="{5E29A6FA-B191-B37B-67F0-500CA0807BDD}"/>
+              </a:ext>
+            </a:extLst>
+          </p:cNvPr>
+          <p:cNvSpPr/>
+          <p:nvPr/>
+        </p:nvSpPr>
+        <p:spPr>
+          <a:xfrm>
+            <a:off x="9802501" y="4409957"/>
+            <a:ext cx="167665" cy="104392"/>
+          </a:xfrm>
+          <a:custGeom>
+            <a:avLst/>
+            <a:gdLst>
+              <a:gd name="connsiteX0" fmla="*/ 0 w 167665"/>
+              <a:gd name="connsiteY0" fmla="*/ 104392 h 104392"/>
+              <a:gd name="connsiteX1" fmla="*/ 167666 w 167665"/>
+              <a:gd name="connsiteY1" fmla="*/ 104392 h 104392"/>
+              <a:gd name="connsiteX2" fmla="*/ 154284 w 167665"/>
+              <a:gd name="connsiteY2" fmla="*/ 0 h 104392"/>
+              <a:gd name="connsiteX3" fmla="*/ 13382 w 167665"/>
+              <a:gd name="connsiteY3" fmla="*/ 0 h 104392"/>
+              <a:gd name="connsiteX4" fmla="*/ 0 w 167665"/>
+              <a:gd name="connsiteY4" fmla="*/ 104392 h 104392"/>
+            </a:gdLst>
+            <a:ahLst/>
+            <a:cxnLst>
+              <a:cxn ang="0">
+                <a:pos x="connsiteX0" y="connsiteY0"/>
+              </a:cxn>
+              <a:cxn ang="0">
+                <a:pos x="connsiteX1" y="connsiteY1"/>
+              </a:cxn>
+              <a:cxn ang="0">
+                <a:pos x="connsiteX2" y="connsiteY2"/>
+              </a:cxn>
+              <a:cxn ang="0">
+                <a:pos x="connsiteX3" y="connsiteY3"/>
+              </a:cxn>
+              <a:cxn ang="0">
+                <a:pos x="connsiteX4" y="connsiteY4"/>
+              </a:cxn>
+            </a:cxnLst>
+            <a:rect l="l" t="t" r="r" b="b"/>
+            <a:pathLst>
+              <a:path w="167665" h="104392">
+                <a:moveTo>
+                  <a:pt x="0" y="104392"/>
+                </a:moveTo>
+                <a:lnTo>
+                  <a:pt x="167666" y="104392"/>
+                </a:lnTo>
+                <a:lnTo>
+                  <a:pt x="154284" y="0"/>
+                </a:lnTo>
+                <a:lnTo>
+                  <a:pt x="13382" y="0"/>
+                </a:lnTo>
+                <a:lnTo>
+                  <a:pt x="0" y="104392"/>
+                </a:lnTo>
+                <a:close/>
+              </a:path>
+            </a:pathLst>
+          </a:custGeom>
+          <a:solidFill>
+            <a:schemeClr val="accent6"/>
+          </a:solidFill>
+          <a:ln w="12303" cap="flat">
+            <a:noFill/>
+            <a:prstDash val="solid"/>
+            <a:miter/>
+          </a:ln>
+        </p:spPr>
+        <p:txBody>
+          <a:bodyPr rtlCol="0" anchor="ctr"/>
+          <a:lstStyle/>
+          <a:p>
+            <a:endParaRPr lang="en-US"/>
+          </a:p>
+        </p:txBody>
+      </p:sp>
+      <p:sp>
+        <p:nvSpPr>
+          <p:cNvPr id="134" name="Freeform 133">
+            <a:extLst>
+              <a:ext uri="{FF2B5EF4-FFF2-40B4-BE49-F238E27FC236}">
+                <a16:creationId xmlns:a16="http://schemas.microsoft.com/office/drawing/2014/main" id="{5F2DB77E-484A-B963-D11E-08918212BEB9}"/>
+              </a:ext>
+            </a:extLst>
+          </p:cNvPr>
+          <p:cNvSpPr/>
+          <p:nvPr/>
+        </p:nvSpPr>
+        <p:spPr>
+          <a:xfrm>
+            <a:off x="9421799" y="4912043"/>
+            <a:ext cx="929068" cy="270394"/>
+          </a:xfrm>
+          <a:custGeom>
+            <a:avLst/>
+            <a:gdLst>
+              <a:gd name="connsiteX0" fmla="*/ 929069 w 929068"/>
+              <a:gd name="connsiteY0" fmla="*/ 78590 h 270394"/>
+              <a:gd name="connsiteX1" fmla="*/ 929069 w 929068"/>
+              <a:gd name="connsiteY1" fmla="*/ 0 h 270394"/>
+              <a:gd name="connsiteX2" fmla="*/ 0 w 929068"/>
+              <a:gd name="connsiteY2" fmla="*/ 0 h 270394"/>
+              <a:gd name="connsiteX3" fmla="*/ 0 w 929068"/>
+              <a:gd name="connsiteY3" fmla="*/ 78590 h 270394"/>
+              <a:gd name="connsiteX4" fmla="*/ 427574 w 929068"/>
+              <a:gd name="connsiteY4" fmla="*/ 78590 h 270394"/>
+              <a:gd name="connsiteX5" fmla="*/ 427574 w 929068"/>
+              <a:gd name="connsiteY5" fmla="*/ 196462 h 270394"/>
+              <a:gd name="connsiteX6" fmla="*/ 296788 w 929068"/>
+              <a:gd name="connsiteY6" fmla="*/ 196462 h 270394"/>
+              <a:gd name="connsiteX7" fmla="*/ 296788 w 929068"/>
+              <a:gd name="connsiteY7" fmla="*/ 270395 h 270394"/>
+              <a:gd name="connsiteX8" fmla="*/ 632280 w 929068"/>
+              <a:gd name="connsiteY8" fmla="*/ 270395 h 270394"/>
+              <a:gd name="connsiteX9" fmla="*/ 632280 w 929068"/>
+              <a:gd name="connsiteY9" fmla="*/ 196462 h 270394"/>
+              <a:gd name="connsiteX10" fmla="*/ 501507 w 929068"/>
+              <a:gd name="connsiteY10" fmla="*/ 196462 h 270394"/>
+              <a:gd name="connsiteX11" fmla="*/ 501507 w 929068"/>
+              <a:gd name="connsiteY11" fmla="*/ 78590 h 270394"/>
+              <a:gd name="connsiteX12" fmla="*/ 929069 w 929068"/>
+              <a:gd name="connsiteY12" fmla="*/ 78590 h 270394"/>
+            </a:gdLst>
+            <a:ahLst/>
+            <a:cxnLst>
+              <a:cxn ang="0">
+                <a:pos x="connsiteX0" y="connsiteY0"/>
+              </a:cxn>
+              <a:cxn ang="0">
+                <a:pos x="connsiteX1" y="connsiteY1"/>
+              </a:cxn>
+              <a:cxn ang="0">
+                <a:pos x="connsiteX2" y="connsiteY2"/>
+              </a:cxn>
+              <a:cxn ang="0">
+                <a:pos x="connsiteX3" y="connsiteY3"/>
+              </a:cxn>
+              <a:cxn ang="0">
+                <a:pos x="connsiteX4" y="connsiteY4"/>
+              </a:cxn>
+              <a:cxn ang="0">
+                <a:pos x="connsiteX5" y="connsiteY5"/>
+              </a:cxn>
+              <a:cxn ang="0">
+                <a:pos x="connsiteX6" y="connsiteY6"/>
+              </a:cxn>
+              <a:cxn ang="0">
+                <a:pos x="connsiteX7" y="connsiteY7"/>
+              </a:cxn>
+              <a:cxn ang="0">
+                <a:pos x="connsiteX8" y="connsiteY8"/>
+              </a:cxn>
+              <a:cxn ang="0">
+                <a:pos x="connsiteX9" y="connsiteY9"/>
+              </a:cxn>
+              <a:cxn ang="0">
+                <a:pos x="connsiteX10" y="connsiteY10"/>
+              </a:cxn>
+              <a:cxn ang="0">
+                <a:pos x="connsiteX11" y="connsiteY11"/>
+              </a:cxn>
+              <a:cxn ang="0">
+                <a:pos x="connsiteX12" y="connsiteY12"/>
+              </a:cxn>
+            </a:cxnLst>
+            <a:rect l="l" t="t" r="r" b="b"/>
+            <a:pathLst>
+              <a:path w="929068" h="270394">
+                <a:moveTo>
+                  <a:pt x="929069" y="78590"/>
+                </a:moveTo>
+                <a:lnTo>
+                  <a:pt x="929069" y="0"/>
+                </a:lnTo>
+                <a:lnTo>
+                  <a:pt x="0" y="0"/>
+                </a:lnTo>
+                <a:lnTo>
+                  <a:pt x="0" y="78590"/>
+                </a:lnTo>
+                <a:lnTo>
+                  <a:pt x="427574" y="78590"/>
+                </a:lnTo>
+                <a:lnTo>
+                  <a:pt x="427574" y="196462"/>
+                </a:lnTo>
+                <a:lnTo>
+                  <a:pt x="296788" y="196462"/>
+                </a:lnTo>
+                <a:lnTo>
+                  <a:pt x="296788" y="270395"/>
+                </a:lnTo>
+                <a:lnTo>
+                  <a:pt x="632280" y="270395"/>
+                </a:lnTo>
+                <a:lnTo>
+                  <a:pt x="632280" y="196462"/>
+                </a:lnTo>
+                <a:lnTo>
+                  <a:pt x="501507" y="196462"/>
+                </a:lnTo>
+                <a:lnTo>
+                  <a:pt x="501507" y="78590"/>
+                </a:lnTo>
+                <a:lnTo>
+                  <a:pt x="929069" y="78590"/>
+                </a:lnTo>
+                <a:close/>
+              </a:path>
+            </a:pathLst>
+          </a:custGeom>
+          <a:solidFill>
+            <a:srgbClr val="000000"/>
+          </a:solidFill>
+          <a:ln w="12303" cap="flat">
+            <a:noFill/>
+            <a:prstDash val="solid"/>
+            <a:miter/>
+          </a:ln>
+        </p:spPr>
+        <p:txBody>
+          <a:bodyPr rtlCol="0" anchor="ctr"/>
+          <a:lstStyle/>
+          <a:p>
+            <a:endParaRPr lang="en-US"/>
+          </a:p>
+        </p:txBody>
+      </p:sp>
+      <p:sp>
+        <p:nvSpPr>
+          <p:cNvPr id="135" name="Freeform 134">
+            <a:extLst>
+              <a:ext uri="{FF2B5EF4-FFF2-40B4-BE49-F238E27FC236}">
+                <a16:creationId xmlns:a16="http://schemas.microsoft.com/office/drawing/2014/main" id="{1814E466-473B-C84F-8EF2-87151439FAF1}"/>
+              </a:ext>
+            </a:extLst>
+          </p:cNvPr>
+          <p:cNvSpPr/>
+          <p:nvPr/>
+        </p:nvSpPr>
+        <p:spPr>
+          <a:xfrm>
+            <a:off x="9502582" y="4563637"/>
+            <a:ext cx="243926" cy="118464"/>
+          </a:xfrm>
+          <a:custGeom>
+            <a:avLst/>
+            <a:gdLst>
+              <a:gd name="connsiteX0" fmla="*/ 228734 w 243926"/>
+              <a:gd name="connsiteY0" fmla="*/ 118464 h 118464"/>
+              <a:gd name="connsiteX1" fmla="*/ 243927 w 243926"/>
+              <a:gd name="connsiteY1" fmla="*/ 0 h 118464"/>
+              <a:gd name="connsiteX2" fmla="*/ 53305 w 243926"/>
+              <a:gd name="connsiteY2" fmla="*/ 0 h 118464"/>
+              <a:gd name="connsiteX3" fmla="*/ 0 w 243926"/>
+              <a:gd name="connsiteY3" fmla="*/ 118464 h 118464"/>
+              <a:gd name="connsiteX4" fmla="*/ 228734 w 243926"/>
+              <a:gd name="connsiteY4" fmla="*/ 118464 h 118464"/>
+            </a:gdLst>
+            <a:ahLst/>
+            <a:cxnLst>
+              <a:cxn ang="0">
+                <a:pos x="connsiteX0" y="connsiteY0"/>
+              </a:cxn>
+              <a:cxn ang="0">
+                <a:pos x="connsiteX1" y="connsiteY1"/>
+              </a:cxn>
+              <a:cxn ang="0">
+                <a:pos x="connsiteX2" y="connsiteY2"/>
+              </a:cxn>
+              <a:cxn ang="0">
+                <a:pos x="connsiteX3" y="connsiteY3"/>
+              </a:cxn>
+              <a:cxn ang="0">
+                <a:pos x="connsiteX4" y="connsiteY4"/>
+              </a:cxn>
+            </a:cxnLst>
+            <a:rect l="l" t="t" r="r" b="b"/>
+            <a:pathLst>
+              <a:path w="243926" h="118464">
+                <a:moveTo>
+                  <a:pt x="228734" y="118464"/>
+                </a:moveTo>
+                <a:lnTo>
+                  <a:pt x="243927" y="0"/>
+                </a:lnTo>
+                <a:lnTo>
+                  <a:pt x="53305" y="0"/>
+                </a:lnTo>
+                <a:lnTo>
+                  <a:pt x="0" y="118464"/>
+                </a:lnTo>
+                <a:lnTo>
+                  <a:pt x="228734" y="118464"/>
+                </a:lnTo>
+                <a:close/>
+              </a:path>
+            </a:pathLst>
+          </a:custGeom>
+          <a:solidFill>
+            <a:schemeClr val="accent6"/>
+          </a:solidFill>
+          <a:ln w="12303" cap="flat">
+            <a:noFill/>
+            <a:prstDash val="solid"/>
+            <a:miter/>
+          </a:ln>
+        </p:spPr>
+        <p:txBody>
+          <a:bodyPr rtlCol="0" anchor="ctr"/>
+          <a:lstStyle/>
+          <a:p>
+            <a:endParaRPr lang="en-US"/>
+          </a:p>
+        </p:txBody>
+      </p:sp>
+      <p:sp>
+        <p:nvSpPr>
+          <p:cNvPr id="136" name="Freeform 135">
+            <a:extLst>
+              <a:ext uri="{FF2B5EF4-FFF2-40B4-BE49-F238E27FC236}">
+                <a16:creationId xmlns:a16="http://schemas.microsoft.com/office/drawing/2014/main" id="{90F2C4B0-8FD2-0967-EB9A-AA9EFD0E71C9}"/>
+              </a:ext>
+            </a:extLst>
+          </p:cNvPr>
+          <p:cNvSpPr/>
+          <p:nvPr/>
+        </p:nvSpPr>
+        <p:spPr>
+          <a:xfrm>
+            <a:off x="9757846" y="4731389"/>
+            <a:ext cx="256988" cy="131365"/>
+          </a:xfrm>
+          <a:custGeom>
+            <a:avLst/>
+            <a:gdLst>
+              <a:gd name="connsiteX0" fmla="*/ 256988 w 256988"/>
+              <a:gd name="connsiteY0" fmla="*/ 131365 h 131365"/>
+              <a:gd name="connsiteX1" fmla="*/ 240156 w 256988"/>
+              <a:gd name="connsiteY1" fmla="*/ 0 h 131365"/>
+              <a:gd name="connsiteX2" fmla="*/ 16844 w 256988"/>
+              <a:gd name="connsiteY2" fmla="*/ 0 h 131365"/>
+              <a:gd name="connsiteX3" fmla="*/ 0 w 256988"/>
+              <a:gd name="connsiteY3" fmla="*/ 131365 h 131365"/>
+              <a:gd name="connsiteX4" fmla="*/ 256988 w 256988"/>
+              <a:gd name="connsiteY4" fmla="*/ 131365 h 131365"/>
+            </a:gdLst>
+            <a:ahLst/>
+            <a:cxnLst>
+              <a:cxn ang="0">
+                <a:pos x="connsiteX0" y="connsiteY0"/>
+              </a:cxn>
+              <a:cxn ang="0">
+                <a:pos x="connsiteX1" y="connsiteY1"/>
+              </a:cxn>
+              <a:cxn ang="0">
+                <a:pos x="connsiteX2" y="connsiteY2"/>
+              </a:cxn>
+              <a:cxn ang="0">
+                <a:pos x="connsiteX3" y="connsiteY3"/>
+              </a:cxn>
+              <a:cxn ang="0">
+                <a:pos x="connsiteX4" y="connsiteY4"/>
+              </a:cxn>
+            </a:cxnLst>
+            <a:rect l="l" t="t" r="r" b="b"/>
+            <a:pathLst>
+              <a:path w="256988" h="131365">
+                <a:moveTo>
+                  <a:pt x="256988" y="131365"/>
+                </a:moveTo>
+                <a:lnTo>
+                  <a:pt x="240156" y="0"/>
+                </a:lnTo>
+                <a:lnTo>
+                  <a:pt x="16844" y="0"/>
+                </a:lnTo>
+                <a:lnTo>
+                  <a:pt x="0" y="131365"/>
+                </a:lnTo>
+                <a:lnTo>
+                  <a:pt x="256988" y="131365"/>
+                </a:lnTo>
+                <a:close/>
+              </a:path>
+            </a:pathLst>
+          </a:custGeom>
+          <a:solidFill>
+            <a:schemeClr val="accent6"/>
+          </a:solidFill>
+          <a:ln w="12303" cap="flat">
+            <a:noFill/>
+            <a:prstDash val="solid"/>
+            <a:miter/>
+          </a:ln>
+        </p:spPr>
+        <p:txBody>
+          <a:bodyPr rtlCol="0" anchor="ctr"/>
+          <a:lstStyle/>
+          <a:p>
+            <a:endParaRPr lang="en-US"/>
+          </a:p>
+        </p:txBody>
+      </p:sp>
+      <p:sp>
+        <p:nvSpPr>
+          <p:cNvPr id="137" name="Freeform 136">
+            <a:extLst>
+              <a:ext uri="{FF2B5EF4-FFF2-40B4-BE49-F238E27FC236}">
+                <a16:creationId xmlns:a16="http://schemas.microsoft.com/office/drawing/2014/main" id="{2CEC74B8-E9F4-F4F1-20B4-7F98F1038591}"/>
+              </a:ext>
+            </a:extLst>
+          </p:cNvPr>
+          <p:cNvSpPr/>
+          <p:nvPr/>
+        </p:nvSpPr>
+        <p:spPr>
+          <a:xfrm>
+            <a:off x="9421799" y="4731389"/>
+            <a:ext cx="303195" cy="131365"/>
+          </a:xfrm>
+          <a:custGeom>
+            <a:avLst/>
+            <a:gdLst>
+              <a:gd name="connsiteX0" fmla="*/ 286364 w 303195"/>
+              <a:gd name="connsiteY0" fmla="*/ 131365 h 131365"/>
+              <a:gd name="connsiteX1" fmla="*/ 303196 w 303195"/>
+              <a:gd name="connsiteY1" fmla="*/ 0 h 131365"/>
+              <a:gd name="connsiteX2" fmla="*/ 58604 w 303195"/>
+              <a:gd name="connsiteY2" fmla="*/ 0 h 131365"/>
+              <a:gd name="connsiteX3" fmla="*/ 0 w 303195"/>
+              <a:gd name="connsiteY3" fmla="*/ 130195 h 131365"/>
+              <a:gd name="connsiteX4" fmla="*/ 0 w 303195"/>
+              <a:gd name="connsiteY4" fmla="*/ 131365 h 131365"/>
+              <a:gd name="connsiteX5" fmla="*/ 286364 w 303195"/>
+              <a:gd name="connsiteY5" fmla="*/ 131365 h 131365"/>
+            </a:gdLst>
+            <a:ahLst/>
+            <a:cxnLst>
+              <a:cxn ang="0">
+                <a:pos x="connsiteX0" y="connsiteY0"/>
+              </a:cxn>
+              <a:cxn ang="0">
+                <a:pos x="connsiteX1" y="connsiteY1"/>
+              </a:cxn>
+              <a:cxn ang="0">
+                <a:pos x="connsiteX2" y="connsiteY2"/>
+              </a:cxn>
+              <a:cxn ang="0">
+                <a:pos x="connsiteX3" y="connsiteY3"/>
+              </a:cxn>
+              <a:cxn ang="0">
+                <a:pos x="connsiteX4" y="connsiteY4"/>
+              </a:cxn>
+              <a:cxn ang="0">
+                <a:pos x="connsiteX5" y="connsiteY5"/>
+              </a:cxn>
+            </a:cxnLst>
+            <a:rect l="l" t="t" r="r" b="b"/>
+            <a:pathLst>
+              <a:path w="303195" h="131365">
+                <a:moveTo>
+                  <a:pt x="286364" y="131365"/>
+                </a:moveTo>
+                <a:lnTo>
+                  <a:pt x="303196" y="0"/>
+                </a:lnTo>
+                <a:lnTo>
+                  <a:pt x="58604" y="0"/>
+                </a:lnTo>
+                <a:lnTo>
+                  <a:pt x="0" y="130195"/>
+                </a:lnTo>
+                <a:lnTo>
+                  <a:pt x="0" y="131365"/>
+                </a:lnTo>
+                <a:lnTo>
+                  <a:pt x="286364" y="131365"/>
+                </a:lnTo>
+                <a:close/>
+              </a:path>
+            </a:pathLst>
+          </a:custGeom>
+          <a:solidFill>
+            <a:schemeClr val="accent6"/>
+          </a:solidFill>
+          <a:ln w="12303" cap="flat">
+            <a:noFill/>
+            <a:prstDash val="solid"/>
+            <a:miter/>
+          </a:ln>
+        </p:spPr>
+        <p:txBody>
+          <a:bodyPr rtlCol="0" anchor="ctr"/>
+          <a:lstStyle/>
+          <a:p>
+            <a:endParaRPr lang="en-US"/>
+          </a:p>
+        </p:txBody>
+      </p:sp>
+      <p:sp>
+        <p:nvSpPr>
+          <p:cNvPr id="138" name="Freeform 137">
+            <a:extLst>
+              <a:ext uri="{FF2B5EF4-FFF2-40B4-BE49-F238E27FC236}">
+                <a16:creationId xmlns:a16="http://schemas.microsoft.com/office/drawing/2014/main" id="{DD707F46-9C51-F763-3B9F-8523AAAA060E}"/>
+              </a:ext>
+            </a:extLst>
+          </p:cNvPr>
+          <p:cNvSpPr/>
+          <p:nvPr/>
+        </p:nvSpPr>
+        <p:spPr>
+          <a:xfrm>
+            <a:off x="9578067" y="4409957"/>
+            <a:ext cx="188132" cy="104392"/>
+          </a:xfrm>
+          <a:custGeom>
+            <a:avLst/>
+            <a:gdLst>
+              <a:gd name="connsiteX0" fmla="*/ 174751 w 188132"/>
+              <a:gd name="connsiteY0" fmla="*/ 104392 h 104392"/>
+              <a:gd name="connsiteX1" fmla="*/ 188133 w 188132"/>
+              <a:gd name="connsiteY1" fmla="*/ 0 h 104392"/>
+              <a:gd name="connsiteX2" fmla="*/ 46984 w 188132"/>
+              <a:gd name="connsiteY2" fmla="*/ 0 h 104392"/>
+              <a:gd name="connsiteX3" fmla="*/ 0 w 188132"/>
+              <a:gd name="connsiteY3" fmla="*/ 104392 h 104392"/>
+              <a:gd name="connsiteX4" fmla="*/ 174751 w 188132"/>
+              <a:gd name="connsiteY4" fmla="*/ 104392 h 104392"/>
+            </a:gdLst>
+            <a:ahLst/>
+            <a:cxnLst>
+              <a:cxn ang="0">
+                <a:pos x="connsiteX0" y="connsiteY0"/>
+              </a:cxn>
+              <a:cxn ang="0">
+                <a:pos x="connsiteX1" y="connsiteY1"/>
+              </a:cxn>
+              <a:cxn ang="0">
+                <a:pos x="connsiteX2" y="connsiteY2"/>
+              </a:cxn>
+              <a:cxn ang="0">
+                <a:pos x="connsiteX3" y="connsiteY3"/>
+              </a:cxn>
+              <a:cxn ang="0">
+                <a:pos x="connsiteX4" y="connsiteY4"/>
+              </a:cxn>
+            </a:cxnLst>
+            <a:rect l="l" t="t" r="r" b="b"/>
+            <a:pathLst>
+              <a:path w="188132" h="104392">
+                <a:moveTo>
+                  <a:pt x="174751" y="104392"/>
+                </a:moveTo>
+                <a:lnTo>
+                  <a:pt x="188133" y="0"/>
+                </a:lnTo>
+                <a:lnTo>
+                  <a:pt x="46984" y="0"/>
+                </a:lnTo>
+                <a:lnTo>
+                  <a:pt x="0" y="104392"/>
+                </a:lnTo>
+                <a:lnTo>
+                  <a:pt x="174751" y="104392"/>
+                </a:lnTo>
+                <a:close/>
+              </a:path>
+            </a:pathLst>
+          </a:custGeom>
+          <a:solidFill>
+            <a:schemeClr val="accent6"/>
+          </a:solidFill>
+          <a:ln w="12303" cap="flat">
+            <a:noFill/>
+            <a:prstDash val="solid"/>
+            <a:miter/>
+          </a:ln>
+        </p:spPr>
+        <p:txBody>
+          <a:bodyPr rtlCol="0" anchor="ctr"/>
+          <a:lstStyle/>
+          <a:p>
+            <a:endParaRPr lang="en-US"/>
+          </a:p>
+        </p:txBody>
+      </p:sp>
+      <p:cxnSp>
+        <p:nvCxnSpPr>
+          <p:cNvPr id="140" name="Straight Connector 139">
+            <a:extLst>
+              <a:ext uri="{FF2B5EF4-FFF2-40B4-BE49-F238E27FC236}">
+                <a16:creationId xmlns:a16="http://schemas.microsoft.com/office/drawing/2014/main" id="{01AB9A9D-7C61-B54A-952D-B6F937F95D20}"/>
+              </a:ext>
+            </a:extLst>
+          </p:cNvPr>
+          <p:cNvCxnSpPr/>
+          <p:nvPr/>
+        </p:nvCxnSpPr>
+        <p:spPr>
+          <a:xfrm>
+            <a:off x="4671491" y="3602184"/>
+            <a:ext cx="0" cy="938842"/>
+          </a:xfrm>
+          <a:prstGeom prst="line">
+            <a:avLst/>
+          </a:prstGeom>
+          <a:ln w="12700">
+            <a:solidFill>
+              <a:schemeClr val="tx1"/>
+            </a:solidFill>
+            <a:prstDash val="dash"/>
+          </a:ln>
+        </p:spPr>
+        <p:style>
+          <a:lnRef idx="1">
+            <a:schemeClr val="accent1"/>
+          </a:lnRef>
+          <a:fillRef idx="0">
+            <a:schemeClr val="accent1"/>
+          </a:fillRef>
+          <a:effectRef idx="0">
+            <a:schemeClr val="accent1"/>
+          </a:effectRef>
+          <a:fontRef idx="minor">
+            <a:schemeClr val="tx1"/>
+          </a:fontRef>
+        </p:style>
+      </p:cxnSp>
+      <p:cxnSp>
+        <p:nvCxnSpPr>
+          <p:cNvPr id="141" name="Straight Connector 140">
+            <a:extLst>
+              <a:ext uri="{FF2B5EF4-FFF2-40B4-BE49-F238E27FC236}">
+                <a16:creationId xmlns:a16="http://schemas.microsoft.com/office/drawing/2014/main" id="{9F5A52BC-7300-2CFC-0C36-99EDE7C65F82}"/>
+              </a:ext>
+            </a:extLst>
+          </p:cNvPr>
+          <p:cNvCxnSpPr/>
+          <p:nvPr/>
+        </p:nvCxnSpPr>
+        <p:spPr>
+          <a:xfrm>
+            <a:off x="4671491" y="4826719"/>
+            <a:ext cx="0" cy="938842"/>
+          </a:xfrm>
+          <a:prstGeom prst="line">
+            <a:avLst/>
+          </a:prstGeom>
+          <a:ln w="12700">
+            <a:solidFill>
+              <a:schemeClr val="tx1"/>
+            </a:solidFill>
+            <a:prstDash val="dash"/>
+          </a:ln>
+        </p:spPr>
+        <p:style>
+          <a:lnRef idx="1">
+            <a:schemeClr val="accent1"/>
+          </a:lnRef>
+          <a:fillRef idx="0">
+            <a:schemeClr val="accent1"/>
+          </a:fillRef>
+          <a:effectRef idx="0">
+            <a:schemeClr val="accent1"/>
+          </a:effectRef>
+          <a:fontRef idx="minor">
+            <a:schemeClr val="tx1"/>
+          </a:fontRef>
+        </p:style>
+      </p:cxnSp>
+      <p:grpSp>
+        <p:nvGrpSpPr>
+          <p:cNvPr id="145" name="Group 144">
+            <a:extLst>
+              <a:ext uri="{FF2B5EF4-FFF2-40B4-BE49-F238E27FC236}">
+                <a16:creationId xmlns:a16="http://schemas.microsoft.com/office/drawing/2014/main" id="{47F94DD1-CE58-E054-4C01-AADA5963844F}"/>
+              </a:ext>
+            </a:extLst>
+          </p:cNvPr>
+          <p:cNvGrpSpPr/>
+          <p:nvPr/>
+        </p:nvGrpSpPr>
+        <p:grpSpPr>
+          <a:xfrm>
+            <a:off x="5591765" y="3599897"/>
+            <a:ext cx="413896" cy="2163377"/>
+            <a:chOff x="7642577" y="1015366"/>
+            <a:chExt cx="413896" cy="2163377"/>
+          </a:xfrm>
+        </p:grpSpPr>
+        <p:sp>
+          <p:nvSpPr>
+            <p:cNvPr id="142" name="TextBox 141">
+              <a:extLst>
+                <a:ext uri="{FF2B5EF4-FFF2-40B4-BE49-F238E27FC236}">
+                  <a16:creationId xmlns:a16="http://schemas.microsoft.com/office/drawing/2014/main" id="{D025D973-068F-B9F4-2FA4-0840B4760818}"/>
+                </a:ext>
+              </a:extLst>
+            </p:cNvPr>
+            <p:cNvSpPr txBox="1"/>
+            <p:nvPr/>
+          </p:nvSpPr>
+          <p:spPr>
+            <a:xfrm>
+              <a:off x="7642577" y="1737085"/>
+              <a:ext cx="413896" cy="646331"/>
+            </a:xfrm>
+            <a:prstGeom prst="rect">
+              <a:avLst/>
+            </a:prstGeom>
+            <a:noFill/>
+          </p:spPr>
+          <p:txBody>
+            <a:bodyPr wrap="none" rtlCol="0">
+              <a:spAutoFit/>
+            </a:bodyPr>
+            <a:lstStyle/>
+            <a:p>
+              <a:r>
+                <a:rPr lang="en-US" sz="3600" b="1" dirty="0"/>
+                <a:t>+</a:t>
+              </a:r>
+            </a:p>
+          </p:txBody>
+        </p:sp>
+        <p:cxnSp>
+          <p:nvCxnSpPr>
+            <p:cNvPr id="143" name="Straight Connector 142">
+              <a:extLst>
+                <a:ext uri="{FF2B5EF4-FFF2-40B4-BE49-F238E27FC236}">
+                  <a16:creationId xmlns:a16="http://schemas.microsoft.com/office/drawing/2014/main" id="{2BA4437D-B57B-F9FC-F4B2-CEC6B4F9C3D8}"/>
+                </a:ext>
+              </a:extLst>
+            </p:cNvPr>
+            <p:cNvCxnSpPr/>
+            <p:nvPr/>
+          </p:nvCxnSpPr>
+          <p:spPr>
+            <a:xfrm>
+              <a:off x="7835670" y="1015366"/>
+              <a:ext cx="0" cy="938842"/>
+            </a:xfrm>
+            <a:prstGeom prst="line">
+              <a:avLst/>
+            </a:prstGeom>
+            <a:ln w="12700">
+              <a:solidFill>
+                <a:schemeClr val="tx1"/>
+              </a:solidFill>
+              <a:prstDash val="dash"/>
+            </a:ln>
+          </p:spPr>
+          <p:style>
+            <a:lnRef idx="1">
+              <a:schemeClr val="accent1"/>
+            </a:lnRef>
+            <a:fillRef idx="0">
+              <a:schemeClr val="accent1"/>
+            </a:fillRef>
+            <a:effectRef idx="0">
+              <a:schemeClr val="accent1"/>
+            </a:effectRef>
+            <a:fontRef idx="minor">
+              <a:schemeClr val="tx1"/>
+            </a:fontRef>
+          </p:style>
+        </p:cxnSp>
+        <p:cxnSp>
+          <p:nvCxnSpPr>
+            <p:cNvPr id="144" name="Straight Connector 143">
+              <a:extLst>
+                <a:ext uri="{FF2B5EF4-FFF2-40B4-BE49-F238E27FC236}">
+                  <a16:creationId xmlns:a16="http://schemas.microsoft.com/office/drawing/2014/main" id="{9B47A385-3F56-556A-C19C-7FA595C1B50E}"/>
+                </a:ext>
+              </a:extLst>
+            </p:cNvPr>
+            <p:cNvCxnSpPr/>
+            <p:nvPr/>
+          </p:nvCxnSpPr>
+          <p:spPr>
+            <a:xfrm>
+              <a:off x="7835670" y="2239901"/>
+              <a:ext cx="0" cy="938842"/>
+            </a:xfrm>
+            <a:prstGeom prst="line">
+              <a:avLst/>
+            </a:prstGeom>
+            <a:ln w="12700">
+              <a:solidFill>
+                <a:schemeClr val="tx1"/>
+              </a:solidFill>
+              <a:prstDash val="dash"/>
+            </a:ln>
+          </p:spPr>
+          <p:style>
+            <a:lnRef idx="1">
+              <a:schemeClr val="accent1"/>
+            </a:lnRef>
+            <a:fillRef idx="0">
+              <a:schemeClr val="accent1"/>
+            </a:fillRef>
+            <a:effectRef idx="0">
+              <a:schemeClr val="accent1"/>
+            </a:effectRef>
+            <a:fontRef idx="minor">
+              <a:schemeClr val="tx1"/>
+            </a:fontRef>
+          </p:style>
+        </p:cxnSp>
+      </p:grpSp>
+      <p:grpSp>
+        <p:nvGrpSpPr>
+          <p:cNvPr id="146" name="Group 145">
+            <a:extLst>
+              <a:ext uri="{FF2B5EF4-FFF2-40B4-BE49-F238E27FC236}">
+                <a16:creationId xmlns:a16="http://schemas.microsoft.com/office/drawing/2014/main" id="{DE4F80A9-90E7-A294-6A94-6B0130804FC1}"/>
+              </a:ext>
+            </a:extLst>
+          </p:cNvPr>
+          <p:cNvGrpSpPr/>
+          <p:nvPr/>
+        </p:nvGrpSpPr>
+        <p:grpSpPr>
+          <a:xfrm>
+            <a:off x="7436508" y="3602184"/>
+            <a:ext cx="413896" cy="2163377"/>
+            <a:chOff x="7642577" y="1015366"/>
+            <a:chExt cx="413896" cy="2163377"/>
+          </a:xfrm>
+        </p:grpSpPr>
+        <p:sp>
+          <p:nvSpPr>
+            <p:cNvPr id="147" name="TextBox 146">
+              <a:extLst>
+                <a:ext uri="{FF2B5EF4-FFF2-40B4-BE49-F238E27FC236}">
+                  <a16:creationId xmlns:a16="http://schemas.microsoft.com/office/drawing/2014/main" id="{C0438292-A68E-44AE-A3F5-BD1E6DB05AC0}"/>
+                </a:ext>
+              </a:extLst>
+            </p:cNvPr>
+            <p:cNvSpPr txBox="1"/>
+            <p:nvPr/>
+          </p:nvSpPr>
+          <p:spPr>
+            <a:xfrm>
+              <a:off x="7642577" y="1737085"/>
+              <a:ext cx="413896" cy="646331"/>
+            </a:xfrm>
+            <a:prstGeom prst="rect">
+              <a:avLst/>
+            </a:prstGeom>
+            <a:noFill/>
+          </p:spPr>
+          <p:txBody>
+            <a:bodyPr wrap="none" rtlCol="0">
+              <a:spAutoFit/>
+            </a:bodyPr>
+            <a:lstStyle/>
+            <a:p>
+              <a:r>
+                <a:rPr lang="en-US" sz="3600" b="1" dirty="0"/>
+                <a:t>+</a:t>
+              </a:r>
+            </a:p>
+          </p:txBody>
+        </p:sp>
+        <p:cxnSp>
+          <p:nvCxnSpPr>
+            <p:cNvPr id="148" name="Straight Connector 147">
+              <a:extLst>
+                <a:ext uri="{FF2B5EF4-FFF2-40B4-BE49-F238E27FC236}">
+                  <a16:creationId xmlns:a16="http://schemas.microsoft.com/office/drawing/2014/main" id="{B1507C55-BD88-6EF5-9DFC-B1704924AE0E}"/>
+                </a:ext>
+              </a:extLst>
+            </p:cNvPr>
+            <p:cNvCxnSpPr/>
+            <p:nvPr/>
+          </p:nvCxnSpPr>
+          <p:spPr>
+            <a:xfrm>
+              <a:off x="7835670" y="1015366"/>
+              <a:ext cx="0" cy="938842"/>
+            </a:xfrm>
+            <a:prstGeom prst="line">
+              <a:avLst/>
+            </a:prstGeom>
+            <a:ln w="12700">
+              <a:solidFill>
+                <a:schemeClr val="tx1"/>
+              </a:solidFill>
+              <a:prstDash val="dash"/>
+            </a:ln>
+          </p:spPr>
+          <p:style>
+            <a:lnRef idx="1">
+              <a:schemeClr val="accent1"/>
+            </a:lnRef>
+            <a:fillRef idx="0">
+              <a:schemeClr val="accent1"/>
+            </a:fillRef>
+            <a:effectRef idx="0">
+              <a:schemeClr val="accent1"/>
+            </a:effectRef>
+            <a:fontRef idx="minor">
+              <a:schemeClr val="tx1"/>
+            </a:fontRef>
+          </p:style>
+        </p:cxnSp>
+        <p:cxnSp>
+          <p:nvCxnSpPr>
+            <p:cNvPr id="149" name="Straight Connector 148">
+              <a:extLst>
+                <a:ext uri="{FF2B5EF4-FFF2-40B4-BE49-F238E27FC236}">
+                  <a16:creationId xmlns:a16="http://schemas.microsoft.com/office/drawing/2014/main" id="{4FAF8436-E509-0233-576B-7AEF21BB3B90}"/>
+                </a:ext>
+              </a:extLst>
+            </p:cNvPr>
+            <p:cNvCxnSpPr/>
+            <p:nvPr/>
+          </p:nvCxnSpPr>
+          <p:spPr>
+            <a:xfrm>
+              <a:off x="7835670" y="2239901"/>
+              <a:ext cx="0" cy="938842"/>
+            </a:xfrm>
+            <a:prstGeom prst="line">
+              <a:avLst/>
+            </a:prstGeom>
+            <a:ln w="12700">
+              <a:solidFill>
+                <a:schemeClr val="tx1"/>
+              </a:solidFill>
+              <a:prstDash val="dash"/>
+            </a:ln>
+          </p:spPr>
+          <p:style>
+            <a:lnRef idx="1">
+              <a:schemeClr val="accent1"/>
+            </a:lnRef>
+            <a:fillRef idx="0">
+              <a:schemeClr val="accent1"/>
+            </a:fillRef>
+            <a:effectRef idx="0">
+              <a:schemeClr val="accent1"/>
+            </a:effectRef>
+            <a:fontRef idx="minor">
+              <a:schemeClr val="tx1"/>
+            </a:fontRef>
+          </p:style>
+        </p:cxnSp>
+      </p:grpSp>
+      <p:grpSp>
+        <p:nvGrpSpPr>
+          <p:cNvPr id="150" name="Group 149">
+            <a:extLst>
+              <a:ext uri="{FF2B5EF4-FFF2-40B4-BE49-F238E27FC236}">
+                <a16:creationId xmlns:a16="http://schemas.microsoft.com/office/drawing/2014/main" id="{809EA752-F7C5-5558-277B-3BEC1F49C2F3}"/>
+              </a:ext>
+            </a:extLst>
+          </p:cNvPr>
+          <p:cNvGrpSpPr/>
+          <p:nvPr/>
+        </p:nvGrpSpPr>
+        <p:grpSpPr>
+          <a:xfrm>
+            <a:off x="8812433" y="3602184"/>
+            <a:ext cx="413896" cy="2163377"/>
+            <a:chOff x="7642577" y="1015366"/>
+            <a:chExt cx="413896" cy="2163377"/>
+          </a:xfrm>
+        </p:grpSpPr>
+        <p:sp>
+          <p:nvSpPr>
+            <p:cNvPr id="151" name="TextBox 150">
+              <a:extLst>
+                <a:ext uri="{FF2B5EF4-FFF2-40B4-BE49-F238E27FC236}">
+                  <a16:creationId xmlns:a16="http://schemas.microsoft.com/office/drawing/2014/main" id="{9FDCD171-2A21-CF61-119A-7079DB4697A5}"/>
+                </a:ext>
+              </a:extLst>
+            </p:cNvPr>
+            <p:cNvSpPr txBox="1"/>
+            <p:nvPr/>
+          </p:nvSpPr>
+          <p:spPr>
+            <a:xfrm>
+              <a:off x="7642577" y="1737085"/>
+              <a:ext cx="413896" cy="646331"/>
+            </a:xfrm>
+            <a:prstGeom prst="rect">
+              <a:avLst/>
+            </a:prstGeom>
+            <a:noFill/>
+          </p:spPr>
+          <p:txBody>
+            <a:bodyPr wrap="none" rtlCol="0">
+              <a:spAutoFit/>
+            </a:bodyPr>
+            <a:lstStyle/>
+            <a:p>
+              <a:r>
+                <a:rPr lang="en-US" sz="3600" b="1" dirty="0"/>
+                <a:t>+</a:t>
+              </a:r>
+            </a:p>
+          </p:txBody>
+        </p:sp>
+        <p:cxnSp>
+          <p:nvCxnSpPr>
+            <p:cNvPr id="152" name="Straight Connector 151">
+              <a:extLst>
+                <a:ext uri="{FF2B5EF4-FFF2-40B4-BE49-F238E27FC236}">
+                  <a16:creationId xmlns:a16="http://schemas.microsoft.com/office/drawing/2014/main" id="{36F77087-D10F-9DFE-0227-0791BBD8F5DF}"/>
+                </a:ext>
+              </a:extLst>
+            </p:cNvPr>
+            <p:cNvCxnSpPr/>
+            <p:nvPr/>
+          </p:nvCxnSpPr>
+          <p:spPr>
+            <a:xfrm>
+              <a:off x="7835670" y="1015366"/>
+              <a:ext cx="0" cy="938842"/>
+            </a:xfrm>
+            <a:prstGeom prst="line">
+              <a:avLst/>
+            </a:prstGeom>
+            <a:ln w="12700">
+              <a:solidFill>
+                <a:schemeClr val="tx1"/>
+              </a:solidFill>
+              <a:prstDash val="dash"/>
+            </a:ln>
+          </p:spPr>
+          <p:style>
+            <a:lnRef idx="1">
+              <a:schemeClr val="accent1"/>
+            </a:lnRef>
+            <a:fillRef idx="0">
+              <a:schemeClr val="accent1"/>
+            </a:fillRef>
+            <a:effectRef idx="0">
+              <a:schemeClr val="accent1"/>
+            </a:effectRef>
+            <a:fontRef idx="minor">
+              <a:schemeClr val="tx1"/>
+            </a:fontRef>
+          </p:style>
+        </p:cxnSp>
+        <p:cxnSp>
+          <p:nvCxnSpPr>
+            <p:cNvPr id="153" name="Straight Connector 152">
+              <a:extLst>
+                <a:ext uri="{FF2B5EF4-FFF2-40B4-BE49-F238E27FC236}">
+                  <a16:creationId xmlns:a16="http://schemas.microsoft.com/office/drawing/2014/main" id="{3089F54B-9FE9-5EC2-F785-61F0DDA270C8}"/>
+                </a:ext>
+              </a:extLst>
+            </p:cNvPr>
+            <p:cNvCxnSpPr/>
+            <p:nvPr/>
+          </p:nvCxnSpPr>
+          <p:spPr>
+            <a:xfrm>
+              <a:off x="7835670" y="2239901"/>
+              <a:ext cx="0" cy="938842"/>
+            </a:xfrm>
+            <a:prstGeom prst="line">
+              <a:avLst/>
+            </a:prstGeom>
+            <a:ln w="12700">
+              <a:solidFill>
+                <a:schemeClr val="tx1"/>
+              </a:solidFill>
+              <a:prstDash val="dash"/>
+            </a:ln>
+          </p:spPr>
+          <p:style>
+            <a:lnRef idx="1">
+              <a:schemeClr val="accent1"/>
+            </a:lnRef>
+            <a:fillRef idx="0">
+              <a:schemeClr val="accent1"/>
+            </a:fillRef>
+            <a:effectRef idx="0">
+              <a:schemeClr val="accent1"/>
+            </a:effectRef>
+            <a:fontRef idx="minor">
+              <a:schemeClr val="tx1"/>
+            </a:fontRef>
+          </p:style>
+        </p:cxnSp>
+      </p:grpSp>
+      <p:sp>
+        <p:nvSpPr>
+          <p:cNvPr id="154" name="Rectangle 153">
+            <a:extLst>
+              <a:ext uri="{FF2B5EF4-FFF2-40B4-BE49-F238E27FC236}">
+                <a16:creationId xmlns:a16="http://schemas.microsoft.com/office/drawing/2014/main" id="{0A6C7707-698D-BDD9-DE50-D86CD29F1F57}"/>
+              </a:ext>
+            </a:extLst>
+          </p:cNvPr>
+          <p:cNvSpPr/>
+          <p:nvPr/>
+        </p:nvSpPr>
+        <p:spPr>
+          <a:xfrm>
+            <a:off x="5911848" y="3594232"/>
+            <a:ext cx="1602312" cy="2494495"/>
+          </a:xfrm>
+          <a:prstGeom prst="rect">
+            <a:avLst/>
+          </a:prstGeom>
+          <a:noFill/>
+          <a:ln w="50800">
+            <a:solidFill>
+              <a:schemeClr val="tx1"/>
+            </a:solidFill>
+          </a:ln>
+        </p:spPr>
+        <p:style>
+          <a:lnRef idx="2">
+            <a:schemeClr val="accent1">
+              <a:shade val="50000"/>
+            </a:schemeClr>
+          </a:lnRef>
+          <a:fillRef idx="1">
+            <a:schemeClr val="accent1"/>
+          </a:fillRef>
+          <a:effectRef idx="0">
+            <a:schemeClr val="accent1"/>
+          </a:effectRef>
+          <a:fontRef idx="minor">
+            <a:schemeClr val="lt1"/>
+          </a:fontRef>
+        </p:style>
+        <p:txBody>
+          <a:bodyPr rtlCol="0" anchor="ctr"/>
+          <a:lstStyle/>
+          <a:p>
+            <a:pPr algn="ctr"/>
+            <a:endParaRPr lang="en-US"/>
+          </a:p>
+        </p:txBody>
+      </p:sp>
+      <p:sp>
+        <p:nvSpPr>
+          <p:cNvPr id="155" name="TextBox 154">
+            <a:extLst>
+              <a:ext uri="{FF2B5EF4-FFF2-40B4-BE49-F238E27FC236}">
+                <a16:creationId xmlns:a16="http://schemas.microsoft.com/office/drawing/2014/main" id="{605CA875-83A4-BD19-4E00-4EF35078497B}"/>
+              </a:ext>
+            </a:extLst>
+          </p:cNvPr>
+          <p:cNvSpPr txBox="1"/>
+          <p:nvPr/>
+        </p:nvSpPr>
+        <p:spPr>
+          <a:xfrm>
+            <a:off x="5914102" y="3215155"/>
+            <a:ext cx="1563313" cy="369332"/>
+          </a:xfrm>
+          <a:prstGeom prst="rect">
+            <a:avLst/>
+          </a:prstGeom>
+          <a:noFill/>
+        </p:spPr>
+        <p:txBody>
+          <a:bodyPr wrap="none" rtlCol="0">
+            <a:spAutoFit/>
+          </a:bodyPr>
+          <a:lstStyle/>
+          <a:p>
+            <a:pPr algn="ctr"/>
+            <a:r>
+              <a:rPr lang="en-US" dirty="0"/>
+              <a:t>Focus of thesis</a:t>
+            </a:r>
+          </a:p>
+        </p:txBody>
+      </p:sp>
+    </p:spTree>
+    <p:extLst>
+      <p:ext uri="{BB962C8B-B14F-4D97-AF65-F5344CB8AC3E}">
+        <p14:creationId xmlns:p14="http://schemas.microsoft.com/office/powerpoint/2010/main" val="3721911802"/>
+      </p:ext>
+    </p:extLst>
+  </p:cSld>
+  <p:clrMapOvr>
+    <a:masterClrMapping/>
+  </p:clrMapOvr>
+</p:sld>
+</file>
+
+<file path=ppt/slides/slide3.xml><?xml version="1.0" encoding="utf-8"?>
+<p:sld xmlns:a="http://schemas.openxmlformats.org/drawingml/2006/main" xmlns:r="http://schemas.openxmlformats.org/officeDocument/2006/relationships" xmlns:p="http://schemas.openxmlformats.org/presentationml/2006/main">
+  <p:cSld>
+    <p:spTree>
+      <p:nvGrpSpPr>
+        <p:cNvPr id="1" name=""/>
+        <p:cNvGrpSpPr/>
+        <p:nvPr/>
+      </p:nvGrpSpPr>
+      <p:grpSpPr>
+        <a:xfrm>
+          <a:off x="0" y="0"/>
+          <a:ext cx="0" cy="0"/>
+          <a:chOff x="0" y="0"/>
+          <a:chExt cx="0" cy="0"/>
+        </a:xfrm>
+      </p:grpSpPr>
+    </p:spTree>
+    <p:extLst>
+      <p:ext uri="{BB962C8B-B14F-4D97-AF65-F5344CB8AC3E}">
+        <p14:creationId xmlns:p14="http://schemas.microsoft.com/office/powerpoint/2010/main" val="3109333131"/>
+      </p:ext>
+    </p:extLst>
+  </p:cSld>
+  <p:clrMapOvr>
+    <a:masterClrMapping/>
+  </p:clrMapOvr>
+</p:sld>
+</file>
+
 <file path=ppt/theme/theme1.xml><?xml version="1.0" encoding="utf-8"?>
 <a:theme xmlns:a="http://schemas.openxmlformats.org/drawingml/2006/main" name="Office Theme">
   <a:themeElements>
@@ -23283,4 +28249,299 @@
     </a:ext>
   </a:extLst>
 </a:theme>
+</file>
+
+<file path=ppt/theme/theme2.xml><?xml version="1.0" encoding="utf-8"?>
+<a:theme xmlns:a="http://schemas.openxmlformats.org/drawingml/2006/main" name="Office Theme">
+  <a:themeElements>
+    <a:clrScheme name="Office">
+      <a:dk1>
+        <a:sysClr val="windowText" lastClr="000000"/>
+      </a:dk1>
+      <a:lt1>
+        <a:sysClr val="window" lastClr="FFFFFF"/>
+      </a:lt1>
+      <a:dk2>
+        <a:srgbClr val="44546A"/>
+      </a:dk2>
+      <a:lt2>
+        <a:srgbClr val="E7E6E6"/>
+      </a:lt2>
+      <a:accent1>
+        <a:srgbClr val="4472C4"/>
+      </a:accent1>
+      <a:accent2>
+        <a:srgbClr val="ED7D31"/>
+      </a:accent2>
+      <a:accent3>
+        <a:srgbClr val="A5A5A5"/>
+      </a:accent3>
+      <a:accent4>
+        <a:srgbClr val="FFC000"/>
+      </a:accent4>
+      <a:accent5>
+        <a:srgbClr val="5B9BD5"/>
+      </a:accent5>
+      <a:accent6>
+        <a:srgbClr val="70AD47"/>
+      </a:accent6>
+      <a:hlink>
+        <a:srgbClr val="0563C1"/>
+      </a:hlink>
+      <a:folHlink>
+        <a:srgbClr val="954F72"/>
+      </a:folHlink>
+    </a:clrScheme>
+    <a:fontScheme name="Office">
+      <a:majorFont>
+        <a:latin typeface="Calibri Light" panose="020F0302020204030204"/>
+        <a:ea typeface=""/>
+        <a:cs typeface=""/>
+        <a:font script="Jpan" typeface="游ゴシック Light"/>
+        <a:font script="Hang" typeface="맑은 고딕"/>
+        <a:font script="Hans" typeface="等线 Light"/>
+        <a:font script="Hant" typeface="新細明體"/>
+        <a:font script="Arab" typeface="Times New Roman"/>
+        <a:font script="Hebr" typeface="Times New Roman"/>
+        <a:font script="Thai" typeface="Angsana New"/>
+        <a:font script="Ethi" typeface="Nyala"/>
+        <a:font script="Beng" typeface="Vrinda"/>
+        <a:font script="Gujr" typeface="Shruti"/>
+        <a:font script="Khmr" typeface="MoolBoran"/>
+        <a:font script="Knda" typeface="Tunga"/>
+        <a:font script="Guru" typeface="Raavi"/>
+        <a:font script="Cans" typeface="Euphemia"/>
+        <a:font script="Cher" typeface="Plantagenet Cherokee"/>
+        <a:font script="Yiii" typeface="Microsoft Yi Baiti"/>
+        <a:font script="Tibt" typeface="Microsoft Himalaya"/>
+        <a:font script="Thaa" typeface="MV Boli"/>
+        <a:font script="Deva" typeface="Mangal"/>
+        <a:font script="Telu" typeface="Gautami"/>
+        <a:font script="Taml" typeface="Latha"/>
+        <a:font script="Syrc" typeface="Estrangelo Edessa"/>
+        <a:font script="Orya" typeface="Kalinga"/>
+        <a:font script="Mlym" typeface="Kartika"/>
+        <a:font script="Laoo" typeface="DokChampa"/>
+        <a:font script="Sinh" typeface="Iskoola Pota"/>
+        <a:font script="Mong" typeface="Mongolian Baiti"/>
+        <a:font script="Viet" typeface="Times New Roman"/>
+        <a:font script="Uigh" typeface="Microsoft Uighur"/>
+        <a:font script="Geor" typeface="Sylfaen"/>
+        <a:font script="Armn" typeface="Arial"/>
+        <a:font script="Bugi" typeface="Leelawadee UI"/>
+        <a:font script="Bopo" typeface="Microsoft JhengHei"/>
+        <a:font script="Java" typeface="Javanese Text"/>
+        <a:font script="Lisu" typeface="Segoe UI"/>
+        <a:font script="Mymr" typeface="Myanmar Text"/>
+        <a:font script="Nkoo" typeface="Ebrima"/>
+        <a:font script="Olck" typeface="Nirmala UI"/>
+        <a:font script="Osma" typeface="Ebrima"/>
+        <a:font script="Phag" typeface="Phagspa"/>
+        <a:font script="Syrn" typeface="Estrangelo Edessa"/>
+        <a:font script="Syrj" typeface="Estrangelo Edessa"/>
+        <a:font script="Syre" typeface="Estrangelo Edessa"/>
+        <a:font script="Sora" typeface="Nirmala UI"/>
+        <a:font script="Tale" typeface="Microsoft Tai Le"/>
+        <a:font script="Talu" typeface="Microsoft New Tai Lue"/>
+        <a:font script="Tfng" typeface="Ebrima"/>
+      </a:majorFont>
+      <a:minorFont>
+        <a:latin typeface="Calibri" panose="020F0502020204030204"/>
+        <a:ea typeface=""/>
+        <a:cs typeface=""/>
+        <a:font script="Jpan" typeface="游ゴシック"/>
+        <a:font script="Hang" typeface="맑은 고딕"/>
+        <a:font script="Hans" typeface="等线"/>
+        <a:font script="Hant" typeface="新細明體"/>
+        <a:font script="Arab" typeface="Arial"/>
+        <a:font script="Hebr" typeface="Arial"/>
+        <a:font script="Thai" typeface="Cordia New"/>
+        <a:font script="Ethi" typeface="Nyala"/>
+        <a:font script="Beng" typeface="Vrinda"/>
+        <a:font script="Gujr" typeface="Shruti"/>
+        <a:font script="Khmr" typeface="DaunPenh"/>
+        <a:font script="Knda" typeface="Tunga"/>
+        <a:font script="Guru" typeface="Raavi"/>
+        <a:font script="Cans" typeface="Euphemia"/>
+        <a:font script="Cher" typeface="Plantagenet Cherokee"/>
+        <a:font script="Yiii" typeface="Microsoft Yi Baiti"/>
+        <a:font script="Tibt" typeface="Microsoft Himalaya"/>
+        <a:font script="Thaa" typeface="MV Boli"/>
+        <a:font script="Deva" typeface="Mangal"/>
+        <a:font script="Telu" typeface="Gautami"/>
+        <a:font script="Taml" typeface="Latha"/>
+        <a:font script="Syrc" typeface="Estrangelo Edessa"/>
+        <a:font script="Orya" typeface="Kalinga"/>
+        <a:font script="Mlym" typeface="Kartika"/>
+        <a:font script="Laoo" typeface="DokChampa"/>
+        <a:font script="Sinh" typeface="Iskoola Pota"/>
+        <a:font script="Mong" typeface="Mongolian Baiti"/>
+        <a:font script="Viet" typeface="Arial"/>
+        <a:font script="Uigh" typeface="Microsoft Uighur"/>
+        <a:font script="Geor" typeface="Sylfaen"/>
+        <a:font script="Armn" typeface="Arial"/>
+        <a:font script="Bugi" typeface="Leelawadee UI"/>
+        <a:font script="Bopo" typeface="Microsoft JhengHei"/>
+        <a:font script="Java" typeface="Javanese Text"/>
+        <a:font script="Lisu" typeface="Segoe UI"/>
+        <a:font script="Mymr" typeface="Myanmar Text"/>
+        <a:font script="Nkoo" typeface="Ebrima"/>
+        <a:font script="Olck" typeface="Nirmala UI"/>
+        <a:font script="Osma" typeface="Ebrima"/>
+        <a:font script="Phag" typeface="Phagspa"/>
+        <a:font script="Syrn" typeface="Estrangelo Edessa"/>
+        <a:font script="Syrj" typeface="Estrangelo Edessa"/>
+        <a:font script="Syre" typeface="Estrangelo Edessa"/>
+        <a:font script="Sora" typeface="Nirmala UI"/>
+        <a:font script="Tale" typeface="Microsoft Tai Le"/>
+        <a:font script="Talu" typeface="Microsoft New Tai Lue"/>
+        <a:font script="Tfng" typeface="Ebrima"/>
+      </a:minorFont>
+    </a:fontScheme>
+    <a:fmtScheme name="Office">
+      <a:fillStyleLst>
+        <a:solidFill>
+          <a:schemeClr val="phClr"/>
+        </a:solidFill>
+        <a:gradFill rotWithShape="1">
+          <a:gsLst>
+            <a:gs pos="0">
+              <a:schemeClr val="phClr">
+                <a:lumMod val="110000"/>
+                <a:satMod val="105000"/>
+                <a:tint val="67000"/>
+              </a:schemeClr>
+            </a:gs>
+            <a:gs pos="50000">
+              <a:schemeClr val="phClr">
+                <a:lumMod val="105000"/>
+                <a:satMod val="103000"/>
+                <a:tint val="73000"/>
+              </a:schemeClr>
+            </a:gs>
+            <a:gs pos="100000">
+              <a:schemeClr val="phClr">
+                <a:lumMod val="105000"/>
+                <a:satMod val="109000"/>
+                <a:tint val="81000"/>
+              </a:schemeClr>
+            </a:gs>
+          </a:gsLst>
+          <a:lin ang="5400000" scaled="0"/>
+        </a:gradFill>
+        <a:gradFill rotWithShape="1">
+          <a:gsLst>
+            <a:gs pos="0">
+              <a:schemeClr val="phClr">
+                <a:satMod val="103000"/>
+                <a:lumMod val="102000"/>
+                <a:tint val="94000"/>
+              </a:schemeClr>
+            </a:gs>
+            <a:gs pos="50000">
+              <a:schemeClr val="phClr">
+                <a:satMod val="110000"/>
+                <a:lumMod val="100000"/>
+                <a:shade val="100000"/>
+              </a:schemeClr>
+            </a:gs>
+            <a:gs pos="100000">
+              <a:schemeClr val="phClr">
+                <a:lumMod val="99000"/>
+                <a:satMod val="120000"/>
+                <a:shade val="78000"/>
+              </a:schemeClr>
+            </a:gs>
+          </a:gsLst>
+          <a:lin ang="5400000" scaled="0"/>
+        </a:gradFill>
+      </a:fillStyleLst>
+      <a:lnStyleLst>
+        <a:ln w="6350" cap="flat" cmpd="sng" algn="ctr">
+          <a:solidFill>
+            <a:schemeClr val="phClr"/>
+          </a:solidFill>
+          <a:prstDash val="solid"/>
+          <a:miter lim="800000"/>
+        </a:ln>
+        <a:ln w="12700" cap="flat" cmpd="sng" algn="ctr">
+          <a:solidFill>
+            <a:schemeClr val="phClr"/>
+          </a:solidFill>
+          <a:prstDash val="solid"/>
+          <a:miter lim="800000"/>
+        </a:ln>
+        <a:ln w="19050" cap="flat" cmpd="sng" algn="ctr">
+          <a:solidFill>
+            <a:schemeClr val="phClr"/>
+          </a:solidFill>
+          <a:prstDash val="solid"/>
+          <a:miter lim="800000"/>
+        </a:ln>
+      </a:lnStyleLst>
+      <a:effectStyleLst>
+        <a:effectStyle>
+          <a:effectLst/>
+        </a:effectStyle>
+        <a:effectStyle>
+          <a:effectLst/>
+        </a:effectStyle>
+        <a:effectStyle>
+          <a:effectLst>
+            <a:outerShdw blurRad="57150" dist="19050" dir="5400000" algn="ctr" rotWithShape="0">
+              <a:srgbClr val="000000">
+                <a:alpha val="63000"/>
+              </a:srgbClr>
+            </a:outerShdw>
+          </a:effectLst>
+        </a:effectStyle>
+      </a:effectStyleLst>
+      <a:bgFillStyleLst>
+        <a:solidFill>
+          <a:schemeClr val="phClr"/>
+        </a:solidFill>
+        <a:solidFill>
+          <a:schemeClr val="phClr">
+            <a:tint val="95000"/>
+            <a:satMod val="170000"/>
+          </a:schemeClr>
+        </a:solidFill>
+        <a:gradFill rotWithShape="1">
+          <a:gsLst>
+            <a:gs pos="0">
+              <a:schemeClr val="phClr">
+                <a:tint val="93000"/>
+                <a:satMod val="150000"/>
+                <a:shade val="98000"/>
+                <a:lumMod val="102000"/>
+              </a:schemeClr>
+            </a:gs>
+            <a:gs pos="50000">
+              <a:schemeClr val="phClr">
+                <a:tint val="98000"/>
+                <a:satMod val="130000"/>
+                <a:shade val="90000"/>
+                <a:lumMod val="103000"/>
+              </a:schemeClr>
+            </a:gs>
+            <a:gs pos="100000">
+              <a:schemeClr val="phClr">
+                <a:shade val="63000"/>
+                <a:satMod val="120000"/>
+              </a:schemeClr>
+            </a:gs>
+          </a:gsLst>
+          <a:lin ang="5400000" scaled="0"/>
+        </a:gradFill>
+      </a:bgFillStyleLst>
+    </a:fmtScheme>
+  </a:themeElements>
+  <a:objectDefaults/>
+  <a:extraClrSchemeLst/>
+  <a:extLst>
+    <a:ext uri="{05A4C25C-085E-4340-85A3-A5531E510DB2}">
+      <thm15:themeFamily xmlns:thm15="http://schemas.microsoft.com/office/thememl/2012/main" name="Office Theme" id="{62F939B6-93AF-4DB8-9C6B-D6C7DFDC589F}" vid="{4A3C46E8-61CC-4603-A589-7422A47A8E4A}"/>
+    </a:ext>
+  </a:extLst>
+</a:theme>
 </file>
--- a/figures/figures.pptx
+++ b/figures/figures.pptx
@@ -199,7 +199,7 @@
           <a:p>
             <a:fld id="{3EA4D083-0E5E-FD49-A238-9DDAE47A1CE4}" type="datetimeFigureOut">
               <a:rPr lang="en-US" smtClean="0"/>
-              <a:t>5/6/22</a:t>
+              <a:t>5/11/22</a:t>
             </a:fld>
             <a:endParaRPr lang="en-US"/>
           </a:p>
@@ -681,7 +681,7 @@
           <a:p>
             <a:fld id="{CDAD7613-0936-5041-9449-3FE39304F5C6}" type="datetimeFigureOut">
               <a:rPr lang="en-US" smtClean="0"/>
-              <a:t>5/6/22</a:t>
+              <a:t>5/11/22</a:t>
             </a:fld>
             <a:endParaRPr lang="en-US"/>
           </a:p>
@@ -851,7 +851,7 @@
           <a:p>
             <a:fld id="{CDAD7613-0936-5041-9449-3FE39304F5C6}" type="datetimeFigureOut">
               <a:rPr lang="en-US" smtClean="0"/>
-              <a:t>5/6/22</a:t>
+              <a:t>5/11/22</a:t>
             </a:fld>
             <a:endParaRPr lang="en-US"/>
           </a:p>
@@ -1031,7 +1031,7 @@
           <a:p>
             <a:fld id="{CDAD7613-0936-5041-9449-3FE39304F5C6}" type="datetimeFigureOut">
               <a:rPr lang="en-US" smtClean="0"/>
-              <a:t>5/6/22</a:t>
+              <a:t>5/11/22</a:t>
             </a:fld>
             <a:endParaRPr lang="en-US"/>
           </a:p>
@@ -1201,7 +1201,7 @@
           <a:p>
             <a:fld id="{CDAD7613-0936-5041-9449-3FE39304F5C6}" type="datetimeFigureOut">
               <a:rPr lang="en-US" smtClean="0"/>
-              <a:t>5/6/22</a:t>
+              <a:t>5/11/22</a:t>
             </a:fld>
             <a:endParaRPr lang="en-US"/>
           </a:p>
@@ -1445,7 +1445,7 @@
           <a:p>
             <a:fld id="{CDAD7613-0936-5041-9449-3FE39304F5C6}" type="datetimeFigureOut">
               <a:rPr lang="en-US" smtClean="0"/>
-              <a:t>5/6/22</a:t>
+              <a:t>5/11/22</a:t>
             </a:fld>
             <a:endParaRPr lang="en-US"/>
           </a:p>
@@ -1677,7 +1677,7 @@
           <a:p>
             <a:fld id="{CDAD7613-0936-5041-9449-3FE39304F5C6}" type="datetimeFigureOut">
               <a:rPr lang="en-US" smtClean="0"/>
-              <a:t>5/6/22</a:t>
+              <a:t>5/11/22</a:t>
             </a:fld>
             <a:endParaRPr lang="en-US"/>
           </a:p>
@@ -2044,7 +2044,7 @@
           <a:p>
             <a:fld id="{CDAD7613-0936-5041-9449-3FE39304F5C6}" type="datetimeFigureOut">
               <a:rPr lang="en-US" smtClean="0"/>
-              <a:t>5/6/22</a:t>
+              <a:t>5/11/22</a:t>
             </a:fld>
             <a:endParaRPr lang="en-US"/>
           </a:p>
@@ -2162,7 +2162,7 @@
           <a:p>
             <a:fld id="{CDAD7613-0936-5041-9449-3FE39304F5C6}" type="datetimeFigureOut">
               <a:rPr lang="en-US" smtClean="0"/>
-              <a:t>5/6/22</a:t>
+              <a:t>5/11/22</a:t>
             </a:fld>
             <a:endParaRPr lang="en-US"/>
           </a:p>
@@ -2257,7 +2257,7 @@
           <a:p>
             <a:fld id="{CDAD7613-0936-5041-9449-3FE39304F5C6}" type="datetimeFigureOut">
               <a:rPr lang="en-US" smtClean="0"/>
-              <a:t>5/6/22</a:t>
+              <a:t>5/11/22</a:t>
             </a:fld>
             <a:endParaRPr lang="en-US"/>
           </a:p>
@@ -2534,7 +2534,7 @@
           <a:p>
             <a:fld id="{CDAD7613-0936-5041-9449-3FE39304F5C6}" type="datetimeFigureOut">
               <a:rPr lang="en-US" smtClean="0"/>
-              <a:t>5/6/22</a:t>
+              <a:t>5/11/22</a:t>
             </a:fld>
             <a:endParaRPr lang="en-US"/>
           </a:p>
@@ -2791,7 +2791,7 @@
           <a:p>
             <a:fld id="{CDAD7613-0936-5041-9449-3FE39304F5C6}" type="datetimeFigureOut">
               <a:rPr lang="en-US" smtClean="0"/>
-              <a:t>5/6/22</a:t>
+              <a:t>5/11/22</a:t>
             </a:fld>
             <a:endParaRPr lang="en-US"/>
           </a:p>
@@ -3004,7 +3004,7 @@
           <a:p>
             <a:fld id="{CDAD7613-0936-5041-9449-3FE39304F5C6}" type="datetimeFigureOut">
               <a:rPr lang="en-US" smtClean="0"/>
-              <a:t>5/6/22</a:t>
+              <a:t>5/11/22</a:t>
             </a:fld>
             <a:endParaRPr lang="en-US"/>
           </a:p>
@@ -27977,6 +27977,213 @@
           <a:chExt cx="0" cy="0"/>
         </a:xfrm>
       </p:grpSpPr>
+      <p:pic>
+        <p:nvPicPr>
+          <p:cNvPr id="3" name="Picture 2">
+            <a:extLst>
+              <a:ext uri="{FF2B5EF4-FFF2-40B4-BE49-F238E27FC236}">
+                <a16:creationId xmlns:a16="http://schemas.microsoft.com/office/drawing/2014/main" id="{4B17A0F3-31E4-5A95-A0BA-885B67824F0C}"/>
+              </a:ext>
+            </a:extLst>
+          </p:cNvPr>
+          <p:cNvPicPr>
+            <a:picLocks noChangeAspect="1"/>
+          </p:cNvPicPr>
+          <p:nvPr/>
+        </p:nvPicPr>
+        <p:blipFill>
+          <a:blip r:embed="rId2"/>
+          <a:stretch>
+            <a:fillRect/>
+          </a:stretch>
+        </p:blipFill>
+        <p:spPr>
+          <a:xfrm>
+            <a:off x="3893574" y="3554361"/>
+            <a:ext cx="5486400" cy="2743200"/>
+          </a:xfrm>
+          <a:prstGeom prst="rect">
+            <a:avLst/>
+          </a:prstGeom>
+        </p:spPr>
+      </p:pic>
+      <p:sp>
+        <p:nvSpPr>
+          <p:cNvPr id="4" name="Rectangle 3">
+            <a:extLst>
+              <a:ext uri="{FF2B5EF4-FFF2-40B4-BE49-F238E27FC236}">
+                <a16:creationId xmlns:a16="http://schemas.microsoft.com/office/drawing/2014/main" id="{58B9E6CD-1F6B-66C2-35F4-B3F9C9C854B6}"/>
+              </a:ext>
+            </a:extLst>
+          </p:cNvPr>
+          <p:cNvSpPr/>
+          <p:nvPr/>
+        </p:nvSpPr>
+        <p:spPr>
+          <a:xfrm>
+            <a:off x="4659639" y="5511978"/>
+            <a:ext cx="723522" cy="608602"/>
+          </a:xfrm>
+          <a:prstGeom prst="rect">
+            <a:avLst/>
+          </a:prstGeom>
+          <a:noFill/>
+          <a:ln w="25400">
+            <a:solidFill>
+              <a:schemeClr val="tx1"/>
+            </a:solidFill>
+          </a:ln>
+        </p:spPr>
+        <p:style>
+          <a:lnRef idx="2">
+            <a:schemeClr val="accent1">
+              <a:shade val="50000"/>
+            </a:schemeClr>
+          </a:lnRef>
+          <a:fillRef idx="1">
+            <a:schemeClr val="accent1"/>
+          </a:fillRef>
+          <a:effectRef idx="0">
+            <a:schemeClr val="accent1"/>
+          </a:effectRef>
+          <a:fontRef idx="minor">
+            <a:schemeClr val="lt1"/>
+          </a:fontRef>
+        </p:style>
+        <p:txBody>
+          <a:bodyPr rtlCol="0" anchor="ctr"/>
+          <a:lstStyle/>
+          <a:p>
+            <a:pPr algn="ctr"/>
+            <a:endParaRPr lang="en-US"/>
+          </a:p>
+        </p:txBody>
+      </p:sp>
+      <p:sp>
+        <p:nvSpPr>
+          <p:cNvPr id="5" name="TextBox 4">
+            <a:extLst>
+              <a:ext uri="{FF2B5EF4-FFF2-40B4-BE49-F238E27FC236}">
+                <a16:creationId xmlns:a16="http://schemas.microsoft.com/office/drawing/2014/main" id="{FDA9E647-3E3D-0078-5D4C-8A4633E0E2AD}"/>
+              </a:ext>
+            </a:extLst>
+          </p:cNvPr>
+          <p:cNvSpPr txBox="1"/>
+          <p:nvPr/>
+        </p:nvSpPr>
+        <p:spPr>
+          <a:xfrm>
+            <a:off x="4720425" y="5243339"/>
+            <a:ext cx="564578" cy="261610"/>
+          </a:xfrm>
+          <a:prstGeom prst="rect">
+            <a:avLst/>
+          </a:prstGeom>
+          <a:noFill/>
+        </p:spPr>
+        <p:txBody>
+          <a:bodyPr wrap="none" rtlCol="0">
+            <a:spAutoFit/>
+          </a:bodyPr>
+          <a:lstStyle/>
+          <a:p>
+            <a:r>
+              <a:rPr lang="en-US" sz="1050" dirty="0"/>
+              <a:t>&lt;1mW</a:t>
+            </a:r>
+          </a:p>
+        </p:txBody>
+      </p:sp>
+      <p:cxnSp>
+        <p:nvCxnSpPr>
+          <p:cNvPr id="6" name="Straight Connector 5">
+            <a:extLst>
+              <a:ext uri="{FF2B5EF4-FFF2-40B4-BE49-F238E27FC236}">
+                <a16:creationId xmlns:a16="http://schemas.microsoft.com/office/drawing/2014/main" id="{6DC64B6A-8DD3-1F9A-DA0E-F00E45CEAE1C}"/>
+              </a:ext>
+            </a:extLst>
+          </p:cNvPr>
+          <p:cNvCxnSpPr>
+            <a:cxnSpLocks/>
+          </p:cNvCxnSpPr>
+          <p:nvPr/>
+        </p:nvCxnSpPr>
+        <p:spPr>
+          <a:xfrm flipH="1">
+            <a:off x="5015073" y="4733511"/>
+            <a:ext cx="429" cy="568043"/>
+          </a:xfrm>
+          <a:prstGeom prst="line">
+            <a:avLst/>
+          </a:prstGeom>
+          <a:ln w="25400">
+            <a:solidFill>
+              <a:schemeClr val="tx1"/>
+            </a:solidFill>
+            <a:headEnd type="triangle"/>
+            <a:tailEnd type="triangle"/>
+          </a:ln>
+        </p:spPr>
+        <p:style>
+          <a:lnRef idx="1">
+            <a:schemeClr val="accent1"/>
+          </a:lnRef>
+          <a:fillRef idx="0">
+            <a:schemeClr val="accent1"/>
+          </a:fillRef>
+          <a:effectRef idx="0">
+            <a:schemeClr val="accent1"/>
+          </a:effectRef>
+          <a:fontRef idx="minor">
+            <a:schemeClr val="tx1"/>
+          </a:fontRef>
+        </p:style>
+      </p:cxnSp>
+      <p:sp>
+        <p:nvSpPr>
+          <p:cNvPr id="7" name="TextBox 6">
+            <a:extLst>
+              <a:ext uri="{FF2B5EF4-FFF2-40B4-BE49-F238E27FC236}">
+                <a16:creationId xmlns:a16="http://schemas.microsoft.com/office/drawing/2014/main" id="{847E9E10-3734-8FA9-E8FC-F8923244F208}"/>
+              </a:ext>
+            </a:extLst>
+          </p:cNvPr>
+          <p:cNvSpPr txBox="1"/>
+          <p:nvPr/>
+        </p:nvSpPr>
+        <p:spPr>
+          <a:xfrm>
+            <a:off x="4625969" y="4294536"/>
+            <a:ext cx="896039" cy="400110"/>
+          </a:xfrm>
+          <a:prstGeom prst="rect">
+            <a:avLst/>
+          </a:prstGeom>
+          <a:solidFill>
+            <a:schemeClr val="bg1"/>
+          </a:solidFill>
+          <a:ln w="25400">
+            <a:solidFill>
+              <a:schemeClr val="tx1"/>
+            </a:solidFill>
+          </a:ln>
+        </p:spPr>
+        <p:txBody>
+          <a:bodyPr wrap="square" lIns="45720" tIns="45720" rIns="45720" bIns="45720" rtlCol="0">
+            <a:spAutoFit/>
+          </a:bodyPr>
+          <a:lstStyle/>
+          <a:p>
+            <a:pPr algn="ctr"/>
+            <a:r>
+              <a:rPr lang="en-US" sz="1000" dirty="0">
+                <a:latin typeface="Helvetica" pitchFamily="2" charset="0"/>
+              </a:rPr>
+              <a:t>2-3 orders of magnitude</a:t>
+            </a:r>
+          </a:p>
+        </p:txBody>
+      </p:sp>
     </p:spTree>
     <p:extLst>
       <p:ext uri="{BB962C8B-B14F-4D97-AF65-F5344CB8AC3E}">

--- a/figures/figures.pptx
+++ b/figures/figures.pptx
@@ -199,7 +199,7 @@
           <a:p>
             <a:fld id="{3EA4D083-0E5E-FD49-A238-9DDAE47A1CE4}" type="datetimeFigureOut">
               <a:rPr lang="en-US" smtClean="0"/>
-              <a:t>5/11/22</a:t>
+              <a:t>8/24/22</a:t>
             </a:fld>
             <a:endParaRPr lang="en-US"/>
           </a:p>
@@ -681,7 +681,7 @@
           <a:p>
             <a:fld id="{CDAD7613-0936-5041-9449-3FE39304F5C6}" type="datetimeFigureOut">
               <a:rPr lang="en-US" smtClean="0"/>
-              <a:t>5/11/22</a:t>
+              <a:t>8/24/22</a:t>
             </a:fld>
             <a:endParaRPr lang="en-US"/>
           </a:p>
@@ -851,7 +851,7 @@
           <a:p>
             <a:fld id="{CDAD7613-0936-5041-9449-3FE39304F5C6}" type="datetimeFigureOut">
               <a:rPr lang="en-US" smtClean="0"/>
-              <a:t>5/11/22</a:t>
+              <a:t>8/24/22</a:t>
             </a:fld>
             <a:endParaRPr lang="en-US"/>
           </a:p>
@@ -1031,7 +1031,7 @@
           <a:p>
             <a:fld id="{CDAD7613-0936-5041-9449-3FE39304F5C6}" type="datetimeFigureOut">
               <a:rPr lang="en-US" smtClean="0"/>
-              <a:t>5/11/22</a:t>
+              <a:t>8/24/22</a:t>
             </a:fld>
             <a:endParaRPr lang="en-US"/>
           </a:p>
@@ -1201,7 +1201,7 @@
           <a:p>
             <a:fld id="{CDAD7613-0936-5041-9449-3FE39304F5C6}" type="datetimeFigureOut">
               <a:rPr lang="en-US" smtClean="0"/>
-              <a:t>5/11/22</a:t>
+              <a:t>8/24/22</a:t>
             </a:fld>
             <a:endParaRPr lang="en-US"/>
           </a:p>
@@ -1445,7 +1445,7 @@
           <a:p>
             <a:fld id="{CDAD7613-0936-5041-9449-3FE39304F5C6}" type="datetimeFigureOut">
               <a:rPr lang="en-US" smtClean="0"/>
-              <a:t>5/11/22</a:t>
+              <a:t>8/24/22</a:t>
             </a:fld>
             <a:endParaRPr lang="en-US"/>
           </a:p>
@@ -1677,7 +1677,7 @@
           <a:p>
             <a:fld id="{CDAD7613-0936-5041-9449-3FE39304F5C6}" type="datetimeFigureOut">
               <a:rPr lang="en-US" smtClean="0"/>
-              <a:t>5/11/22</a:t>
+              <a:t>8/24/22</a:t>
             </a:fld>
             <a:endParaRPr lang="en-US"/>
           </a:p>
@@ -2044,7 +2044,7 @@
           <a:p>
             <a:fld id="{CDAD7613-0936-5041-9449-3FE39304F5C6}" type="datetimeFigureOut">
               <a:rPr lang="en-US" smtClean="0"/>
-              <a:t>5/11/22</a:t>
+              <a:t>8/24/22</a:t>
             </a:fld>
             <a:endParaRPr lang="en-US"/>
           </a:p>
@@ -2162,7 +2162,7 @@
           <a:p>
             <a:fld id="{CDAD7613-0936-5041-9449-3FE39304F5C6}" type="datetimeFigureOut">
               <a:rPr lang="en-US" smtClean="0"/>
-              <a:t>5/11/22</a:t>
+              <a:t>8/24/22</a:t>
             </a:fld>
             <a:endParaRPr lang="en-US"/>
           </a:p>
@@ -2257,7 +2257,7 @@
           <a:p>
             <a:fld id="{CDAD7613-0936-5041-9449-3FE39304F5C6}" type="datetimeFigureOut">
               <a:rPr lang="en-US" smtClean="0"/>
-              <a:t>5/11/22</a:t>
+              <a:t>8/24/22</a:t>
             </a:fld>
             <a:endParaRPr lang="en-US"/>
           </a:p>
@@ -2534,7 +2534,7 @@
           <a:p>
             <a:fld id="{CDAD7613-0936-5041-9449-3FE39304F5C6}" type="datetimeFigureOut">
               <a:rPr lang="en-US" smtClean="0"/>
-              <a:t>5/11/22</a:t>
+              <a:t>8/24/22</a:t>
             </a:fld>
             <a:endParaRPr lang="en-US"/>
           </a:p>
@@ -2791,7 +2791,7 @@
           <a:p>
             <a:fld id="{CDAD7613-0936-5041-9449-3FE39304F5C6}" type="datetimeFigureOut">
               <a:rPr lang="en-US" smtClean="0"/>
-              <a:t>5/11/22</a:t>
+              <a:t>8/24/22</a:t>
             </a:fld>
             <a:endParaRPr lang="en-US"/>
           </a:p>
@@ -3004,7 +3004,7 @@
           <a:p>
             <a:fld id="{CDAD7613-0936-5041-9449-3FE39304F5C6}" type="datetimeFigureOut">
               <a:rPr lang="en-US" smtClean="0"/>
-              <a:t>5/11/22</a:t>
+              <a:t>8/24/22</a:t>
             </a:fld>
             <a:endParaRPr lang="en-US"/>
           </a:p>
@@ -27993,9 +27993,8 @@
         </p:nvPicPr>
         <p:blipFill>
           <a:blip r:embed="rId2"/>
-          <a:stretch>
-            <a:fillRect/>
-          </a:stretch>
+          <a:srcRect/>
+          <a:stretch/>
         </p:blipFill>
         <p:spPr>
           <a:xfrm>
@@ -28021,8 +28020,8 @@
         </p:nvSpPr>
         <p:spPr>
           <a:xfrm>
-            <a:off x="4659639" y="5511978"/>
-            <a:ext cx="723522" cy="608602"/>
+            <a:off x="4659638" y="5511978"/>
+            <a:ext cx="730509" cy="608602"/>
           </a:xfrm>
           <a:prstGeom prst="rect">
             <a:avLst/>
